--- a/Whiteboard design session/WDS trainer presentation - Managed open source databases on Azure.pptx
+++ b/Whiteboard design session/WDS trainer presentation - Managed open source databases on Azure.pptx
@@ -6,34 +6,37 @@
     <p:sldMasterId id="2147483665" r:id="rId5"/>
   </p:sldMasterIdLst>
   <p:notesMasterIdLst>
-    <p:notesMasterId r:id="rId31"/>
+    <p:notesMasterId r:id="rId34"/>
   </p:notesMasterIdLst>
   <p:sldIdLst>
     <p:sldId id="300" r:id="rId6"/>
     <p:sldId id="301" r:id="rId7"/>
-    <p:sldId id="323" r:id="rId8"/>
+    <p:sldId id="324" r:id="rId8"/>
     <p:sldId id="302" r:id="rId9"/>
     <p:sldId id="259" r:id="rId10"/>
-    <p:sldId id="303" r:id="rId11"/>
-    <p:sldId id="304" r:id="rId12"/>
-    <p:sldId id="305" r:id="rId13"/>
-    <p:sldId id="320" r:id="rId14"/>
-    <p:sldId id="322" r:id="rId15"/>
-    <p:sldId id="321" r:id="rId16"/>
-    <p:sldId id="317" r:id="rId17"/>
-    <p:sldId id="316" r:id="rId18"/>
-    <p:sldId id="319" r:id="rId19"/>
-    <p:sldId id="318" r:id="rId20"/>
-    <p:sldId id="315" r:id="rId21"/>
-    <p:sldId id="306" r:id="rId22"/>
-    <p:sldId id="307" r:id="rId23"/>
-    <p:sldId id="308" r:id="rId24"/>
-    <p:sldId id="309" r:id="rId25"/>
-    <p:sldId id="310" r:id="rId26"/>
-    <p:sldId id="311" r:id="rId27"/>
-    <p:sldId id="312" r:id="rId28"/>
-    <p:sldId id="313" r:id="rId29"/>
-    <p:sldId id="314" r:id="rId30"/>
+    <p:sldId id="325" r:id="rId11"/>
+    <p:sldId id="326" r:id="rId12"/>
+    <p:sldId id="327" r:id="rId13"/>
+    <p:sldId id="303" r:id="rId14"/>
+    <p:sldId id="304" r:id="rId15"/>
+    <p:sldId id="305" r:id="rId16"/>
+    <p:sldId id="320" r:id="rId17"/>
+    <p:sldId id="322" r:id="rId18"/>
+    <p:sldId id="321" r:id="rId19"/>
+    <p:sldId id="317" r:id="rId20"/>
+    <p:sldId id="316" r:id="rId21"/>
+    <p:sldId id="319" r:id="rId22"/>
+    <p:sldId id="318" r:id="rId23"/>
+    <p:sldId id="315" r:id="rId24"/>
+    <p:sldId id="306" r:id="rId25"/>
+    <p:sldId id="307" r:id="rId26"/>
+    <p:sldId id="308" r:id="rId27"/>
+    <p:sldId id="309" r:id="rId28"/>
+    <p:sldId id="310" r:id="rId29"/>
+    <p:sldId id="311" r:id="rId30"/>
+    <p:sldId id="312" r:id="rId31"/>
+    <p:sldId id="313" r:id="rId32"/>
+    <p:sldId id="314" r:id="rId33"/>
   </p:sldIdLst>
   <p:sldSz cx="12192000" cy="6858000"/>
   <p:notesSz cx="6858000" cy="9144000"/>
@@ -143,8 +146,8 @@
 <file path=ppt/revisionInfo.xml><?xml version="1.0" encoding="utf-8"?>
 <p1510:revInfo xmlns:a="http://schemas.openxmlformats.org/drawingml/2006/main" xmlns:r="http://schemas.openxmlformats.org/officeDocument/2006/relationships" xmlns:p1510="http://schemas.microsoft.com/office/powerpoint/2015/10/main">
   <p1510:revLst>
+    <p1510:client id="{5F159153-6972-4091-9728-9592CD7B1E22}" v="1" dt="2018-06-29T19:57:36.034"/>
     <p1510:client id="{738DBAC3-60A1-4913-A600-E1113DEB827D}" v="37" dt="2018-05-10T17:30:28.024"/>
-    <p1510:client id="{5F159153-6972-4091-9728-9592CD7B1E22}" v="1" dt="2018-06-29T19:57:36.034"/>
   </p1510:revLst>
 </p1510:revInfo>
 </file>
@@ -231,7 +234,7 @@
           <a:p>
             <a:fld id="{52A13B17-C506-4D51-BB37-16B365906619}" type="datetimeFigureOut">
               <a:rPr lang="en-US" smtClean="0"/>
-              <a:t>6/29/2018</a:t>
+              <a:t>6/19/2019</a:t>
             </a:fld>
             <a:endParaRPr lang="en-US"/>
           </a:p>
@@ -686,7 +689,7 @@
           <a:bodyPr/>
           <a:lstStyle/>
           <a:p>
-            <a:endParaRPr lang="en-US" dirty="0"/>
+            <a:endParaRPr lang="en-US"/>
           </a:p>
         </p:txBody>
       </p:sp>
@@ -716,7 +719,7 @@
     </p:spTree>
     <p:extLst>
       <p:ext uri="{BB962C8B-B14F-4D97-AF65-F5344CB8AC3E}">
-        <p14:creationId xmlns:p14="http://schemas.microsoft.com/office/powerpoint/2010/main" val="251902611"/>
+        <p14:creationId xmlns:p14="http://schemas.microsoft.com/office/powerpoint/2010/main" val="1669752691"/>
       </p:ext>
     </p:extLst>
   </p:cSld>
@@ -770,7 +773,7 @@
           <a:bodyPr/>
           <a:lstStyle/>
           <a:p>
-            <a:endParaRPr lang="en-US" dirty="0"/>
+            <a:endParaRPr lang="en-US"/>
           </a:p>
         </p:txBody>
       </p:sp>
@@ -800,7 +803,7 @@
     </p:spTree>
     <p:extLst>
       <p:ext uri="{BB962C8B-B14F-4D97-AF65-F5344CB8AC3E}">
-        <p14:creationId xmlns:p14="http://schemas.microsoft.com/office/powerpoint/2010/main" val="1579283386"/>
+        <p14:creationId xmlns:p14="http://schemas.microsoft.com/office/powerpoint/2010/main" val="1267405105"/>
       </p:ext>
     </p:extLst>
   </p:cSld>
@@ -854,7 +857,7 @@
           <a:bodyPr/>
           <a:lstStyle/>
           <a:p>
-            <a:endParaRPr lang="en-US"/>
+            <a:endParaRPr lang="en-US" dirty="0"/>
           </a:p>
         </p:txBody>
       </p:sp>
@@ -884,7 +887,7 @@
     </p:spTree>
     <p:extLst>
       <p:ext uri="{BB962C8B-B14F-4D97-AF65-F5344CB8AC3E}">
-        <p14:creationId xmlns:p14="http://schemas.microsoft.com/office/powerpoint/2010/main" val="647674203"/>
+        <p14:creationId xmlns:p14="http://schemas.microsoft.com/office/powerpoint/2010/main" val="3229744285"/>
       </p:ext>
     </p:extLst>
   </p:cSld>
@@ -938,7 +941,7 @@
           <a:bodyPr/>
           <a:lstStyle/>
           <a:p>
-            <a:endParaRPr lang="en-US"/>
+            <a:endParaRPr lang="en-US" dirty="0"/>
           </a:p>
         </p:txBody>
       </p:sp>
@@ -968,7 +971,7 @@
     </p:spTree>
     <p:extLst>
       <p:ext uri="{BB962C8B-B14F-4D97-AF65-F5344CB8AC3E}">
-        <p14:creationId xmlns:p14="http://schemas.microsoft.com/office/powerpoint/2010/main" val="4179281765"/>
+        <p14:creationId xmlns:p14="http://schemas.microsoft.com/office/powerpoint/2010/main" val="251902611"/>
       </p:ext>
     </p:extLst>
   </p:cSld>
@@ -1022,7 +1025,7 @@
           <a:bodyPr/>
           <a:lstStyle/>
           <a:p>
-            <a:endParaRPr lang="en-US"/>
+            <a:endParaRPr lang="en-US" dirty="0"/>
           </a:p>
         </p:txBody>
       </p:sp>
@@ -1052,7 +1055,7 @@
     </p:spTree>
     <p:extLst>
       <p:ext uri="{BB962C8B-B14F-4D97-AF65-F5344CB8AC3E}">
-        <p14:creationId xmlns:p14="http://schemas.microsoft.com/office/powerpoint/2010/main" val="4115832635"/>
+        <p14:creationId xmlns:p14="http://schemas.microsoft.com/office/powerpoint/2010/main" val="1579283386"/>
       </p:ext>
     </p:extLst>
   </p:cSld>
@@ -1136,7 +1139,7 @@
     </p:spTree>
     <p:extLst>
       <p:ext uri="{BB962C8B-B14F-4D97-AF65-F5344CB8AC3E}">
-        <p14:creationId xmlns:p14="http://schemas.microsoft.com/office/powerpoint/2010/main" val="671285550"/>
+        <p14:creationId xmlns:p14="http://schemas.microsoft.com/office/powerpoint/2010/main" val="647674203"/>
       </p:ext>
     </p:extLst>
   </p:cSld>
@@ -1173,12 +1176,7 @@
             <p:ph type="sldImg"/>
           </p:nvPr>
         </p:nvSpPr>
-        <p:spPr>
-          <a:xfrm>
-            <a:off x="381000" y="685800"/>
-            <a:ext cx="6096000" cy="3429000"/>
-          </a:xfrm>
-        </p:spPr>
+        <p:spPr/>
       </p:sp>
       <p:sp>
         <p:nvSpPr>
@@ -1192,54 +1190,21 @@
         </p:nvSpPr>
         <p:spPr/>
         <p:txBody>
-          <a:bodyPr>
-            <a:normAutofit/>
-          </a:bodyPr>
+          <a:bodyPr/>
           <a:lstStyle/>
           <a:p>
-            <a:endParaRPr lang="en-US" dirty="0"/>
+            <a:endParaRPr lang="en-US"/>
           </a:p>
         </p:txBody>
       </p:sp>
       <p:sp>
         <p:nvSpPr>
-          <p:cNvPr id="4" name="Header Placeholder 3"/>
+          <p:cNvPr id="4" name="Slide Number Placeholder 3"/>
           <p:cNvSpPr>
             <a:spLocks noGrp="1"/>
           </p:cNvSpPr>
           <p:nvPr>
-            <p:ph type="hdr" sz="quarter" idx="10"/>
-          </p:nvPr>
-        </p:nvSpPr>
-        <p:spPr>
-          <a:xfrm>
-            <a:off x="0" y="0"/>
-            <a:ext cx="2971800" cy="457200"/>
-          </a:xfrm>
-          <a:prstGeom prst="rect">
-            <a:avLst/>
-          </a:prstGeom>
-        </p:spPr>
-        <p:txBody>
-          <a:bodyPr/>
-          <a:lstStyle/>
-          <a:p>
-            <a:endParaRPr lang="en-US" dirty="0">
-              <a:solidFill>
-                <a:prstClr val="black"/>
-              </a:solidFill>
-            </a:endParaRPr>
-          </a:p>
-        </p:txBody>
-      </p:sp>
-      <p:sp>
-        <p:nvSpPr>
-          <p:cNvPr id="5" name="Date Placeholder 4"/>
-          <p:cNvSpPr>
-            <a:spLocks noGrp="1"/>
-          </p:cNvSpPr>
-          <p:nvPr>
-            <p:ph type="dt" idx="11"/>
+            <p:ph type="sldNum" sz="quarter" idx="10"/>
           </p:nvPr>
         </p:nvSpPr>
         <p:spPr/>
@@ -1247,112 +1212,18 @@
           <a:bodyPr/>
           <a:lstStyle/>
           <a:p>
-            <a:fld id="{8AB9A6D4-FB34-4BDB-BA1E-7271914431FC}" type="datetime8">
-              <a:rPr lang="en-US" smtClean="0">
-                <a:solidFill>
-                  <a:prstClr val="black"/>
-                </a:solidFill>
-              </a:rPr>
-              <a:t>6/29/2018 12:56 PM</a:t>
-            </a:fld>
-            <a:endParaRPr lang="en-US" dirty="0">
-              <a:solidFill>
-                <a:prstClr val="black"/>
-              </a:solidFill>
-            </a:endParaRPr>
-          </a:p>
-        </p:txBody>
-      </p:sp>
-      <p:sp>
-        <p:nvSpPr>
-          <p:cNvPr id="7" name="Slide Number Placeholder 6"/>
-          <p:cNvSpPr>
-            <a:spLocks noGrp="1"/>
-          </p:cNvSpPr>
-          <p:nvPr>
-            <p:ph type="sldNum" sz="quarter" idx="13"/>
-          </p:nvPr>
-        </p:nvSpPr>
-        <p:spPr/>
-        <p:txBody>
-          <a:bodyPr/>
-          <a:lstStyle/>
-          <a:p>
-            <a:fld id="{EC87E0CF-87F6-4B58-B8B8-DCAB2DAAF3CA}" type="slidenum">
-              <a:rPr lang="en-US" smtClean="0">
-                <a:solidFill>
-                  <a:prstClr val="black"/>
-                </a:solidFill>
-              </a:rPr>
-              <a:pPr/>
+            <a:fld id="{0998D5BB-B127-481F-BC0A-2F77C576BB34}" type="slidenum">
+              <a:rPr lang="en-US" smtClean="0"/>
               <a:t>16</a:t>
             </a:fld>
-            <a:endParaRPr lang="en-US" dirty="0">
-              <a:solidFill>
-                <a:prstClr val="black"/>
-              </a:solidFill>
-            </a:endParaRPr>
-          </a:p>
-        </p:txBody>
-      </p:sp>
-      <p:sp>
-        <p:nvSpPr>
-          <p:cNvPr id="6" name="Footer Placeholder 5"/>
-          <p:cNvSpPr>
-            <a:spLocks noGrp="1"/>
-          </p:cNvSpPr>
-          <p:nvPr>
-            <p:ph type="ftr" sz="quarter" idx="14"/>
-          </p:nvPr>
-        </p:nvSpPr>
-        <p:spPr/>
-        <p:txBody>
-          <a:bodyPr/>
-          <a:lstStyle/>
-          <a:p>
-            <a:pPr defTabSz="914099" eaLnBrk="0" hangingPunct="0"/>
-            <a:r>
-              <a:rPr lang="en-US" sz="400">
-                <a:gradFill>
-                  <a:gsLst>
-                    <a:gs pos="0">
-                      <a:prstClr val="black"/>
-                    </a:gs>
-                    <a:gs pos="100000">
-                      <a:prstClr val="black"/>
-                    </a:gs>
-                  </a:gsLst>
-                  <a:lin ang="5400000" scaled="0"/>
-                </a:gradFill>
-                <a:latin typeface="Segoe UI" pitchFamily="34" charset="0"/>
-                <a:ea typeface="Segoe UI" pitchFamily="34" charset="0"/>
-                <a:cs typeface="Segoe UI" pitchFamily="34" charset="0"/>
-              </a:rPr>
-              <a:t>© Microsoft Corporation. All rights reserved. MICROSOFT MAKES NO WARRANTIES, EXPRESS, IMPLIED OR STATUTORY, AS TO THE INFORMATION IN THIS PRESENTATION.</a:t>
-            </a:r>
-            <a:endParaRPr lang="en-US" sz="400" dirty="0">
-              <a:gradFill>
-                <a:gsLst>
-                  <a:gs pos="0">
-                    <a:prstClr val="black"/>
-                  </a:gs>
-                  <a:gs pos="100000">
-                    <a:prstClr val="black"/>
-                  </a:gs>
-                </a:gsLst>
-                <a:lin ang="5400000" scaled="0"/>
-              </a:gradFill>
-              <a:latin typeface="Segoe UI" pitchFamily="34" charset="0"/>
-              <a:ea typeface="Segoe UI" pitchFamily="34" charset="0"/>
-              <a:cs typeface="Segoe UI" pitchFamily="34" charset="0"/>
-            </a:endParaRPr>
+            <a:endParaRPr lang="en-US"/>
           </a:p>
         </p:txBody>
       </p:sp>
     </p:spTree>
     <p:extLst>
       <p:ext uri="{BB962C8B-B14F-4D97-AF65-F5344CB8AC3E}">
-        <p14:creationId xmlns:p14="http://schemas.microsoft.com/office/powerpoint/2010/main" val="4011344012"/>
+        <p14:creationId xmlns:p14="http://schemas.microsoft.com/office/powerpoint/2010/main" val="4179281765"/>
       </p:ext>
     </p:extLst>
   </p:cSld>
@@ -1406,18 +1277,18 @@
           <a:bodyPr/>
           <a:lstStyle/>
           <a:p>
-            <a:endParaRPr lang="en-US" dirty="0"/>
+            <a:endParaRPr lang="en-US"/>
           </a:p>
         </p:txBody>
       </p:sp>
       <p:sp>
         <p:nvSpPr>
-          <p:cNvPr id="4" name="Header Placeholder 3"/>
+          <p:cNvPr id="4" name="Slide Number Placeholder 3"/>
           <p:cNvSpPr>
             <a:spLocks noGrp="1"/>
           </p:cNvSpPr>
           <p:nvPr>
-            <p:ph type="hdr" sz="quarter" idx="10"/>
+            <p:ph type="sldNum" sz="quarter" idx="10"/>
           </p:nvPr>
         </p:nvSpPr>
         <p:spPr/>
@@ -1425,115 +1296,18 @@
           <a:bodyPr/>
           <a:lstStyle/>
           <a:p>
-            <a:endParaRPr lang="en-US" dirty="0"/>
-          </a:p>
-        </p:txBody>
-      </p:sp>
-      <p:sp>
-        <p:nvSpPr>
-          <p:cNvPr id="5" name="Footer Placeholder 4"/>
-          <p:cNvSpPr>
-            <a:spLocks noGrp="1"/>
-          </p:cNvSpPr>
-          <p:nvPr>
-            <p:ph type="ftr" sz="quarter" idx="11"/>
-          </p:nvPr>
-        </p:nvSpPr>
-        <p:spPr/>
-        <p:txBody>
-          <a:bodyPr/>
-          <a:lstStyle/>
-          <a:p>
-            <a:pPr defTabSz="914099" eaLnBrk="0" hangingPunct="0"/>
-            <a:r>
-              <a:rPr lang="en-US" sz="400">
-                <a:gradFill>
-                  <a:gsLst>
-                    <a:gs pos="0">
-                      <a:prstClr val="black"/>
-                    </a:gs>
-                    <a:gs pos="100000">
-                      <a:prstClr val="black"/>
-                    </a:gs>
-                  </a:gsLst>
-                  <a:lin ang="5400000" scaled="0"/>
-                </a:gradFill>
-                <a:latin typeface="Segoe UI" pitchFamily="34" charset="0"/>
-                <a:ea typeface="Segoe UI" pitchFamily="34" charset="0"/>
-                <a:cs typeface="Segoe UI" pitchFamily="34" charset="0"/>
-              </a:rPr>
-              <a:t>© Microsoft Corporation. All rights reserved. MICROSOFT MAKES NO WARRANTIES, EXPRESS, IMPLIED OR STATUTORY, AS TO THE INFORMATION IN THIS PRESENTATION.</a:t>
-            </a:r>
-            <a:endParaRPr lang="en-US" sz="400" dirty="0">
-              <a:gradFill>
-                <a:gsLst>
-                  <a:gs pos="0">
-                    <a:prstClr val="black"/>
-                  </a:gs>
-                  <a:gs pos="100000">
-                    <a:prstClr val="black"/>
-                  </a:gs>
-                </a:gsLst>
-                <a:lin ang="5400000" scaled="0"/>
-              </a:gradFill>
-              <a:latin typeface="Segoe UI" pitchFamily="34" charset="0"/>
-              <a:ea typeface="Segoe UI" pitchFamily="34" charset="0"/>
-              <a:cs typeface="Segoe UI" pitchFamily="34" charset="0"/>
-            </a:endParaRPr>
-          </a:p>
-        </p:txBody>
-      </p:sp>
-      <p:sp>
-        <p:nvSpPr>
-          <p:cNvPr id="6" name="Date Placeholder 5"/>
-          <p:cNvSpPr>
-            <a:spLocks noGrp="1"/>
-          </p:cNvSpPr>
-          <p:nvPr>
-            <p:ph type="dt" idx="12"/>
-          </p:nvPr>
-        </p:nvSpPr>
-        <p:spPr/>
-        <p:txBody>
-          <a:bodyPr/>
-          <a:lstStyle/>
-          <a:p>
-            <a:fld id="{328EAAE8-B538-48EB-83B5-2B364220CC89}" type="datetime8">
+            <a:fld id="{0998D5BB-B127-481F-BC0A-2F77C576BB34}" type="slidenum">
               <a:rPr lang="en-US" smtClean="0"/>
-              <a:t>6/29/2018 12:56 PM</a:t>
-            </a:fld>
-            <a:endParaRPr lang="en-US" dirty="0"/>
-          </a:p>
-        </p:txBody>
-      </p:sp>
-      <p:sp>
-        <p:nvSpPr>
-          <p:cNvPr id="7" name="Slide Number Placeholder 6"/>
-          <p:cNvSpPr>
-            <a:spLocks noGrp="1"/>
-          </p:cNvSpPr>
-          <p:nvPr>
-            <p:ph type="sldNum" sz="quarter" idx="13"/>
-          </p:nvPr>
-        </p:nvSpPr>
-        <p:spPr/>
-        <p:txBody>
-          <a:bodyPr/>
-          <a:lstStyle/>
-          <a:p>
-            <a:fld id="{B4008EB6-D09E-4580-8CD6-DDB14511944F}" type="slidenum">
-              <a:rPr lang="en-US" smtClean="0"/>
-              <a:pPr/>
               <a:t>17</a:t>
             </a:fld>
-            <a:endParaRPr lang="en-US" dirty="0"/>
+            <a:endParaRPr lang="en-US"/>
           </a:p>
         </p:txBody>
       </p:sp>
     </p:spTree>
     <p:extLst>
       <p:ext uri="{BB962C8B-B14F-4D97-AF65-F5344CB8AC3E}">
-        <p14:creationId xmlns:p14="http://schemas.microsoft.com/office/powerpoint/2010/main" val="3283041316"/>
+        <p14:creationId xmlns:p14="http://schemas.microsoft.com/office/powerpoint/2010/main" val="4115832635"/>
       </p:ext>
     </p:extLst>
   </p:cSld>
@@ -1587,18 +1361,18 @@
           <a:bodyPr/>
           <a:lstStyle/>
           <a:p>
-            <a:endParaRPr lang="en-US" dirty="0"/>
+            <a:endParaRPr lang="en-US"/>
           </a:p>
         </p:txBody>
       </p:sp>
       <p:sp>
         <p:nvSpPr>
-          <p:cNvPr id="6" name="Slide Number Placeholder 5"/>
+          <p:cNvPr id="4" name="Slide Number Placeholder 3"/>
           <p:cNvSpPr>
             <a:spLocks noGrp="1"/>
           </p:cNvSpPr>
           <p:nvPr>
-            <p:ph type="sldNum" sz="quarter" idx="12"/>
+            <p:ph type="sldNum" sz="quarter" idx="10"/>
           </p:nvPr>
         </p:nvSpPr>
         <p:spPr/>
@@ -1606,115 +1380,18 @@
           <a:bodyPr/>
           <a:lstStyle/>
           <a:p>
-            <a:fld id="{B4008EB6-D09E-4580-8CD6-DDB14511944F}" type="slidenum">
+            <a:fld id="{0998D5BB-B127-481F-BC0A-2F77C576BB34}" type="slidenum">
               <a:rPr lang="en-US" smtClean="0"/>
-              <a:pPr/>
               <a:t>18</a:t>
             </a:fld>
-            <a:endParaRPr lang="en-US" dirty="0"/>
-          </a:p>
-        </p:txBody>
-      </p:sp>
-      <p:sp>
-        <p:nvSpPr>
-          <p:cNvPr id="10" name="Date Placeholder 9"/>
-          <p:cNvSpPr>
-            <a:spLocks noGrp="1"/>
-          </p:cNvSpPr>
-          <p:nvPr>
-            <p:ph type="dt" idx="13"/>
-          </p:nvPr>
-        </p:nvSpPr>
-        <p:spPr/>
-        <p:txBody>
-          <a:bodyPr/>
-          <a:lstStyle/>
-          <a:p>
-            <a:fld id="{5A70A388-5CB4-42F2-85B9-1AE1F63398FA}" type="datetime8">
-              <a:rPr lang="en-US" smtClean="0"/>
-              <a:t>6/29/2018 12:56 PM</a:t>
-            </a:fld>
-            <a:endParaRPr lang="en-US" dirty="0"/>
-          </a:p>
-        </p:txBody>
-      </p:sp>
-      <p:sp>
-        <p:nvSpPr>
-          <p:cNvPr id="12" name="Header Placeholder 11"/>
-          <p:cNvSpPr>
-            <a:spLocks noGrp="1"/>
-          </p:cNvSpPr>
-          <p:nvPr>
-            <p:ph type="hdr" sz="quarter" idx="15"/>
-          </p:nvPr>
-        </p:nvSpPr>
-        <p:spPr/>
-        <p:txBody>
-          <a:bodyPr/>
-          <a:lstStyle/>
-          <a:p>
-            <a:endParaRPr lang="en-US" dirty="0"/>
-          </a:p>
-        </p:txBody>
-      </p:sp>
-      <p:sp>
-        <p:nvSpPr>
-          <p:cNvPr id="5" name="Footer Placeholder 4"/>
-          <p:cNvSpPr>
-            <a:spLocks noGrp="1"/>
-          </p:cNvSpPr>
-          <p:nvPr>
-            <p:ph type="ftr" sz="quarter" idx="16"/>
-          </p:nvPr>
-        </p:nvSpPr>
-        <p:spPr/>
-        <p:txBody>
-          <a:bodyPr/>
-          <a:lstStyle/>
-          <a:p>
-            <a:pPr defTabSz="914099" eaLnBrk="0" hangingPunct="0"/>
-            <a:r>
-              <a:rPr lang="en-US" sz="400">
-                <a:gradFill>
-                  <a:gsLst>
-                    <a:gs pos="0">
-                      <a:prstClr val="black"/>
-                    </a:gs>
-                    <a:gs pos="100000">
-                      <a:prstClr val="black"/>
-                    </a:gs>
-                  </a:gsLst>
-                  <a:lin ang="5400000" scaled="0"/>
-                </a:gradFill>
-                <a:latin typeface="Segoe UI" pitchFamily="34" charset="0"/>
-                <a:ea typeface="Segoe UI" pitchFamily="34" charset="0"/>
-                <a:cs typeface="Segoe UI" pitchFamily="34" charset="0"/>
-              </a:rPr>
-              <a:t>© Microsoft Corporation. All rights reserved. MICROSOFT MAKES NO WARRANTIES, EXPRESS, IMPLIED OR STATUTORY, AS TO THE INFORMATION IN THIS PRESENTATION.</a:t>
-            </a:r>
-            <a:endParaRPr lang="en-US" sz="400" dirty="0">
-              <a:gradFill>
-                <a:gsLst>
-                  <a:gs pos="0">
-                    <a:prstClr val="black"/>
-                  </a:gs>
-                  <a:gs pos="100000">
-                    <a:prstClr val="black"/>
-                  </a:gs>
-                </a:gsLst>
-                <a:lin ang="5400000" scaled="0"/>
-              </a:gradFill>
-              <a:latin typeface="Segoe UI" pitchFamily="34" charset="0"/>
-              <a:ea typeface="Segoe UI" pitchFamily="34" charset="0"/>
-              <a:cs typeface="Segoe UI" pitchFamily="34" charset="0"/>
-            </a:endParaRPr>
+            <a:endParaRPr lang="en-US"/>
           </a:p>
         </p:txBody>
       </p:sp>
     </p:spTree>
     <p:extLst>
       <p:ext uri="{BB962C8B-B14F-4D97-AF65-F5344CB8AC3E}">
-        <p14:creationId xmlns:p14="http://schemas.microsoft.com/office/powerpoint/2010/main" val="2019336904"/>
+        <p14:creationId xmlns:p14="http://schemas.microsoft.com/office/powerpoint/2010/main" val="671285550"/>
       </p:ext>
     </p:extLst>
   </p:cSld>
@@ -1756,9 +1433,6 @@
             <a:off x="381000" y="685800"/>
             <a:ext cx="6096000" cy="3429000"/>
           </a:xfrm>
-          <a:prstGeom prst="rect">
-            <a:avLst/>
-          </a:prstGeom>
         </p:spPr>
       </p:sp>
       <p:sp>
@@ -1771,15 +1445,7 @@
             <p:ph type="body" idx="1"/>
           </p:nvPr>
         </p:nvSpPr>
-        <p:spPr>
-          <a:xfrm>
-            <a:off x="685800" y="4343400"/>
-            <a:ext cx="5486400" cy="4114800"/>
-          </a:xfrm>
-          <a:prstGeom prst="rect">
-            <a:avLst/>
-          </a:prstGeom>
-        </p:spPr>
+        <p:spPr/>
         <p:txBody>
           <a:bodyPr>
             <a:normAutofit/>
@@ -1792,17 +1458,17 @@
       </p:sp>
       <p:sp>
         <p:nvSpPr>
-          <p:cNvPr id="4" name="Date Placeholder 3"/>
+          <p:cNvPr id="4" name="Header Placeholder 3"/>
           <p:cNvSpPr>
             <a:spLocks noGrp="1"/>
           </p:cNvSpPr>
           <p:nvPr>
-            <p:ph type="dt" idx="10"/>
+            <p:ph type="hdr" sz="quarter" idx="10"/>
           </p:nvPr>
         </p:nvSpPr>
         <p:spPr>
           <a:xfrm>
-            <a:off x="3884613" y="0"/>
+            <a:off x="0" y="0"/>
             <a:ext cx="2971800" cy="457200"/>
           </a:xfrm>
           <a:prstGeom prst="rect">
@@ -1813,11 +1479,42 @@
           <a:bodyPr/>
           <a:lstStyle/>
           <a:p>
-            <a:fld id="{6939CF7E-134C-4B4A-9853-17D7568CBCC2}" type="datetime8">
-              <a:rPr lang="en-US" smtClean="0"/>
-              <a:t>6/29/2018 12:56 PM</a:t>
+            <a:endParaRPr lang="en-US" dirty="0">
+              <a:solidFill>
+                <a:prstClr val="black"/>
+              </a:solidFill>
+            </a:endParaRPr>
+          </a:p>
+        </p:txBody>
+      </p:sp>
+      <p:sp>
+        <p:nvSpPr>
+          <p:cNvPr id="5" name="Date Placeholder 4"/>
+          <p:cNvSpPr>
+            <a:spLocks noGrp="1"/>
+          </p:cNvSpPr>
+          <p:nvPr>
+            <p:ph type="dt" idx="11"/>
+          </p:nvPr>
+        </p:nvSpPr>
+        <p:spPr/>
+        <p:txBody>
+          <a:bodyPr/>
+          <a:lstStyle/>
+          <a:p>
+            <a:fld id="{8AB9A6D4-FB34-4BDB-BA1E-7271914431FC}" type="datetime8">
+              <a:rPr lang="en-US" smtClean="0">
+                <a:solidFill>
+                  <a:prstClr val="black"/>
+                </a:solidFill>
+              </a:rPr>
+              <a:t>6/19/2019 11:09 AM</a:t>
             </a:fld>
-            <a:endParaRPr lang="en-US" dirty="0"/>
+            <a:endParaRPr lang="en-US" dirty="0">
+              <a:solidFill>
+                <a:prstClr val="black"/>
+              </a:solidFill>
+            </a:endParaRPr>
           </a:p>
         </p:txBody>
       </p:sp>
@@ -1828,28 +1525,28 @@
             <a:spLocks noGrp="1"/>
           </p:cNvSpPr>
           <p:nvPr>
-            <p:ph type="sldNum" sz="quarter" idx="12"/>
+            <p:ph type="sldNum" sz="quarter" idx="13"/>
           </p:nvPr>
         </p:nvSpPr>
-        <p:spPr>
-          <a:xfrm>
-            <a:off x="6172199" y="8685213"/>
-            <a:ext cx="684213" cy="457200"/>
-          </a:xfrm>
-          <a:prstGeom prst="rect">
-            <a:avLst/>
-          </a:prstGeom>
-        </p:spPr>
+        <p:spPr/>
         <p:txBody>
           <a:bodyPr/>
           <a:lstStyle/>
           <a:p>
-            <a:fld id="{8B263312-38AA-4E1E-B2B5-0F8F122B24FE}" type="slidenum">
-              <a:rPr lang="en-US" smtClean="0"/>
+            <a:fld id="{EC87E0CF-87F6-4B58-B8B8-DCAB2DAAF3CA}" type="slidenum">
+              <a:rPr lang="en-US" smtClean="0">
+                <a:solidFill>
+                  <a:prstClr val="black"/>
+                </a:solidFill>
+              </a:rPr>
               <a:pPr/>
               <a:t>19</a:t>
             </a:fld>
-            <a:endParaRPr lang="en-US" dirty="0"/>
+            <a:endParaRPr lang="en-US" dirty="0">
+              <a:solidFill>
+                <a:prstClr val="black"/>
+              </a:solidFill>
+            </a:endParaRPr>
           </a:p>
         </p:txBody>
       </p:sp>
@@ -1860,7 +1557,7 @@
             <a:spLocks noGrp="1"/>
           </p:cNvSpPr>
           <p:nvPr>
-            <p:ph type="ftr" sz="quarter" idx="13"/>
+            <p:ph type="ftr" sz="quarter" idx="14"/>
           </p:nvPr>
         </p:nvSpPr>
         <p:spPr/>
@@ -1907,29 +1604,10 @@
           </a:p>
         </p:txBody>
       </p:sp>
-      <p:sp>
-        <p:nvSpPr>
-          <p:cNvPr id="9" name="Header Placeholder 8"/>
-          <p:cNvSpPr>
-            <a:spLocks noGrp="1"/>
-          </p:cNvSpPr>
-          <p:nvPr>
-            <p:ph type="hdr" sz="quarter" idx="14"/>
-          </p:nvPr>
-        </p:nvSpPr>
-        <p:spPr/>
-        <p:txBody>
-          <a:bodyPr/>
-          <a:lstStyle/>
-          <a:p>
-            <a:endParaRPr lang="en-US" dirty="0"/>
-          </a:p>
-        </p:txBody>
-      </p:sp>
     </p:spTree>
     <p:extLst>
       <p:ext uri="{BB962C8B-B14F-4D97-AF65-F5344CB8AC3E}">
-        <p14:creationId xmlns:p14="http://schemas.microsoft.com/office/powerpoint/2010/main" val="2215225009"/>
+        <p14:creationId xmlns:p14="http://schemas.microsoft.com/office/powerpoint/2010/main" val="4011344012"/>
       </p:ext>
     </p:extLst>
   </p:cSld>
@@ -2219,9 +1897,9 @@
           <a:bodyPr/>
           <a:lstStyle/>
           <a:p>
-            <a:fld id="{B76134C8-AC9E-49DD-B3D6-722B1A93F18D}" type="datetime8">
+            <a:fld id="{328EAAE8-B538-48EB-83B5-2B364220CC89}" type="datetime8">
               <a:rPr lang="en-US" smtClean="0"/>
-              <a:t>6/29/2018 12:56 PM</a:t>
+              <a:t>6/19/2019 11:09 AM</a:t>
             </a:fld>
             <a:endParaRPr lang="en-US" dirty="0"/>
           </a:p>
@@ -2254,7 +1932,7 @@
     </p:spTree>
     <p:extLst>
       <p:ext uri="{BB962C8B-B14F-4D97-AF65-F5344CB8AC3E}">
-        <p14:creationId xmlns:p14="http://schemas.microsoft.com/office/powerpoint/2010/main" val="3547892515"/>
+        <p14:creationId xmlns:p14="http://schemas.microsoft.com/office/powerpoint/2010/main" val="3283041316"/>
       </p:ext>
     </p:extLst>
   </p:cSld>
@@ -2308,18 +1986,65 @@
           <a:bodyPr/>
           <a:lstStyle/>
           <a:p>
-            <a:endParaRPr lang="en-US"/>
+            <a:endParaRPr lang="en-US" dirty="0"/>
           </a:p>
         </p:txBody>
       </p:sp>
       <p:sp>
         <p:nvSpPr>
-          <p:cNvPr id="4" name="Header Placeholder 3"/>
+          <p:cNvPr id="6" name="Slide Number Placeholder 5"/>
           <p:cNvSpPr>
             <a:spLocks noGrp="1"/>
           </p:cNvSpPr>
           <p:nvPr>
-            <p:ph type="hdr" sz="quarter" idx="10"/>
+            <p:ph type="sldNum" sz="quarter" idx="12"/>
+          </p:nvPr>
+        </p:nvSpPr>
+        <p:spPr/>
+        <p:txBody>
+          <a:bodyPr/>
+          <a:lstStyle/>
+          <a:p>
+            <a:fld id="{B4008EB6-D09E-4580-8CD6-DDB14511944F}" type="slidenum">
+              <a:rPr lang="en-US" smtClean="0"/>
+              <a:pPr/>
+              <a:t>21</a:t>
+            </a:fld>
+            <a:endParaRPr lang="en-US" dirty="0"/>
+          </a:p>
+        </p:txBody>
+      </p:sp>
+      <p:sp>
+        <p:nvSpPr>
+          <p:cNvPr id="10" name="Date Placeholder 9"/>
+          <p:cNvSpPr>
+            <a:spLocks noGrp="1"/>
+          </p:cNvSpPr>
+          <p:nvPr>
+            <p:ph type="dt" idx="13"/>
+          </p:nvPr>
+        </p:nvSpPr>
+        <p:spPr/>
+        <p:txBody>
+          <a:bodyPr/>
+          <a:lstStyle/>
+          <a:p>
+            <a:fld id="{5A70A388-5CB4-42F2-85B9-1AE1F63398FA}" type="datetime8">
+              <a:rPr lang="en-US" smtClean="0"/>
+              <a:t>6/19/2019 11:09 AM</a:t>
+            </a:fld>
+            <a:endParaRPr lang="en-US" dirty="0"/>
+          </a:p>
+        </p:txBody>
+      </p:sp>
+      <p:sp>
+        <p:nvSpPr>
+          <p:cNvPr id="12" name="Header Placeholder 11"/>
+          <p:cNvSpPr>
+            <a:spLocks noGrp="1"/>
+          </p:cNvSpPr>
+          <p:nvPr>
+            <p:ph type="hdr" sz="quarter" idx="15"/>
           </p:nvPr>
         </p:nvSpPr>
         <p:spPr/>
@@ -2338,7 +2063,7 @@
             <a:spLocks noGrp="1"/>
           </p:cNvSpPr>
           <p:nvPr>
-            <p:ph type="ftr" sz="quarter" idx="11"/>
+            <p:ph type="ftr" sz="quarter" idx="16"/>
           </p:nvPr>
         </p:nvSpPr>
         <p:spPr/>
@@ -2385,57 +2110,10 @@
           </a:p>
         </p:txBody>
       </p:sp>
-      <p:sp>
-        <p:nvSpPr>
-          <p:cNvPr id="6" name="Date Placeholder 5"/>
-          <p:cNvSpPr>
-            <a:spLocks noGrp="1"/>
-          </p:cNvSpPr>
-          <p:nvPr>
-            <p:ph type="dt" idx="12"/>
-          </p:nvPr>
-        </p:nvSpPr>
-        <p:spPr/>
-        <p:txBody>
-          <a:bodyPr/>
-          <a:lstStyle/>
-          <a:p>
-            <a:fld id="{34FAA446-E61B-4D43-A3B1-7749AA6DC131}" type="datetime8">
-              <a:rPr lang="en-US" smtClean="0"/>
-              <a:t>6/29/2018 12:56 PM</a:t>
-            </a:fld>
-            <a:endParaRPr lang="en-US" dirty="0"/>
-          </a:p>
-        </p:txBody>
-      </p:sp>
-      <p:sp>
-        <p:nvSpPr>
-          <p:cNvPr id="7" name="Slide Number Placeholder 6"/>
-          <p:cNvSpPr>
-            <a:spLocks noGrp="1"/>
-          </p:cNvSpPr>
-          <p:nvPr>
-            <p:ph type="sldNum" sz="quarter" idx="13"/>
-          </p:nvPr>
-        </p:nvSpPr>
-        <p:spPr/>
-        <p:txBody>
-          <a:bodyPr/>
-          <a:lstStyle/>
-          <a:p>
-            <a:fld id="{B4008EB6-D09E-4580-8CD6-DDB14511944F}" type="slidenum">
-              <a:rPr lang="en-US" smtClean="0"/>
-              <a:pPr/>
-              <a:t>21</a:t>
-            </a:fld>
-            <a:endParaRPr lang="en-US" dirty="0"/>
-          </a:p>
-        </p:txBody>
-      </p:sp>
     </p:spTree>
     <p:extLst>
       <p:ext uri="{BB962C8B-B14F-4D97-AF65-F5344CB8AC3E}">
-        <p14:creationId xmlns:p14="http://schemas.microsoft.com/office/powerpoint/2010/main" val="1325077928"/>
+        <p14:creationId xmlns:p14="http://schemas.microsoft.com/office/powerpoint/2010/main" val="2019336904"/>
       </p:ext>
     </p:extLst>
   </p:cSld>
@@ -2472,7 +2150,15 @@
             <p:ph type="sldImg"/>
           </p:nvPr>
         </p:nvSpPr>
-        <p:spPr/>
+        <p:spPr>
+          <a:xfrm>
+            <a:off x="381000" y="685800"/>
+            <a:ext cx="6096000" cy="3429000"/>
+          </a:xfrm>
+          <a:prstGeom prst="rect">
+            <a:avLst/>
+          </a:prstGeom>
+        </p:spPr>
       </p:sp>
       <p:sp>
         <p:nvSpPr>
@@ -2484,42 +2170,96 @@
             <p:ph type="body" idx="1"/>
           </p:nvPr>
         </p:nvSpPr>
-        <p:spPr/>
+        <p:spPr>
+          <a:xfrm>
+            <a:off x="685800" y="4343400"/>
+            <a:ext cx="5486400" cy="4114800"/>
+          </a:xfrm>
+          <a:prstGeom prst="rect">
+            <a:avLst/>
+          </a:prstGeom>
+        </p:spPr>
         <p:txBody>
-          <a:bodyPr/>
+          <a:bodyPr>
+            <a:normAutofit/>
+          </a:bodyPr>
           <a:lstStyle/>
           <a:p>
-            <a:endParaRPr lang="en-US"/>
+            <a:endParaRPr lang="en-US" dirty="0"/>
           </a:p>
         </p:txBody>
       </p:sp>
       <p:sp>
         <p:nvSpPr>
-          <p:cNvPr id="4" name="Header Placeholder 3"/>
+          <p:cNvPr id="4" name="Date Placeholder 3"/>
           <p:cNvSpPr>
             <a:spLocks noGrp="1"/>
           </p:cNvSpPr>
           <p:nvPr>
-            <p:ph type="hdr" sz="quarter" idx="10"/>
+            <p:ph type="dt" idx="10"/>
           </p:nvPr>
         </p:nvSpPr>
-        <p:spPr/>
+        <p:spPr>
+          <a:xfrm>
+            <a:off x="3884613" y="0"/>
+            <a:ext cx="2971800" cy="457200"/>
+          </a:xfrm>
+          <a:prstGeom prst="rect">
+            <a:avLst/>
+          </a:prstGeom>
+        </p:spPr>
         <p:txBody>
           <a:bodyPr/>
           <a:lstStyle/>
           <a:p>
+            <a:fld id="{6939CF7E-134C-4B4A-9853-17D7568CBCC2}" type="datetime8">
+              <a:rPr lang="en-US" smtClean="0"/>
+              <a:t>6/19/2019 11:09 AM</a:t>
+            </a:fld>
             <a:endParaRPr lang="en-US" dirty="0"/>
           </a:p>
         </p:txBody>
       </p:sp>
       <p:sp>
         <p:nvSpPr>
-          <p:cNvPr id="5" name="Footer Placeholder 4"/>
+          <p:cNvPr id="7" name="Slide Number Placeholder 6"/>
           <p:cNvSpPr>
             <a:spLocks noGrp="1"/>
           </p:cNvSpPr>
           <p:nvPr>
-            <p:ph type="ftr" sz="quarter" idx="11"/>
+            <p:ph type="sldNum" sz="quarter" idx="12"/>
+          </p:nvPr>
+        </p:nvSpPr>
+        <p:spPr>
+          <a:xfrm>
+            <a:off x="6172199" y="8685213"/>
+            <a:ext cx="684213" cy="457200"/>
+          </a:xfrm>
+          <a:prstGeom prst="rect">
+            <a:avLst/>
+          </a:prstGeom>
+        </p:spPr>
+        <p:txBody>
+          <a:bodyPr/>
+          <a:lstStyle/>
+          <a:p>
+            <a:fld id="{8B263312-38AA-4E1E-B2B5-0F8F122B24FE}" type="slidenum">
+              <a:rPr lang="en-US" smtClean="0"/>
+              <a:pPr/>
+              <a:t>22</a:t>
+            </a:fld>
+            <a:endParaRPr lang="en-US" dirty="0"/>
+          </a:p>
+        </p:txBody>
+      </p:sp>
+      <p:sp>
+        <p:nvSpPr>
+          <p:cNvPr id="6" name="Footer Placeholder 5"/>
+          <p:cNvSpPr>
+            <a:spLocks noGrp="1"/>
+          </p:cNvSpPr>
+          <p:nvPr>
+            <p:ph type="ftr" sz="quarter" idx="13"/>
           </p:nvPr>
         </p:nvSpPr>
         <p:spPr/>
@@ -2568,12 +2308,12 @@
       </p:sp>
       <p:sp>
         <p:nvSpPr>
-          <p:cNvPr id="6" name="Date Placeholder 5"/>
+          <p:cNvPr id="9" name="Header Placeholder 8"/>
           <p:cNvSpPr>
             <a:spLocks noGrp="1"/>
           </p:cNvSpPr>
           <p:nvPr>
-            <p:ph type="dt" idx="12"/>
+            <p:ph type="hdr" sz="quarter" idx="14"/>
           </p:nvPr>
         </p:nvSpPr>
         <p:spPr/>
@@ -2581,34 +2321,6 @@
           <a:bodyPr/>
           <a:lstStyle/>
           <a:p>
-            <a:fld id="{F86059B6-667D-4F24-AA48-46C1EA5D9E8E}" type="datetime8">
-              <a:rPr lang="en-US" smtClean="0"/>
-              <a:t>6/29/2018 12:56 PM</a:t>
-            </a:fld>
-            <a:endParaRPr lang="en-US" dirty="0"/>
-          </a:p>
-        </p:txBody>
-      </p:sp>
-      <p:sp>
-        <p:nvSpPr>
-          <p:cNvPr id="7" name="Slide Number Placeholder 6"/>
-          <p:cNvSpPr>
-            <a:spLocks noGrp="1"/>
-          </p:cNvSpPr>
-          <p:nvPr>
-            <p:ph type="sldNum" sz="quarter" idx="13"/>
-          </p:nvPr>
-        </p:nvSpPr>
-        <p:spPr/>
-        <p:txBody>
-          <a:bodyPr/>
-          <a:lstStyle/>
-          <a:p>
-            <a:fld id="{B4008EB6-D09E-4580-8CD6-DDB14511944F}" type="slidenum">
-              <a:rPr lang="en-US" smtClean="0"/>
-              <a:pPr/>
-              <a:t>22</a:t>
-            </a:fld>
             <a:endParaRPr lang="en-US" dirty="0"/>
           </a:p>
         </p:txBody>
@@ -2616,7 +2328,7 @@
     </p:spTree>
     <p:extLst>
       <p:ext uri="{BB962C8B-B14F-4D97-AF65-F5344CB8AC3E}">
-        <p14:creationId xmlns:p14="http://schemas.microsoft.com/office/powerpoint/2010/main" val="1742629459"/>
+        <p14:creationId xmlns:p14="http://schemas.microsoft.com/office/powerpoint/2010/main" val="2215225009"/>
       </p:ext>
     </p:extLst>
   </p:cSld>
@@ -2762,9 +2474,9 @@
           <a:bodyPr/>
           <a:lstStyle/>
           <a:p>
-            <a:fld id="{35A2D088-BDBD-41A5-ADCE-5C6A4DC08057}" type="datetime8">
+            <a:fld id="{B76134C8-AC9E-49DD-B3D6-722B1A93F18D}" type="datetime8">
               <a:rPr lang="en-US" smtClean="0"/>
-              <a:t>6/29/2018 12:56 PM</a:t>
+              <a:t>6/19/2019 11:09 AM</a:t>
             </a:fld>
             <a:endParaRPr lang="en-US" dirty="0"/>
           </a:p>
@@ -2797,7 +2509,7 @@
     </p:spTree>
     <p:extLst>
       <p:ext uri="{BB962C8B-B14F-4D97-AF65-F5344CB8AC3E}">
-        <p14:creationId xmlns:p14="http://schemas.microsoft.com/office/powerpoint/2010/main" val="2696667868"/>
+        <p14:creationId xmlns:p14="http://schemas.microsoft.com/office/powerpoint/2010/main" val="3547892515"/>
       </p:ext>
     </p:extLst>
   </p:cSld>
@@ -2851,6 +2563,549 @@
           <a:bodyPr/>
           <a:lstStyle/>
           <a:p>
+            <a:endParaRPr lang="en-US"/>
+          </a:p>
+        </p:txBody>
+      </p:sp>
+      <p:sp>
+        <p:nvSpPr>
+          <p:cNvPr id="4" name="Header Placeholder 3"/>
+          <p:cNvSpPr>
+            <a:spLocks noGrp="1"/>
+          </p:cNvSpPr>
+          <p:nvPr>
+            <p:ph type="hdr" sz="quarter" idx="10"/>
+          </p:nvPr>
+        </p:nvSpPr>
+        <p:spPr/>
+        <p:txBody>
+          <a:bodyPr/>
+          <a:lstStyle/>
+          <a:p>
+            <a:endParaRPr lang="en-US" dirty="0"/>
+          </a:p>
+        </p:txBody>
+      </p:sp>
+      <p:sp>
+        <p:nvSpPr>
+          <p:cNvPr id="5" name="Footer Placeholder 4"/>
+          <p:cNvSpPr>
+            <a:spLocks noGrp="1"/>
+          </p:cNvSpPr>
+          <p:nvPr>
+            <p:ph type="ftr" sz="quarter" idx="11"/>
+          </p:nvPr>
+        </p:nvSpPr>
+        <p:spPr/>
+        <p:txBody>
+          <a:bodyPr/>
+          <a:lstStyle/>
+          <a:p>
+            <a:pPr defTabSz="914099" eaLnBrk="0" hangingPunct="0"/>
+            <a:r>
+              <a:rPr lang="en-US" sz="400">
+                <a:gradFill>
+                  <a:gsLst>
+                    <a:gs pos="0">
+                      <a:prstClr val="black"/>
+                    </a:gs>
+                    <a:gs pos="100000">
+                      <a:prstClr val="black"/>
+                    </a:gs>
+                  </a:gsLst>
+                  <a:lin ang="5400000" scaled="0"/>
+                </a:gradFill>
+                <a:latin typeface="Segoe UI" pitchFamily="34" charset="0"/>
+                <a:ea typeface="Segoe UI" pitchFamily="34" charset="0"/>
+                <a:cs typeface="Segoe UI" pitchFamily="34" charset="0"/>
+              </a:rPr>
+              <a:t>© Microsoft Corporation. All rights reserved. MICROSOFT MAKES NO WARRANTIES, EXPRESS, IMPLIED OR STATUTORY, AS TO THE INFORMATION IN THIS PRESENTATION.</a:t>
+            </a:r>
+            <a:endParaRPr lang="en-US" sz="400" dirty="0">
+              <a:gradFill>
+                <a:gsLst>
+                  <a:gs pos="0">
+                    <a:prstClr val="black"/>
+                  </a:gs>
+                  <a:gs pos="100000">
+                    <a:prstClr val="black"/>
+                  </a:gs>
+                </a:gsLst>
+                <a:lin ang="5400000" scaled="0"/>
+              </a:gradFill>
+              <a:latin typeface="Segoe UI" pitchFamily="34" charset="0"/>
+              <a:ea typeface="Segoe UI" pitchFamily="34" charset="0"/>
+              <a:cs typeface="Segoe UI" pitchFamily="34" charset="0"/>
+            </a:endParaRPr>
+          </a:p>
+        </p:txBody>
+      </p:sp>
+      <p:sp>
+        <p:nvSpPr>
+          <p:cNvPr id="6" name="Date Placeholder 5"/>
+          <p:cNvSpPr>
+            <a:spLocks noGrp="1"/>
+          </p:cNvSpPr>
+          <p:nvPr>
+            <p:ph type="dt" idx="12"/>
+          </p:nvPr>
+        </p:nvSpPr>
+        <p:spPr/>
+        <p:txBody>
+          <a:bodyPr/>
+          <a:lstStyle/>
+          <a:p>
+            <a:fld id="{34FAA446-E61B-4D43-A3B1-7749AA6DC131}" type="datetime8">
+              <a:rPr lang="en-US" smtClean="0"/>
+              <a:t>6/19/2019 11:09 AM</a:t>
+            </a:fld>
+            <a:endParaRPr lang="en-US" dirty="0"/>
+          </a:p>
+        </p:txBody>
+      </p:sp>
+      <p:sp>
+        <p:nvSpPr>
+          <p:cNvPr id="7" name="Slide Number Placeholder 6"/>
+          <p:cNvSpPr>
+            <a:spLocks noGrp="1"/>
+          </p:cNvSpPr>
+          <p:nvPr>
+            <p:ph type="sldNum" sz="quarter" idx="13"/>
+          </p:nvPr>
+        </p:nvSpPr>
+        <p:spPr/>
+        <p:txBody>
+          <a:bodyPr/>
+          <a:lstStyle/>
+          <a:p>
+            <a:fld id="{B4008EB6-D09E-4580-8CD6-DDB14511944F}" type="slidenum">
+              <a:rPr lang="en-US" smtClean="0"/>
+              <a:pPr/>
+              <a:t>24</a:t>
+            </a:fld>
+            <a:endParaRPr lang="en-US" dirty="0"/>
+          </a:p>
+        </p:txBody>
+      </p:sp>
+    </p:spTree>
+    <p:extLst>
+      <p:ext uri="{BB962C8B-B14F-4D97-AF65-F5344CB8AC3E}">
+        <p14:creationId xmlns:p14="http://schemas.microsoft.com/office/powerpoint/2010/main" val="1325077928"/>
+      </p:ext>
+    </p:extLst>
+  </p:cSld>
+  <p:clrMapOvr>
+    <a:masterClrMapping/>
+  </p:clrMapOvr>
+</p:notes>
+</file>
+
+<file path=ppt/notesSlides/notesSlide25.xml><?xml version="1.0" encoding="utf-8"?>
+<p:notes xmlns:a="http://schemas.openxmlformats.org/drawingml/2006/main" xmlns:r="http://schemas.openxmlformats.org/officeDocument/2006/relationships" xmlns:p="http://schemas.openxmlformats.org/presentationml/2006/main">
+  <p:cSld>
+    <p:spTree>
+      <p:nvGrpSpPr>
+        <p:cNvPr id="1" name=""/>
+        <p:cNvGrpSpPr/>
+        <p:nvPr/>
+      </p:nvGrpSpPr>
+      <p:grpSpPr>
+        <a:xfrm>
+          <a:off x="0" y="0"/>
+          <a:ext cx="0" cy="0"/>
+          <a:chOff x="0" y="0"/>
+          <a:chExt cx="0" cy="0"/>
+        </a:xfrm>
+      </p:grpSpPr>
+      <p:sp>
+        <p:nvSpPr>
+          <p:cNvPr id="2" name="Slide Image Placeholder 1"/>
+          <p:cNvSpPr>
+            <a:spLocks noGrp="1" noRot="1" noChangeAspect="1"/>
+          </p:cNvSpPr>
+          <p:nvPr>
+            <p:ph type="sldImg"/>
+          </p:nvPr>
+        </p:nvSpPr>
+        <p:spPr/>
+      </p:sp>
+      <p:sp>
+        <p:nvSpPr>
+          <p:cNvPr id="3" name="Notes Placeholder 2"/>
+          <p:cNvSpPr>
+            <a:spLocks noGrp="1"/>
+          </p:cNvSpPr>
+          <p:nvPr>
+            <p:ph type="body" idx="1"/>
+          </p:nvPr>
+        </p:nvSpPr>
+        <p:spPr/>
+        <p:txBody>
+          <a:bodyPr/>
+          <a:lstStyle/>
+          <a:p>
+            <a:endParaRPr lang="en-US"/>
+          </a:p>
+        </p:txBody>
+      </p:sp>
+      <p:sp>
+        <p:nvSpPr>
+          <p:cNvPr id="4" name="Header Placeholder 3"/>
+          <p:cNvSpPr>
+            <a:spLocks noGrp="1"/>
+          </p:cNvSpPr>
+          <p:nvPr>
+            <p:ph type="hdr" sz="quarter" idx="10"/>
+          </p:nvPr>
+        </p:nvSpPr>
+        <p:spPr/>
+        <p:txBody>
+          <a:bodyPr/>
+          <a:lstStyle/>
+          <a:p>
+            <a:endParaRPr lang="en-US" dirty="0"/>
+          </a:p>
+        </p:txBody>
+      </p:sp>
+      <p:sp>
+        <p:nvSpPr>
+          <p:cNvPr id="5" name="Footer Placeholder 4"/>
+          <p:cNvSpPr>
+            <a:spLocks noGrp="1"/>
+          </p:cNvSpPr>
+          <p:nvPr>
+            <p:ph type="ftr" sz="quarter" idx="11"/>
+          </p:nvPr>
+        </p:nvSpPr>
+        <p:spPr/>
+        <p:txBody>
+          <a:bodyPr/>
+          <a:lstStyle/>
+          <a:p>
+            <a:pPr defTabSz="914099" eaLnBrk="0" hangingPunct="0"/>
+            <a:r>
+              <a:rPr lang="en-US" sz="400">
+                <a:gradFill>
+                  <a:gsLst>
+                    <a:gs pos="0">
+                      <a:prstClr val="black"/>
+                    </a:gs>
+                    <a:gs pos="100000">
+                      <a:prstClr val="black"/>
+                    </a:gs>
+                  </a:gsLst>
+                  <a:lin ang="5400000" scaled="0"/>
+                </a:gradFill>
+                <a:latin typeface="Segoe UI" pitchFamily="34" charset="0"/>
+                <a:ea typeface="Segoe UI" pitchFamily="34" charset="0"/>
+                <a:cs typeface="Segoe UI" pitchFamily="34" charset="0"/>
+              </a:rPr>
+              <a:t>© Microsoft Corporation. All rights reserved. MICROSOFT MAKES NO WARRANTIES, EXPRESS, IMPLIED OR STATUTORY, AS TO THE INFORMATION IN THIS PRESENTATION.</a:t>
+            </a:r>
+            <a:endParaRPr lang="en-US" sz="400" dirty="0">
+              <a:gradFill>
+                <a:gsLst>
+                  <a:gs pos="0">
+                    <a:prstClr val="black"/>
+                  </a:gs>
+                  <a:gs pos="100000">
+                    <a:prstClr val="black"/>
+                  </a:gs>
+                </a:gsLst>
+                <a:lin ang="5400000" scaled="0"/>
+              </a:gradFill>
+              <a:latin typeface="Segoe UI" pitchFamily="34" charset="0"/>
+              <a:ea typeface="Segoe UI" pitchFamily="34" charset="0"/>
+              <a:cs typeface="Segoe UI" pitchFamily="34" charset="0"/>
+            </a:endParaRPr>
+          </a:p>
+        </p:txBody>
+      </p:sp>
+      <p:sp>
+        <p:nvSpPr>
+          <p:cNvPr id="6" name="Date Placeholder 5"/>
+          <p:cNvSpPr>
+            <a:spLocks noGrp="1"/>
+          </p:cNvSpPr>
+          <p:nvPr>
+            <p:ph type="dt" idx="12"/>
+          </p:nvPr>
+        </p:nvSpPr>
+        <p:spPr/>
+        <p:txBody>
+          <a:bodyPr/>
+          <a:lstStyle/>
+          <a:p>
+            <a:fld id="{F86059B6-667D-4F24-AA48-46C1EA5D9E8E}" type="datetime8">
+              <a:rPr lang="en-US" smtClean="0"/>
+              <a:t>6/19/2019 11:09 AM</a:t>
+            </a:fld>
+            <a:endParaRPr lang="en-US" dirty="0"/>
+          </a:p>
+        </p:txBody>
+      </p:sp>
+      <p:sp>
+        <p:nvSpPr>
+          <p:cNvPr id="7" name="Slide Number Placeholder 6"/>
+          <p:cNvSpPr>
+            <a:spLocks noGrp="1"/>
+          </p:cNvSpPr>
+          <p:nvPr>
+            <p:ph type="sldNum" sz="quarter" idx="13"/>
+          </p:nvPr>
+        </p:nvSpPr>
+        <p:spPr/>
+        <p:txBody>
+          <a:bodyPr/>
+          <a:lstStyle/>
+          <a:p>
+            <a:fld id="{B4008EB6-D09E-4580-8CD6-DDB14511944F}" type="slidenum">
+              <a:rPr lang="en-US" smtClean="0"/>
+              <a:pPr/>
+              <a:t>25</a:t>
+            </a:fld>
+            <a:endParaRPr lang="en-US" dirty="0"/>
+          </a:p>
+        </p:txBody>
+      </p:sp>
+    </p:spTree>
+    <p:extLst>
+      <p:ext uri="{BB962C8B-B14F-4D97-AF65-F5344CB8AC3E}">
+        <p14:creationId xmlns:p14="http://schemas.microsoft.com/office/powerpoint/2010/main" val="1742629459"/>
+      </p:ext>
+    </p:extLst>
+  </p:cSld>
+  <p:clrMapOvr>
+    <a:masterClrMapping/>
+  </p:clrMapOvr>
+</p:notes>
+</file>
+
+<file path=ppt/notesSlides/notesSlide26.xml><?xml version="1.0" encoding="utf-8"?>
+<p:notes xmlns:a="http://schemas.openxmlformats.org/drawingml/2006/main" xmlns:r="http://schemas.openxmlformats.org/officeDocument/2006/relationships" xmlns:p="http://schemas.openxmlformats.org/presentationml/2006/main">
+  <p:cSld>
+    <p:spTree>
+      <p:nvGrpSpPr>
+        <p:cNvPr id="1" name=""/>
+        <p:cNvGrpSpPr/>
+        <p:nvPr/>
+      </p:nvGrpSpPr>
+      <p:grpSpPr>
+        <a:xfrm>
+          <a:off x="0" y="0"/>
+          <a:ext cx="0" cy="0"/>
+          <a:chOff x="0" y="0"/>
+          <a:chExt cx="0" cy="0"/>
+        </a:xfrm>
+      </p:grpSpPr>
+      <p:sp>
+        <p:nvSpPr>
+          <p:cNvPr id="2" name="Slide Image Placeholder 1"/>
+          <p:cNvSpPr>
+            <a:spLocks noGrp="1" noRot="1" noChangeAspect="1"/>
+          </p:cNvSpPr>
+          <p:nvPr>
+            <p:ph type="sldImg"/>
+          </p:nvPr>
+        </p:nvSpPr>
+        <p:spPr/>
+      </p:sp>
+      <p:sp>
+        <p:nvSpPr>
+          <p:cNvPr id="3" name="Notes Placeholder 2"/>
+          <p:cNvSpPr>
+            <a:spLocks noGrp="1"/>
+          </p:cNvSpPr>
+          <p:nvPr>
+            <p:ph type="body" idx="1"/>
+          </p:nvPr>
+        </p:nvSpPr>
+        <p:spPr/>
+        <p:txBody>
+          <a:bodyPr/>
+          <a:lstStyle/>
+          <a:p>
+            <a:endParaRPr lang="en-US" dirty="0"/>
+          </a:p>
+        </p:txBody>
+      </p:sp>
+      <p:sp>
+        <p:nvSpPr>
+          <p:cNvPr id="4" name="Header Placeholder 3"/>
+          <p:cNvSpPr>
+            <a:spLocks noGrp="1"/>
+          </p:cNvSpPr>
+          <p:nvPr>
+            <p:ph type="hdr" sz="quarter" idx="10"/>
+          </p:nvPr>
+        </p:nvSpPr>
+        <p:spPr/>
+        <p:txBody>
+          <a:bodyPr/>
+          <a:lstStyle/>
+          <a:p>
+            <a:endParaRPr lang="en-US" dirty="0"/>
+          </a:p>
+        </p:txBody>
+      </p:sp>
+      <p:sp>
+        <p:nvSpPr>
+          <p:cNvPr id="5" name="Footer Placeholder 4"/>
+          <p:cNvSpPr>
+            <a:spLocks noGrp="1"/>
+          </p:cNvSpPr>
+          <p:nvPr>
+            <p:ph type="ftr" sz="quarter" idx="11"/>
+          </p:nvPr>
+        </p:nvSpPr>
+        <p:spPr/>
+        <p:txBody>
+          <a:bodyPr/>
+          <a:lstStyle/>
+          <a:p>
+            <a:pPr defTabSz="914099" eaLnBrk="0" hangingPunct="0"/>
+            <a:r>
+              <a:rPr lang="en-US" sz="400">
+                <a:gradFill>
+                  <a:gsLst>
+                    <a:gs pos="0">
+                      <a:prstClr val="black"/>
+                    </a:gs>
+                    <a:gs pos="100000">
+                      <a:prstClr val="black"/>
+                    </a:gs>
+                  </a:gsLst>
+                  <a:lin ang="5400000" scaled="0"/>
+                </a:gradFill>
+                <a:latin typeface="Segoe UI" pitchFamily="34" charset="0"/>
+                <a:ea typeface="Segoe UI" pitchFamily="34" charset="0"/>
+                <a:cs typeface="Segoe UI" pitchFamily="34" charset="0"/>
+              </a:rPr>
+              <a:t>© Microsoft Corporation. All rights reserved. MICROSOFT MAKES NO WARRANTIES, EXPRESS, IMPLIED OR STATUTORY, AS TO THE INFORMATION IN THIS PRESENTATION.</a:t>
+            </a:r>
+            <a:endParaRPr lang="en-US" sz="400" dirty="0">
+              <a:gradFill>
+                <a:gsLst>
+                  <a:gs pos="0">
+                    <a:prstClr val="black"/>
+                  </a:gs>
+                  <a:gs pos="100000">
+                    <a:prstClr val="black"/>
+                  </a:gs>
+                </a:gsLst>
+                <a:lin ang="5400000" scaled="0"/>
+              </a:gradFill>
+              <a:latin typeface="Segoe UI" pitchFamily="34" charset="0"/>
+              <a:ea typeface="Segoe UI" pitchFamily="34" charset="0"/>
+              <a:cs typeface="Segoe UI" pitchFamily="34" charset="0"/>
+            </a:endParaRPr>
+          </a:p>
+        </p:txBody>
+      </p:sp>
+      <p:sp>
+        <p:nvSpPr>
+          <p:cNvPr id="6" name="Date Placeholder 5"/>
+          <p:cNvSpPr>
+            <a:spLocks noGrp="1"/>
+          </p:cNvSpPr>
+          <p:nvPr>
+            <p:ph type="dt" idx="12"/>
+          </p:nvPr>
+        </p:nvSpPr>
+        <p:spPr/>
+        <p:txBody>
+          <a:bodyPr/>
+          <a:lstStyle/>
+          <a:p>
+            <a:fld id="{35A2D088-BDBD-41A5-ADCE-5C6A4DC08057}" type="datetime8">
+              <a:rPr lang="en-US" smtClean="0"/>
+              <a:t>6/19/2019 11:09 AM</a:t>
+            </a:fld>
+            <a:endParaRPr lang="en-US" dirty="0"/>
+          </a:p>
+        </p:txBody>
+      </p:sp>
+      <p:sp>
+        <p:nvSpPr>
+          <p:cNvPr id="7" name="Slide Number Placeholder 6"/>
+          <p:cNvSpPr>
+            <a:spLocks noGrp="1"/>
+          </p:cNvSpPr>
+          <p:nvPr>
+            <p:ph type="sldNum" sz="quarter" idx="13"/>
+          </p:nvPr>
+        </p:nvSpPr>
+        <p:spPr/>
+        <p:txBody>
+          <a:bodyPr/>
+          <a:lstStyle/>
+          <a:p>
+            <a:fld id="{B4008EB6-D09E-4580-8CD6-DDB14511944F}" type="slidenum">
+              <a:rPr lang="en-US" smtClean="0"/>
+              <a:pPr/>
+              <a:t>26</a:t>
+            </a:fld>
+            <a:endParaRPr lang="en-US" dirty="0"/>
+          </a:p>
+        </p:txBody>
+      </p:sp>
+    </p:spTree>
+    <p:extLst>
+      <p:ext uri="{BB962C8B-B14F-4D97-AF65-F5344CB8AC3E}">
+        <p14:creationId xmlns:p14="http://schemas.microsoft.com/office/powerpoint/2010/main" val="2696667868"/>
+      </p:ext>
+    </p:extLst>
+  </p:cSld>
+  <p:clrMapOvr>
+    <a:masterClrMapping/>
+  </p:clrMapOvr>
+</p:notes>
+</file>
+
+<file path=ppt/notesSlides/notesSlide27.xml><?xml version="1.0" encoding="utf-8"?>
+<p:notes xmlns:a="http://schemas.openxmlformats.org/drawingml/2006/main" xmlns:r="http://schemas.openxmlformats.org/officeDocument/2006/relationships" xmlns:p="http://schemas.openxmlformats.org/presentationml/2006/main">
+  <p:cSld>
+    <p:spTree>
+      <p:nvGrpSpPr>
+        <p:cNvPr id="1" name=""/>
+        <p:cNvGrpSpPr/>
+        <p:nvPr/>
+      </p:nvGrpSpPr>
+      <p:grpSpPr>
+        <a:xfrm>
+          <a:off x="0" y="0"/>
+          <a:ext cx="0" cy="0"/>
+          <a:chOff x="0" y="0"/>
+          <a:chExt cx="0" cy="0"/>
+        </a:xfrm>
+      </p:grpSpPr>
+      <p:sp>
+        <p:nvSpPr>
+          <p:cNvPr id="2" name="Slide Image Placeholder 1"/>
+          <p:cNvSpPr>
+            <a:spLocks noGrp="1" noRot="1" noChangeAspect="1"/>
+          </p:cNvSpPr>
+          <p:nvPr>
+            <p:ph type="sldImg"/>
+          </p:nvPr>
+        </p:nvSpPr>
+        <p:spPr/>
+      </p:sp>
+      <p:sp>
+        <p:nvSpPr>
+          <p:cNvPr id="3" name="Notes Placeholder 2"/>
+          <p:cNvSpPr>
+            <a:spLocks noGrp="1"/>
+          </p:cNvSpPr>
+          <p:nvPr>
+            <p:ph type="body" idx="1"/>
+          </p:nvPr>
+        </p:nvSpPr>
+        <p:spPr/>
+        <p:txBody>
+          <a:bodyPr/>
+          <a:lstStyle/>
+          <a:p>
             <a:endParaRPr lang="en-US" dirty="0"/>
           </a:p>
         </p:txBody>
@@ -2873,7 +3128,7 @@
             <a:fld id="{B4008EB6-D09E-4580-8CD6-DDB14511944F}" type="slidenum">
               <a:rPr lang="en-US" smtClean="0"/>
               <a:pPr/>
-              <a:t>24</a:t>
+              <a:t>27</a:t>
             </a:fld>
             <a:endParaRPr lang="en-US" dirty="0"/>
           </a:p>
@@ -2896,7 +3151,7 @@
           <a:p>
             <a:fld id="{174E4CE6-2FE4-433F-87B8-CB5DD266EBFC}" type="datetime8">
               <a:rPr lang="en-US" smtClean="0"/>
-              <a:t>6/29/2018 12:56 PM</a:t>
+              <a:t>6/19/2019 11:09 AM</a:t>
             </a:fld>
             <a:endParaRPr lang="en-US" dirty="0"/>
           </a:p>
@@ -2988,7 +3243,7 @@
 </p:notes>
 </file>
 
-<file path=ppt/notesSlides/notesSlide25.xml><?xml version="1.0" encoding="utf-8"?>
+<file path=ppt/notesSlides/notesSlide28.xml><?xml version="1.0" encoding="utf-8"?>
 <p:notes xmlns:a="http://schemas.openxmlformats.org/drawingml/2006/main" xmlns:r="http://schemas.openxmlformats.org/officeDocument/2006/relationships" xmlns:p="http://schemas.openxmlformats.org/presentationml/2006/main">
   <p:cSld>
     <p:spTree>
@@ -3095,7 +3350,7 @@
                   <a:prstClr val="black"/>
                 </a:solidFill>
               </a:rPr>
-              <a:t>6/29/2018 12:56 PM</a:t>
+              <a:t>6/19/2019 11:09 AM</a:t>
             </a:fld>
             <a:endParaRPr lang="en-US" dirty="0">
               <a:solidFill>
@@ -3127,7 +3382,7 @@
                 </a:solidFill>
               </a:rPr>
               <a:pPr/>
-              <a:t>25</a:t>
+              <a:t>28</a:t>
             </a:fld>
             <a:endParaRPr lang="en-US" dirty="0">
               <a:solidFill>
@@ -3267,11 +3522,71 @@
           <a:bodyPr/>
           <a:lstStyle/>
           <a:p>
+            <a:pPr marL="0" marR="0" lvl="0" indent="0" algn="r" defTabSz="914400" rtl="0" eaLnBrk="1" fontAlgn="auto" latinLnBrk="0" hangingPunct="1">
+              <a:lnSpc>
+                <a:spcPct val="100000"/>
+              </a:lnSpc>
+              <a:spcBef>
+                <a:spcPts val="0"/>
+              </a:spcBef>
+              <a:spcAft>
+                <a:spcPts val="0"/>
+              </a:spcAft>
+              <a:buClrTx/>
+              <a:buSzTx/>
+              <a:buFontTx/>
+              <a:buNone/>
+              <a:tabLst/>
+              <a:defRPr/>
+            </a:pPr>
             <a:fld id="{0998D5BB-B127-481F-BC0A-2F77C576BB34}" type="slidenum">
-              <a:rPr lang="en-US" smtClean="0"/>
+              <a:rPr kumimoji="0" lang="en-US" sz="1200" b="0" i="0" u="none" strike="noStrike" kern="1200" cap="none" spc="0" normalizeH="0" baseline="0" noProof="0" smtClean="0">
+                <a:ln>
+                  <a:noFill/>
+                </a:ln>
+                <a:solidFill>
+                  <a:prstClr val="black"/>
+                </a:solidFill>
+                <a:effectLst/>
+                <a:uLnTx/>
+                <a:uFillTx/>
+                <a:latin typeface="Calibri" panose="020F0502020204030204"/>
+                <a:ea typeface="+mn-ea"/>
+                <a:cs typeface="+mn-cs"/>
+              </a:rPr>
+              <a:pPr marL="0" marR="0" lvl="0" indent="0" algn="r" defTabSz="914400" rtl="0" eaLnBrk="1" fontAlgn="auto" latinLnBrk="0" hangingPunct="1">
+                <a:lnSpc>
+                  <a:spcPct val="100000"/>
+                </a:lnSpc>
+                <a:spcBef>
+                  <a:spcPts val="0"/>
+                </a:spcBef>
+                <a:spcAft>
+                  <a:spcPts val="0"/>
+                </a:spcAft>
+                <a:buClrTx/>
+                <a:buSzTx/>
+                <a:buFontTx/>
+                <a:buNone/>
+                <a:tabLst/>
+                <a:defRPr/>
+              </a:pPr>
               <a:t>3</a:t>
             </a:fld>
-            <a:endParaRPr lang="en-US"/>
+            <a:endParaRPr kumimoji="0" lang="en-US" sz="1200" b="0" i="0" u="none" strike="noStrike" kern="1200" cap="none" spc="0" normalizeH="0" baseline="0" noProof="0" dirty="0">
+              <a:ln>
+                <a:noFill/>
+              </a:ln>
+              <a:solidFill>
+                <a:prstClr val="black"/>
+              </a:solidFill>
+              <a:effectLst/>
+              <a:uLnTx/>
+              <a:uFillTx/>
+              <a:latin typeface="Calibri" panose="020F0502020204030204"/>
+              <a:ea typeface="+mn-ea"/>
+              <a:cs typeface="+mn-cs"/>
+            </a:endParaRPr>
           </a:p>
         </p:txBody>
       </p:sp>
@@ -3416,7 +3731,43 @@
           <a:bodyPr/>
           <a:lstStyle/>
           <a:p>
-            <a:endParaRPr lang="en-US"/>
+            <a:r>
+              <a:rPr lang="en-US" sz="1200" b="0" i="0" kern="1200" dirty="0">
+                <a:solidFill>
+                  <a:schemeClr val="tx1"/>
+                </a:solidFill>
+                <a:effectLst/>
+                <a:latin typeface="+mn-lt"/>
+                <a:ea typeface="+mn-ea"/>
+                <a:cs typeface="+mn-cs"/>
+              </a:rPr>
+              <a:t>Wide World Importers (WWI) is a traditional brick and mortar business with a long track record of success, generating profits through strong retail store sales of their unique offering of affordable products from around the world. They have a great training program for new employees, that focuses on connecting with their customers and providing great face-to-face customer service. This strong focus on customer relationships has helped set WWI apart from their competitors.</a:t>
+            </a:r>
+          </a:p>
+          <a:p>
+            <a:endParaRPr lang="en-US" sz="1200" b="0" i="0" kern="1200" dirty="0">
+              <a:solidFill>
+                <a:schemeClr val="tx1"/>
+              </a:solidFill>
+              <a:effectLst/>
+              <a:latin typeface="+mn-lt"/>
+              <a:ea typeface="+mn-ea"/>
+              <a:cs typeface="+mn-cs"/>
+            </a:endParaRPr>
+          </a:p>
+          <a:p>
+            <a:r>
+              <a:rPr lang="en-US" sz="1200" b="0" i="0" kern="1200" dirty="0">
+                <a:solidFill>
+                  <a:schemeClr val="tx1"/>
+                </a:solidFill>
+                <a:effectLst/>
+                <a:latin typeface="+mn-lt"/>
+                <a:ea typeface="+mn-ea"/>
+                <a:cs typeface="+mn-cs"/>
+              </a:rPr>
+              <a:t>Over time, WWI modernized their business by expanding to online storefronts. During this expansion period, WWI experimented with various marketing tactics to drive online sales, from offering in-store shoppers special discounts online with promotional coupons after making a purchase, to running ad campaigns targeted toward customers based on demographics and shopping habits. These marketing campaigns proved successful, prompting WWI to invest more resources to these efforts and grow their marketing team.</a:t>
+            </a:r>
           </a:p>
         </p:txBody>
       </p:sp>
@@ -3500,7 +3851,91 @@
           <a:bodyPr/>
           <a:lstStyle/>
           <a:p>
-            <a:endParaRPr lang="en-US"/>
+            <a:r>
+              <a:rPr lang="en-US" sz="1200" b="0" i="0" kern="1200" dirty="0">
+                <a:solidFill>
+                  <a:schemeClr val="tx1"/>
+                </a:solidFill>
+                <a:effectLst/>
+                <a:latin typeface="+mn-lt"/>
+                <a:ea typeface="+mn-ea"/>
+                <a:cs typeface="+mn-cs"/>
+              </a:rPr>
+              <a:t>Today, WWI has a host of online stores for various product offerings, from their traditional product catalogs offered by their physical storefronts, to specialized categories like automotive and consumer technology products. This expansion has made it more challenging to analyze user clickstream data, online ad performance, and other marketing campaigns at scale, and to provide insights to the marketing team in real-time.</a:t>
+            </a:r>
+          </a:p>
+          <a:p>
+            <a:endParaRPr lang="en-US" sz="1200" b="0" i="0" kern="1200" dirty="0">
+              <a:solidFill>
+                <a:schemeClr val="tx1"/>
+              </a:solidFill>
+              <a:effectLst/>
+              <a:latin typeface="+mn-lt"/>
+              <a:ea typeface="+mn-ea"/>
+              <a:cs typeface="+mn-cs"/>
+            </a:endParaRPr>
+          </a:p>
+          <a:p>
+            <a:r>
+              <a:rPr lang="en-US" sz="1200" b="0" i="0" kern="1200" dirty="0">
+                <a:solidFill>
+                  <a:schemeClr val="tx1"/>
+                </a:solidFill>
+                <a:effectLst/>
+                <a:latin typeface="+mn-lt"/>
+                <a:ea typeface="+mn-ea"/>
+                <a:cs typeface="+mn-cs"/>
+              </a:rPr>
+              <a:t>Real-time marketing analysis is provided through interactive reports and dashboards on WWI's home-grown web platform, </a:t>
+            </a:r>
+            <a:r>
+              <a:rPr lang="en-US" sz="1200" b="0" i="0" kern="1200" dirty="0" err="1">
+                <a:solidFill>
+                  <a:schemeClr val="tx1"/>
+                </a:solidFill>
+                <a:effectLst/>
+                <a:latin typeface="+mn-lt"/>
+                <a:ea typeface="+mn-ea"/>
+                <a:cs typeface="+mn-cs"/>
+              </a:rPr>
+              <a:t>ReMarketable</a:t>
+            </a:r>
+            <a:r>
+              <a:rPr lang="en-US" sz="1200" b="0" i="0" kern="1200" dirty="0">
+                <a:solidFill>
+                  <a:schemeClr val="tx1"/>
+                </a:solidFill>
+                <a:effectLst/>
+                <a:latin typeface="+mn-lt"/>
+                <a:ea typeface="+mn-ea"/>
+                <a:cs typeface="+mn-cs"/>
+              </a:rPr>
+              <a:t>. This platform has served them well, but they are currently hindered by their inability to keep up with demand. </a:t>
+            </a:r>
+            <a:r>
+              <a:rPr lang="en-US" sz="1200" b="0" i="0" kern="1200" dirty="0" err="1">
+                <a:solidFill>
+                  <a:schemeClr val="tx1"/>
+                </a:solidFill>
+                <a:effectLst/>
+                <a:latin typeface="+mn-lt"/>
+                <a:ea typeface="+mn-ea"/>
+                <a:cs typeface="+mn-cs"/>
+              </a:rPr>
+              <a:t>ReMarketable's</a:t>
+            </a:r>
+            <a:r>
+              <a:rPr lang="en-US" sz="1200" b="0" i="0" kern="1200" dirty="0">
+                <a:solidFill>
+                  <a:schemeClr val="tx1"/>
+                </a:solidFill>
+                <a:effectLst/>
+                <a:latin typeface="+mn-lt"/>
+                <a:ea typeface="+mn-ea"/>
+                <a:cs typeface="+mn-cs"/>
+              </a:rPr>
+              <a:t> primary users are members of the marketing team, and the secondary users are shoppers on their various online platforms for whom website interaction behavior is being tracked. Other sources of data are fed from online ad data generated by ads run on social media platforms and email marketing campaigns. They use this type of data to evaluate ad effectiveness and customer reach, ultimately leading to sales conversions.</a:t>
+            </a:r>
           </a:p>
         </p:txBody>
       </p:sp>
@@ -3530,7 +3965,7 @@
     </p:spTree>
     <p:extLst>
       <p:ext uri="{BB962C8B-B14F-4D97-AF65-F5344CB8AC3E}">
-        <p14:creationId xmlns:p14="http://schemas.microsoft.com/office/powerpoint/2010/main" val="3292433888"/>
+        <p14:creationId xmlns:p14="http://schemas.microsoft.com/office/powerpoint/2010/main" val="1960338414"/>
       </p:ext>
     </p:extLst>
   </p:cSld>
@@ -3584,7 +4019,165 @@
           <a:bodyPr/>
           <a:lstStyle/>
           <a:p>
-            <a:endParaRPr lang="en-US"/>
+            <a:r>
+              <a:rPr lang="en-US" sz="1200" b="1" i="0" kern="1200" dirty="0">
+                <a:solidFill>
+                  <a:schemeClr val="tx1"/>
+                </a:solidFill>
+                <a:effectLst/>
+                <a:latin typeface="+mn-lt"/>
+                <a:ea typeface="+mn-ea"/>
+                <a:cs typeface="+mn-cs"/>
+              </a:rPr>
+              <a:t>Scale</a:t>
+            </a:r>
+            <a:r>
+              <a:rPr lang="en-US" sz="1200" b="0" i="0" kern="1200" dirty="0">
+                <a:solidFill>
+                  <a:schemeClr val="tx1"/>
+                </a:solidFill>
+                <a:effectLst/>
+                <a:latin typeface="+mn-lt"/>
+                <a:ea typeface="+mn-ea"/>
+                <a:cs typeface="+mn-cs"/>
+              </a:rPr>
+              <a:t> - WWI is using a PostgreSQL database to store </a:t>
+            </a:r>
+            <a:r>
+              <a:rPr lang="en-US" sz="1200" b="0" i="0" kern="1200" dirty="0" err="1">
+                <a:solidFill>
+                  <a:schemeClr val="tx1"/>
+                </a:solidFill>
+                <a:effectLst/>
+                <a:latin typeface="+mn-lt"/>
+                <a:ea typeface="+mn-ea"/>
+                <a:cs typeface="+mn-cs"/>
+              </a:rPr>
+              <a:t>ReMarketable's</a:t>
+            </a:r>
+            <a:r>
+              <a:rPr lang="en-US" sz="1200" b="0" i="0" kern="1200" dirty="0">
+                <a:solidFill>
+                  <a:schemeClr val="tx1"/>
+                </a:solidFill>
+                <a:effectLst/>
+                <a:latin typeface="+mn-lt"/>
+                <a:ea typeface="+mn-ea"/>
+                <a:cs typeface="+mn-cs"/>
+              </a:rPr>
+              <a:t> data. Historical data is growing by over 2.9 GB rows of data per month. It is taking consistently longer to run complex queries. Queries that used to run in 3-5 seconds now take several minutes to complete. This is impacting their users' ability to evaluate up-to-date marketing and website use statistics. Instead of providing real-time reports for all users, they have to keep delaying report runs. They have scaled up their database, but this is becoming very expensive and they will soon hit a ceiling.</a:t>
+            </a:r>
+          </a:p>
+          <a:p>
+            <a:r>
+              <a:rPr lang="en-US" sz="1200" b="1" i="0" kern="1200" dirty="0">
+                <a:solidFill>
+                  <a:schemeClr val="tx1"/>
+                </a:solidFill>
+                <a:effectLst/>
+                <a:latin typeface="+mn-lt"/>
+                <a:ea typeface="+mn-ea"/>
+                <a:cs typeface="+mn-cs"/>
+              </a:rPr>
+              <a:t>Multi-tenancy</a:t>
+            </a:r>
+            <a:r>
+              <a:rPr lang="en-US" sz="1200" b="0" i="0" kern="1200" dirty="0">
+                <a:solidFill>
+                  <a:schemeClr val="tx1"/>
+                </a:solidFill>
+                <a:effectLst/>
+                <a:latin typeface="+mn-lt"/>
+                <a:ea typeface="+mn-ea"/>
+                <a:cs typeface="+mn-cs"/>
+              </a:rPr>
+              <a:t> - The nature of their marketing and site usage data would benefit from multi-tenancy. Some storefronts generate considerably more data than others and have more marketing analysts that run reports on them than others. WWI believes </a:t>
+            </a:r>
+            <a:r>
+              <a:rPr lang="en-US" sz="1200" b="0" i="0" kern="1200" dirty="0" err="1">
+                <a:solidFill>
+                  <a:schemeClr val="tx1"/>
+                </a:solidFill>
+                <a:effectLst/>
+                <a:latin typeface="+mn-lt"/>
+                <a:ea typeface="+mn-ea"/>
+                <a:cs typeface="+mn-cs"/>
+              </a:rPr>
+              <a:t>sharding</a:t>
+            </a:r>
+            <a:r>
+              <a:rPr lang="en-US" sz="1200" b="0" i="0" kern="1200" dirty="0">
+                <a:solidFill>
+                  <a:schemeClr val="tx1"/>
+                </a:solidFill>
+                <a:effectLst/>
+                <a:latin typeface="+mn-lt"/>
+                <a:ea typeface="+mn-ea"/>
+                <a:cs typeface="+mn-cs"/>
+              </a:rPr>
+              <a:t> their database would help take the pressure off lower-volume data stores and also help them scale out. However, this will require re-engineering their database schema and client applications. In addition, </a:t>
+            </a:r>
+            <a:r>
+              <a:rPr lang="en-US" sz="1200" b="0" i="0" kern="1200" dirty="0" err="1">
+                <a:solidFill>
+                  <a:schemeClr val="tx1"/>
+                </a:solidFill>
+                <a:effectLst/>
+                <a:latin typeface="+mn-lt"/>
+                <a:ea typeface="+mn-ea"/>
+                <a:cs typeface="+mn-cs"/>
+              </a:rPr>
+              <a:t>sharding</a:t>
+            </a:r>
+            <a:r>
+              <a:rPr lang="en-US" sz="1200" b="0" i="0" kern="1200" dirty="0">
+                <a:solidFill>
+                  <a:schemeClr val="tx1"/>
+                </a:solidFill>
+                <a:effectLst/>
+                <a:latin typeface="+mn-lt"/>
+                <a:ea typeface="+mn-ea"/>
+                <a:cs typeface="+mn-cs"/>
+              </a:rPr>
+              <a:t> will require additional maintenance and increased complexity of aggregated views. These additional challenges and required resources are why they have not pursued this option yet.</a:t>
+            </a:r>
+          </a:p>
+          <a:p>
+            <a:r>
+              <a:rPr lang="en-US" sz="1200" b="1" i="0" kern="1200" dirty="0">
+                <a:solidFill>
+                  <a:schemeClr val="tx1"/>
+                </a:solidFill>
+                <a:effectLst/>
+                <a:latin typeface="+mn-lt"/>
+                <a:ea typeface="+mn-ea"/>
+                <a:cs typeface="+mn-cs"/>
+              </a:rPr>
+              <a:t>Process data while generating roll-ups</a:t>
+            </a:r>
+            <a:r>
+              <a:rPr lang="en-US" sz="1200" b="0" i="0" kern="1200" dirty="0">
+                <a:solidFill>
+                  <a:schemeClr val="tx1"/>
+                </a:solidFill>
+                <a:effectLst/>
+                <a:latin typeface="+mn-lt"/>
+                <a:ea typeface="+mn-ea"/>
+                <a:cs typeface="+mn-cs"/>
+              </a:rPr>
+              <a:t> - Another byproduct of outgrowing their database is that WWI is having difficulty efficiently processing and ingesting streaming data, while at the same time generating pre-aggregated data for their dashboards. The Postgres engine is well-suited to handle multiple workloads simultaneously when the databases are properly configured and you are able to appropriately scale up or scale out to multiple nodes. WWI does needs help optimizing their database to handle these demanding workloads at scale. They have looked moving to a non-relational database to speed up queries, but that option added too much complexity to manage multiple databases, losing the ability to wrap their operations inside of transactions, re-architect their application, and migrate their historical data. In addition, they rely on Postgres' ability to create complicated ways of representing and indexing their data, which is impossible to do with a column store. Their need for high transaction volume and a real-time data set ruled out a lot of off-the-shelf data warehouses, where they would need to create a lambda architecture to handle both speeds of feeds.</a:t>
+            </a:r>
+          </a:p>
+          <a:p>
+            <a:endParaRPr lang="en-US" sz="1200" b="0" i="0" kern="1200" dirty="0">
+              <a:solidFill>
+                <a:schemeClr val="tx1"/>
+              </a:solidFill>
+              <a:effectLst/>
+              <a:latin typeface="+mn-lt"/>
+              <a:ea typeface="+mn-ea"/>
+              <a:cs typeface="+mn-cs"/>
+            </a:endParaRPr>
           </a:p>
         </p:txBody>
       </p:sp>
@@ -3614,7 +4207,7 @@
     </p:spTree>
     <p:extLst>
       <p:ext uri="{BB962C8B-B14F-4D97-AF65-F5344CB8AC3E}">
-        <p14:creationId xmlns:p14="http://schemas.microsoft.com/office/powerpoint/2010/main" val="1669752691"/>
+        <p14:creationId xmlns:p14="http://schemas.microsoft.com/office/powerpoint/2010/main" val="4196146661"/>
       </p:ext>
     </p:extLst>
   </p:cSld>
@@ -3668,7 +4261,80 @@
           <a:bodyPr/>
           <a:lstStyle/>
           <a:p>
-            <a:endParaRPr lang="en-US"/>
+            <a:r>
+              <a:rPr lang="en-US" sz="1200" b="1" i="0" kern="1200" dirty="0">
+                <a:solidFill>
+                  <a:schemeClr val="tx1"/>
+                </a:solidFill>
+                <a:effectLst/>
+                <a:latin typeface="+mn-lt"/>
+                <a:ea typeface="+mn-ea"/>
+                <a:cs typeface="+mn-cs"/>
+              </a:rPr>
+              <a:t>Resilient stream processing</a:t>
+            </a:r>
+            <a:r>
+              <a:rPr lang="en-US" sz="1200" b="0" i="0" kern="1200" dirty="0">
+                <a:solidFill>
+                  <a:schemeClr val="tx1"/>
+                </a:solidFill>
+                <a:effectLst/>
+                <a:latin typeface="+mn-lt"/>
+                <a:ea typeface="+mn-ea"/>
+                <a:cs typeface="+mn-cs"/>
+              </a:rPr>
+              <a:t> - WWI is processing their streaming data through a web-based cluster that balances HTTP requests in round-robin fashion. When a node is processing the data and writing it to Postgres, subsequent requests are handled by available nodes. However, if processing fails for any reason, they risk losing that data and have no way to pick up where it left off. They have tried creating their own poison queue to reprocess these failed messages, but if the failed node is unable to add the data to the queue, then it is lost. The WWI technical team is aware of existing products and services that can help improve their stream processing and add resiliency, but they currently lack the skills and bandwidth to implement a solution for these complex scenarios. They are interested to see how Azure can help them rapidly create a solution for resilient stream processing and reduce their technical debt.</a:t>
+            </a:r>
+          </a:p>
+          <a:p>
+            <a:r>
+              <a:rPr lang="en-US" sz="1200" b="1" i="0" kern="1200" dirty="0">
+                <a:solidFill>
+                  <a:schemeClr val="tx1"/>
+                </a:solidFill>
+                <a:effectLst/>
+                <a:latin typeface="+mn-lt"/>
+                <a:ea typeface="+mn-ea"/>
+                <a:cs typeface="+mn-cs"/>
+              </a:rPr>
+              <a:t>Advanced dashboards</a:t>
+            </a:r>
+            <a:r>
+              <a:rPr lang="en-US" sz="1200" b="0" i="0" kern="1200" dirty="0">
+                <a:solidFill>
+                  <a:schemeClr val="tx1"/>
+                </a:solidFill>
+                <a:effectLst/>
+                <a:latin typeface="+mn-lt"/>
+                <a:ea typeface="+mn-ea"/>
+                <a:cs typeface="+mn-cs"/>
+              </a:rPr>
+              <a:t> - WWI creates canned reports that are displayed on their </a:t>
+            </a:r>
+            <a:r>
+              <a:rPr lang="en-US" sz="1200" b="0" i="0" kern="1200" dirty="0" err="1">
+                <a:solidFill>
+                  <a:schemeClr val="tx1"/>
+                </a:solidFill>
+                <a:effectLst/>
+                <a:latin typeface="+mn-lt"/>
+                <a:ea typeface="+mn-ea"/>
+                <a:cs typeface="+mn-cs"/>
+              </a:rPr>
+              <a:t>ReMarketable</a:t>
+            </a:r>
+            <a:r>
+              <a:rPr lang="en-US" sz="1200" b="0" i="0" kern="1200" dirty="0">
+                <a:solidFill>
+                  <a:schemeClr val="tx1"/>
+                </a:solidFill>
+                <a:effectLst/>
+                <a:latin typeface="+mn-lt"/>
+                <a:ea typeface="+mn-ea"/>
+                <a:cs typeface="+mn-cs"/>
+              </a:rPr>
+              <a:t> website. However, their developers spend a lot of time creating new reports, owing to advanced charts, graphs, and other visualizations that are usually included. They would like a way to more rapidly create reports and be able to display them on a dashboard that can be customized and show real-time updates.</a:t>
+            </a:r>
           </a:p>
         </p:txBody>
       </p:sp>
@@ -3698,7 +4364,7 @@
     </p:spTree>
     <p:extLst>
       <p:ext uri="{BB962C8B-B14F-4D97-AF65-F5344CB8AC3E}">
-        <p14:creationId xmlns:p14="http://schemas.microsoft.com/office/powerpoint/2010/main" val="1267405105"/>
+        <p14:creationId xmlns:p14="http://schemas.microsoft.com/office/powerpoint/2010/main" val="1654043624"/>
       </p:ext>
     </p:extLst>
   </p:cSld>
@@ -3752,7 +4418,7 @@
           <a:bodyPr/>
           <a:lstStyle/>
           <a:p>
-            <a:endParaRPr lang="en-US" dirty="0"/>
+            <a:endParaRPr lang="en-US"/>
           </a:p>
         </p:txBody>
       </p:sp>
@@ -3782,7 +4448,7 @@
     </p:spTree>
     <p:extLst>
       <p:ext uri="{BB962C8B-B14F-4D97-AF65-F5344CB8AC3E}">
-        <p14:creationId xmlns:p14="http://schemas.microsoft.com/office/powerpoint/2010/main" val="3229744285"/>
+        <p14:creationId xmlns:p14="http://schemas.microsoft.com/office/powerpoint/2010/main" val="3292433888"/>
       </p:ext>
     </p:extLst>
   </p:cSld>
@@ -4047,7 +4713,7 @@
       </p:transition>
     </mc:Fallback>
   </mc:AlternateContent>
-  <p:extLst mod="1">
+  <p:extLst>
     <p:ext uri="{DCECCB84-F9BA-43D5-87BE-67443E8EF086}">
       <p15:sldGuideLst xmlns:p15="http://schemas.microsoft.com/office/powerpoint/2012/main">
         <p15:guide id="1" pos="288">
@@ -15375,7 +16041,7 @@
       </a:lvl9pPr>
     </p:otherStyle>
   </p:txStyles>
-  <p:extLst mod="1">
+  <p:extLst>
     <p:ext uri="{27BBF7A9-308A-43DC-89C8-2F10F3537804}">
       <p15:sldGuideLst xmlns:p15="http://schemas.microsoft.com/office/powerpoint/2012/main">
         <p15:guide id="1" orient="horz" pos="187">
@@ -15990,7 +16656,7 @@
       </a:lvl9pPr>
     </p:otherStyle>
   </p:txStyles>
-  <p:extLst mod="1">
+  <p:extLst>
     <p:ext uri="{27BBF7A9-308A-43DC-89C8-2F10F3537804}">
       <p15:sldGuideLst xmlns:p15="http://schemas.microsoft.com/office/powerpoint/2012/main">
         <p15:guide id="1" orient="horz" pos="187">
@@ -16182,7 +16848,7 @@
           <a:p>
             <a:r>
               <a:rPr lang="en-US" dirty="0"/>
-              <a:t>Workshop title</a:t>
+              <a:t>Managed open source databases on Azure</a:t>
             </a:r>
           </a:p>
         </p:txBody>
@@ -16261,6 +16927,110 @@
       </p:grpSpPr>
       <p:sp>
         <p:nvSpPr>
+          <p:cNvPr id="3" name="Content Placeholder 2"/>
+          <p:cNvSpPr>
+            <a:spLocks noGrp="1"/>
+          </p:cNvSpPr>
+          <p:nvPr>
+            <p:ph type="body" sz="quarter" idx="10"/>
+          </p:nvPr>
+        </p:nvSpPr>
+        <p:spPr/>
+        <p:txBody>
+          <a:bodyPr>
+            <a:normAutofit fontScale="92500" lnSpcReduction="10000"/>
+          </a:bodyPr>
+          <a:lstStyle/>
+          <a:p>
+            <a:r>
+              <a:rPr lang="en-US" sz="3600" dirty="0">
+                <a:solidFill>
+                  <a:schemeClr val="tx1"/>
+                </a:solidFill>
+                <a:latin typeface="+mj-lt"/>
+              </a:rPr>
+              <a:t>Main topic 1: size 36pt</a:t>
+            </a:r>
+          </a:p>
+          <a:p>
+            <a:pPr lvl="1"/>
+            <a:r>
+              <a:rPr lang="en-US" sz="2800" dirty="0">
+                <a:solidFill>
+                  <a:schemeClr val="tx1"/>
+                </a:solidFill>
+                <a:latin typeface="Segoe UI Semilight" panose="020B0402040204020203" pitchFamily="34" charset="0"/>
+                <a:cs typeface="Segoe UI Semilight" panose="020B0402040204020203" pitchFamily="34" charset="0"/>
+              </a:rPr>
+              <a:t>Size 28pt for second leve</a:t>
+            </a:r>
+            <a:r>
+              <a:rPr lang="en-US" sz="2400" dirty="0">
+                <a:solidFill>
+                  <a:schemeClr val="tx1"/>
+                </a:solidFill>
+                <a:latin typeface="Segoe UI Semilight" panose="020B0402040204020203" pitchFamily="34" charset="0"/>
+                <a:cs typeface="Segoe UI Semilight" panose="020B0402040204020203" pitchFamily="34" charset="0"/>
+              </a:rPr>
+              <a:t>l</a:t>
+            </a:r>
+          </a:p>
+          <a:p>
+            <a:pPr lvl="1"/>
+            <a:r>
+              <a:rPr lang="en-US" sz="2400" dirty="0">
+                <a:solidFill>
+                  <a:schemeClr val="tx1"/>
+                </a:solidFill>
+                <a:latin typeface="Segoe UI Semilight" panose="020B0402040204020203" pitchFamily="34" charset="0"/>
+                <a:cs typeface="Segoe UI Semilight" panose="020B0402040204020203" pitchFamily="34" charset="0"/>
+              </a:rPr>
+              <a:t>Size 24pt for third level</a:t>
+            </a:r>
+          </a:p>
+          <a:p>
+            <a:pPr lvl="1"/>
+            <a:r>
+              <a:rPr lang="en-US" sz="2200" dirty="0">
+                <a:solidFill>
+                  <a:schemeClr val="tx1"/>
+                </a:solidFill>
+                <a:latin typeface="Segoe UI Semilight" panose="020B0402040204020203" pitchFamily="34" charset="0"/>
+                <a:cs typeface="Segoe UI Semilight" panose="020B0402040204020203" pitchFamily="34" charset="0"/>
+              </a:rPr>
+              <a:t>Size 22pt for fourth level</a:t>
+            </a:r>
+          </a:p>
+          <a:p>
+            <a:pPr lvl="1"/>
+            <a:r>
+              <a:rPr lang="en-US" sz="2200" dirty="0">
+                <a:solidFill>
+                  <a:schemeClr val="tx1"/>
+                </a:solidFill>
+                <a:latin typeface="Segoe UI Semilight" panose="020B0402040204020203" pitchFamily="34" charset="0"/>
+                <a:cs typeface="Segoe UI Semilight" panose="020B0402040204020203" pitchFamily="34" charset="0"/>
+              </a:rPr>
+              <a:t>Size 22pt for fifth level</a:t>
+            </a:r>
+          </a:p>
+          <a:p>
+            <a:pPr marL="0" indent="0">
+              <a:spcAft>
+                <a:spcPts val="882"/>
+              </a:spcAft>
+              <a:buNone/>
+            </a:pPr>
+            <a:endParaRPr lang="en-US" sz="1800" dirty="0">
+              <a:solidFill>
+                <a:schemeClr val="tx1"/>
+              </a:solidFill>
+            </a:endParaRPr>
+          </a:p>
+        </p:txBody>
+      </p:sp>
+      <p:sp>
+        <p:nvSpPr>
           <p:cNvPr id="2" name="Title 1"/>
           <p:cNvSpPr>
             <a:spLocks noGrp="1"/>
@@ -16272,255 +17042,32 @@
         <p:spPr/>
         <p:txBody>
           <a:bodyPr>
-            <a:normAutofit/>
+            <a:normAutofit fontScale="90000"/>
           </a:bodyPr>
           <a:lstStyle/>
           <a:p>
             <a:r>
-              <a:rPr lang="en-US" sz="4400" dirty="0">
+              <a:rPr lang="en-US" sz="4900" dirty="0">
                 <a:solidFill>
                   <a:schemeClr val="tx1"/>
                 </a:solidFill>
-                <a:latin typeface="Segoe UI Light" panose="020B0502040204020203" pitchFamily="34" charset="0"/>
-                <a:cs typeface="Segoe UI Light" panose="020B0502040204020203" pitchFamily="34" charset="0"/>
+                <a:cs typeface="Segoe UI" panose="020B0502040204020203" pitchFamily="34" charset="0"/>
               </a:rPr>
-              <a:t>Step 3: Present the solution</a:t>
-            </a:r>
-          </a:p>
-        </p:txBody>
-      </p:sp>
-      <p:sp>
-        <p:nvSpPr>
-          <p:cNvPr id="9" name="TextBox 8">
-            <a:extLst>
-              <a:ext uri="{FF2B5EF4-FFF2-40B4-BE49-F238E27FC236}">
-                <a16:creationId xmlns:a16="http://schemas.microsoft.com/office/drawing/2014/main" id="{0F86F9F9-39B5-4CE6-AF48-9ADAE40EA728}"/>
-              </a:ext>
-            </a:extLst>
-          </p:cNvPr>
-          <p:cNvSpPr txBox="1"/>
-          <p:nvPr/>
-        </p:nvSpPr>
-        <p:spPr>
-          <a:xfrm>
-            <a:off x="340285" y="1062166"/>
-            <a:ext cx="10229103" cy="5838521"/>
-          </a:xfrm>
-          <a:prstGeom prst="rect">
-            <a:avLst/>
-          </a:prstGeom>
-          <a:noFill/>
-        </p:spPr>
-        <p:txBody>
-          <a:bodyPr wrap="square" lIns="182880" tIns="146304" rIns="182880" bIns="146304" rtlCol="0">
-            <a:spAutoFit/>
-          </a:bodyPr>
-          <a:lstStyle/>
-          <a:p>
-            <a:pPr>
-              <a:lnSpc>
-                <a:spcPct val="90000"/>
-              </a:lnSpc>
-              <a:spcAft>
-                <a:spcPts val="600"/>
-              </a:spcAft>
-            </a:pPr>
-            <a:r>
-              <a:rPr lang="en-US" sz="3600" dirty="0">
-                <a:latin typeface="+mj-lt"/>
+              <a:t>Customer objections</a:t>
+            </a:r>
+            <a:br>
+              <a:rPr lang="en-US" dirty="0">
+                <a:solidFill>
+                  <a:schemeClr val="tx1"/>
+                </a:solidFill>
+                <a:latin typeface="Segoe UI" panose="020B0502040204020203" pitchFamily="34" charset="0"/>
               </a:rPr>
-              <a:t>Outcome</a:t>
-            </a:r>
-          </a:p>
-          <a:p>
-            <a:pPr>
-              <a:lnSpc>
-                <a:spcPct val="90000"/>
-              </a:lnSpc>
-              <a:spcAft>
-                <a:spcPts val="600"/>
-              </a:spcAft>
-            </a:pPr>
-            <a:r>
-              <a:rPr lang="en-US" sz="2400" dirty="0">
-                <a:latin typeface="Segoe UI Semilight" panose="020B0402040204020203" pitchFamily="34" charset="0"/>
-                <a:cs typeface="Segoe UI Semilight" panose="020B0402040204020203" pitchFamily="34" charset="0"/>
-              </a:rPr>
-              <a:t>Present a solution to the target customer in a 15-minute chalk-talk format </a:t>
-            </a:r>
-            <a:endParaRPr lang="en-US" sz="3600" dirty="0">
-              <a:latin typeface="+mj-lt"/>
-            </a:endParaRPr>
-          </a:p>
-          <a:p>
-            <a:pPr>
-              <a:lnSpc>
-                <a:spcPct val="90000"/>
-              </a:lnSpc>
-              <a:spcAft>
-                <a:spcPts val="600"/>
-              </a:spcAft>
-            </a:pPr>
-            <a:endParaRPr lang="en-US" sz="2400" dirty="0">
-              <a:latin typeface="+mj-lt"/>
-            </a:endParaRPr>
-          </a:p>
-          <a:p>
-            <a:pPr>
-              <a:lnSpc>
-                <a:spcPct val="90000"/>
-              </a:lnSpc>
-              <a:spcAft>
-                <a:spcPts val="600"/>
-              </a:spcAft>
-            </a:pPr>
-            <a:r>
-              <a:rPr lang="en-US" sz="3600" dirty="0">
-                <a:latin typeface="+mj-lt"/>
-              </a:rPr>
-              <a:t>Timeframe</a:t>
-            </a:r>
-          </a:p>
-          <a:p>
-            <a:pPr>
-              <a:lnSpc>
-                <a:spcPct val="90000"/>
-              </a:lnSpc>
-              <a:spcAft>
-                <a:spcPts val="600"/>
-              </a:spcAft>
-            </a:pPr>
-            <a:r>
-              <a:rPr lang="en-US" sz="2400" dirty="0">
-                <a:latin typeface="Segoe UI Semilight" panose="020B0402040204020203" pitchFamily="34" charset="0"/>
-                <a:cs typeface="Segoe UI Semilight" panose="020B0402040204020203" pitchFamily="34" charset="0"/>
-              </a:rPr>
-              <a:t>30 minutes (15 minutes for each team to present and receive feedback) </a:t>
-            </a:r>
-          </a:p>
-          <a:p>
-            <a:pPr>
-              <a:lnSpc>
-                <a:spcPct val="90000"/>
-              </a:lnSpc>
-              <a:spcAft>
-                <a:spcPts val="600"/>
-              </a:spcAft>
-            </a:pPr>
-            <a:endParaRPr lang="en-US" sz="2400" dirty="0">
-              <a:latin typeface="+mj-lt"/>
-            </a:endParaRPr>
-          </a:p>
-          <a:p>
-            <a:pPr>
-              <a:lnSpc>
-                <a:spcPct val="90000"/>
-              </a:lnSpc>
-              <a:spcAft>
-                <a:spcPts val="600"/>
-              </a:spcAft>
-            </a:pPr>
-            <a:r>
-              <a:rPr lang="en-US" sz="3600" dirty="0">
-                <a:latin typeface="+mj-lt"/>
-              </a:rPr>
-              <a:t>Directions</a:t>
-            </a:r>
-          </a:p>
-          <a:p>
-            <a:pPr marL="342900" lvl="0" indent="-342900">
-              <a:buFont typeface="Arial" panose="020B0604020202020204" pitchFamily="34" charset="0"/>
-              <a:buChar char="•"/>
-            </a:pPr>
-            <a:r>
-              <a:rPr lang="en-US" sz="2000" dirty="0">
-                <a:latin typeface="Segoe UI Semilight" panose="020B0402040204020203" pitchFamily="34" charset="0"/>
-                <a:cs typeface="Segoe UI Semilight" panose="020B0402040204020203" pitchFamily="34" charset="0"/>
-              </a:rPr>
-              <a:t>Pair with another table</a:t>
-            </a:r>
-          </a:p>
-          <a:p>
-            <a:pPr marL="342900" lvl="0" indent="-342900">
-              <a:buFont typeface="Arial" panose="020B0604020202020204" pitchFamily="34" charset="0"/>
-              <a:buChar char="•"/>
-            </a:pPr>
-            <a:r>
-              <a:rPr lang="en-US" sz="2000" dirty="0">
-                <a:latin typeface="Segoe UI Semilight" panose="020B0402040204020203" pitchFamily="34" charset="0"/>
-                <a:cs typeface="Segoe UI Semilight" panose="020B0402040204020203" pitchFamily="34" charset="0"/>
-              </a:rPr>
-              <a:t>One table is the Microsoft team and the other table is the customer</a:t>
-            </a:r>
-          </a:p>
-          <a:p>
-            <a:pPr marL="342900" lvl="0" indent="-342900">
-              <a:buFont typeface="Arial" panose="020B0604020202020204" pitchFamily="34" charset="0"/>
-              <a:buChar char="•"/>
-            </a:pPr>
-            <a:r>
-              <a:rPr lang="en-US" sz="2000" dirty="0">
-                <a:latin typeface="Segoe UI Semilight" panose="020B0402040204020203" pitchFamily="34" charset="0"/>
-                <a:cs typeface="Segoe UI Semilight" panose="020B0402040204020203" pitchFamily="34" charset="0"/>
-              </a:rPr>
-              <a:t>The Microsoft team presents their proposed solution to the customer</a:t>
-            </a:r>
-          </a:p>
-          <a:p>
-            <a:pPr marL="342900" lvl="0" indent="-342900">
-              <a:buFont typeface="Arial" panose="020B0604020202020204" pitchFamily="34" charset="0"/>
-              <a:buChar char="•"/>
-            </a:pPr>
-            <a:r>
-              <a:rPr lang="en-US" sz="2000" dirty="0">
-                <a:latin typeface="Segoe UI Semilight" panose="020B0402040204020203" pitchFamily="34" charset="0"/>
-                <a:cs typeface="Segoe UI Semilight" panose="020B0402040204020203" pitchFamily="34" charset="0"/>
-              </a:rPr>
-              <a:t>The customer asks one of the objections from the list of objections in the case study</a:t>
-            </a:r>
-          </a:p>
-          <a:p>
-            <a:pPr marL="342900" lvl="0" indent="-342900">
-              <a:buFont typeface="Arial" panose="020B0604020202020204" pitchFamily="34" charset="0"/>
-              <a:buChar char="•"/>
-            </a:pPr>
-            <a:r>
-              <a:rPr lang="en-US" sz="2000" dirty="0">
-                <a:latin typeface="Segoe UI Semilight" panose="020B0402040204020203" pitchFamily="34" charset="0"/>
-                <a:cs typeface="Segoe UI Semilight" panose="020B0402040204020203" pitchFamily="34" charset="0"/>
-              </a:rPr>
-              <a:t>The Microsoft team responds to the objection</a:t>
-            </a:r>
-          </a:p>
-          <a:p>
-            <a:pPr marL="342900" lvl="0" indent="-342900">
-              <a:buFont typeface="Arial" panose="020B0604020202020204" pitchFamily="34" charset="0"/>
-              <a:buChar char="•"/>
-            </a:pPr>
-            <a:r>
-              <a:rPr lang="en-US" sz="2000" dirty="0">
-                <a:latin typeface="Segoe UI Semilight" panose="020B0402040204020203" pitchFamily="34" charset="0"/>
-                <a:cs typeface="Segoe UI Semilight" panose="020B0402040204020203" pitchFamily="34" charset="0"/>
-              </a:rPr>
-              <a:t>The customer team gives feedback to the Microsoft team</a:t>
-            </a:r>
-            <a:endParaRPr lang="en-US" sz="2000" strike="sngStrike" dirty="0">
-              <a:latin typeface="Segoe UI Semilight" panose="020B0402040204020203" pitchFamily="34" charset="0"/>
-              <a:cs typeface="Segoe UI Semilight" panose="020B0402040204020203" pitchFamily="34" charset="0"/>
-            </a:endParaRPr>
-          </a:p>
-          <a:p>
-            <a:pPr>
-              <a:lnSpc>
-                <a:spcPct val="90000"/>
-              </a:lnSpc>
-              <a:spcAft>
-                <a:spcPts val="600"/>
-              </a:spcAft>
-            </a:pPr>
-            <a:endParaRPr lang="en-US" sz="2400" dirty="0">
-              <a:latin typeface="Segoe UI Semilight" panose="020B0402040204020203" pitchFamily="34" charset="0"/>
-              <a:cs typeface="Segoe UI Semilight" panose="020B0402040204020203" pitchFamily="34" charset="0"/>
+            </a:br>
+            <a:endParaRPr lang="en-US" sz="3236" dirty="0">
+              <a:solidFill>
+                <a:schemeClr val="tx1"/>
+              </a:solidFill>
+              <a:latin typeface="Segoe UI" panose="020B0502040204020203" pitchFamily="34" charset="0"/>
             </a:endParaRPr>
           </a:p>
         </p:txBody>
@@ -16528,7 +17075,7 @@
     </p:spTree>
     <p:extLst>
       <p:ext uri="{BB962C8B-B14F-4D97-AF65-F5344CB8AC3E}">
-        <p14:creationId xmlns:p14="http://schemas.microsoft.com/office/powerpoint/2010/main" val="3717261927"/>
+        <p14:creationId xmlns:p14="http://schemas.microsoft.com/office/powerpoint/2010/main" val="601339970"/>
       </p:ext>
     </p:extLst>
   </p:cSld>
@@ -16565,6 +17112,1045 @@
       </p:grpSpPr>
       <p:sp>
         <p:nvSpPr>
+          <p:cNvPr id="3" name="Content Placeholder 2"/>
+          <p:cNvSpPr>
+            <a:spLocks noGrp="1"/>
+          </p:cNvSpPr>
+          <p:nvPr>
+            <p:ph type="body" sz="quarter" idx="10"/>
+          </p:nvPr>
+        </p:nvSpPr>
+        <p:spPr/>
+        <p:txBody>
+          <a:bodyPr>
+            <a:normAutofit fontScale="92500" lnSpcReduction="10000"/>
+          </a:bodyPr>
+          <a:lstStyle/>
+          <a:p>
+            <a:r>
+              <a:rPr lang="en-US" sz="3600" dirty="0">
+                <a:solidFill>
+                  <a:schemeClr val="tx1"/>
+                </a:solidFill>
+                <a:latin typeface="+mj-lt"/>
+              </a:rPr>
+              <a:t>Main topic 1: size 36pt</a:t>
+            </a:r>
+          </a:p>
+          <a:p>
+            <a:pPr lvl="1"/>
+            <a:r>
+              <a:rPr lang="en-US" sz="2800" dirty="0">
+                <a:solidFill>
+                  <a:schemeClr val="tx1"/>
+                </a:solidFill>
+                <a:latin typeface="Segoe UI Semilight" panose="020B0402040204020203" pitchFamily="34" charset="0"/>
+                <a:cs typeface="Segoe UI Semilight" panose="020B0402040204020203" pitchFamily="34" charset="0"/>
+              </a:rPr>
+              <a:t>Size 28pt for second leve</a:t>
+            </a:r>
+            <a:r>
+              <a:rPr lang="en-US" sz="2400" dirty="0">
+                <a:solidFill>
+                  <a:schemeClr val="tx1"/>
+                </a:solidFill>
+                <a:latin typeface="Segoe UI Semilight" panose="020B0402040204020203" pitchFamily="34" charset="0"/>
+                <a:cs typeface="Segoe UI Semilight" panose="020B0402040204020203" pitchFamily="34" charset="0"/>
+              </a:rPr>
+              <a:t>l</a:t>
+            </a:r>
+          </a:p>
+          <a:p>
+            <a:pPr lvl="1"/>
+            <a:r>
+              <a:rPr lang="en-US" sz="2400" dirty="0">
+                <a:solidFill>
+                  <a:schemeClr val="tx1"/>
+                </a:solidFill>
+                <a:latin typeface="Segoe UI Semilight" panose="020B0402040204020203" pitchFamily="34" charset="0"/>
+                <a:cs typeface="Segoe UI Semilight" panose="020B0402040204020203" pitchFamily="34" charset="0"/>
+              </a:rPr>
+              <a:t>Size 24pt for third level</a:t>
+            </a:r>
+          </a:p>
+          <a:p>
+            <a:pPr lvl="1"/>
+            <a:r>
+              <a:rPr lang="en-US" sz="2200" dirty="0">
+                <a:solidFill>
+                  <a:schemeClr val="tx1"/>
+                </a:solidFill>
+                <a:latin typeface="Segoe UI Semilight" panose="020B0402040204020203" pitchFamily="34" charset="0"/>
+                <a:cs typeface="Segoe UI Semilight" panose="020B0402040204020203" pitchFamily="34" charset="0"/>
+              </a:rPr>
+              <a:t>Size 22pt for fourth level</a:t>
+            </a:r>
+          </a:p>
+          <a:p>
+            <a:pPr lvl="1"/>
+            <a:r>
+              <a:rPr lang="en-US" sz="2200" dirty="0">
+                <a:solidFill>
+                  <a:schemeClr val="tx1"/>
+                </a:solidFill>
+                <a:latin typeface="Segoe UI Semilight" panose="020B0402040204020203" pitchFamily="34" charset="0"/>
+                <a:cs typeface="Segoe UI Semilight" panose="020B0402040204020203" pitchFamily="34" charset="0"/>
+              </a:rPr>
+              <a:t>Size 22pt for fifth level</a:t>
+            </a:r>
+          </a:p>
+          <a:p>
+            <a:pPr marL="0" indent="0">
+              <a:spcAft>
+                <a:spcPts val="882"/>
+              </a:spcAft>
+              <a:buNone/>
+            </a:pPr>
+            <a:endParaRPr lang="en-US" sz="1800" dirty="0">
+              <a:solidFill>
+                <a:schemeClr val="tx1"/>
+              </a:solidFill>
+            </a:endParaRPr>
+          </a:p>
+        </p:txBody>
+      </p:sp>
+      <p:sp>
+        <p:nvSpPr>
+          <p:cNvPr id="2" name="Title 1"/>
+          <p:cNvSpPr>
+            <a:spLocks noGrp="1"/>
+          </p:cNvSpPr>
+          <p:nvPr>
+            <p:ph type="title"/>
+          </p:nvPr>
+        </p:nvSpPr>
+        <p:spPr/>
+        <p:txBody>
+          <a:bodyPr>
+            <a:normAutofit fontScale="90000"/>
+          </a:bodyPr>
+          <a:lstStyle/>
+          <a:p>
+            <a:r>
+              <a:rPr lang="en-US" sz="4900" dirty="0">
+                <a:solidFill>
+                  <a:schemeClr val="tx1"/>
+                </a:solidFill>
+                <a:cs typeface="Segoe UI" panose="020B0502040204020203" pitchFamily="34" charset="0"/>
+              </a:rPr>
+              <a:t>Common scenarios</a:t>
+            </a:r>
+            <a:br>
+              <a:rPr lang="en-US" dirty="0">
+                <a:solidFill>
+                  <a:schemeClr val="tx1"/>
+                </a:solidFill>
+                <a:latin typeface="Segoe UI" panose="020B0502040204020203" pitchFamily="34" charset="0"/>
+              </a:rPr>
+            </a:br>
+            <a:endParaRPr lang="en-US" sz="3236" dirty="0">
+              <a:solidFill>
+                <a:schemeClr val="tx1"/>
+              </a:solidFill>
+              <a:latin typeface="Segoe UI" panose="020B0502040204020203" pitchFamily="34" charset="0"/>
+            </a:endParaRPr>
+          </a:p>
+        </p:txBody>
+      </p:sp>
+    </p:spTree>
+    <p:extLst>
+      <p:ext uri="{BB962C8B-B14F-4D97-AF65-F5344CB8AC3E}">
+        <p14:creationId xmlns:p14="http://schemas.microsoft.com/office/powerpoint/2010/main" val="3705119090"/>
+      </p:ext>
+    </p:extLst>
+  </p:cSld>
+  <p:clrMapOvr>
+    <a:masterClrMapping/>
+  </p:clrMapOvr>
+  <mc:AlternateContent xmlns:mc="http://schemas.openxmlformats.org/markup-compatibility/2006" xmlns:p14="http://schemas.microsoft.com/office/powerpoint/2010/main">
+    <mc:Choice Requires="p14">
+      <p:transition p14:dur="0"/>
+    </mc:Choice>
+    <mc:Fallback xmlns="">
+      <p:transition/>
+    </mc:Fallback>
+  </mc:AlternateContent>
+</p:sld>
+</file>
+
+<file path=ppt/slides/slide12.xml><?xml version="1.0" encoding="utf-8"?>
+<p:sld xmlns:a="http://schemas.openxmlformats.org/drawingml/2006/main" xmlns:r="http://schemas.openxmlformats.org/officeDocument/2006/relationships" xmlns:p="http://schemas.openxmlformats.org/presentationml/2006/main">
+  <p:cSld>
+    <p:spTree>
+      <p:nvGrpSpPr>
+        <p:cNvPr id="1" name=""/>
+        <p:cNvGrpSpPr/>
+        <p:nvPr/>
+      </p:nvGrpSpPr>
+      <p:grpSpPr>
+        <a:xfrm>
+          <a:off x="0" y="0"/>
+          <a:ext cx="0" cy="0"/>
+          <a:chOff x="0" y="0"/>
+          <a:chExt cx="0" cy="0"/>
+        </a:xfrm>
+      </p:grpSpPr>
+      <p:sp>
+        <p:nvSpPr>
+          <p:cNvPr id="2" name="Title 1"/>
+          <p:cNvSpPr>
+            <a:spLocks noGrp="1"/>
+          </p:cNvSpPr>
+          <p:nvPr>
+            <p:ph type="title"/>
+          </p:nvPr>
+        </p:nvSpPr>
+        <p:spPr>
+          <a:xfrm>
+            <a:off x="291012" y="289511"/>
+            <a:ext cx="11655840" cy="899665"/>
+          </a:xfrm>
+        </p:spPr>
+        <p:txBody>
+          <a:bodyPr>
+            <a:normAutofit/>
+          </a:bodyPr>
+          <a:lstStyle/>
+          <a:p>
+            <a:r>
+              <a:rPr lang="en-US" sz="4400" dirty="0">
+                <a:solidFill>
+                  <a:schemeClr val="tx1"/>
+                </a:solidFill>
+                <a:latin typeface="Segoe UI Light" panose="020B0502040204020203" pitchFamily="34" charset="0"/>
+                <a:cs typeface="Segoe UI Light" panose="020B0502040204020203" pitchFamily="34" charset="0"/>
+              </a:rPr>
+              <a:t>Step 2: Design the solution</a:t>
+            </a:r>
+          </a:p>
+        </p:txBody>
+      </p:sp>
+      <p:sp>
+        <p:nvSpPr>
+          <p:cNvPr id="9" name="TextBox 8">
+            <a:extLst>
+              <a:ext uri="{FF2B5EF4-FFF2-40B4-BE49-F238E27FC236}">
+                <a16:creationId xmlns:a16="http://schemas.microsoft.com/office/drawing/2014/main" id="{0F86F9F9-39B5-4CE6-AF48-9ADAE40EA728}"/>
+              </a:ext>
+            </a:extLst>
+          </p:cNvPr>
+          <p:cNvSpPr txBox="1"/>
+          <p:nvPr/>
+        </p:nvSpPr>
+        <p:spPr>
+          <a:xfrm>
+            <a:off x="362057" y="1741246"/>
+            <a:ext cx="10652686" cy="2930033"/>
+          </a:xfrm>
+          <a:prstGeom prst="rect">
+            <a:avLst/>
+          </a:prstGeom>
+          <a:noFill/>
+        </p:spPr>
+        <p:txBody>
+          <a:bodyPr wrap="square" lIns="182880" tIns="146304" rIns="182880" bIns="146304" rtlCol="0">
+            <a:spAutoFit/>
+          </a:bodyPr>
+          <a:lstStyle/>
+          <a:p>
+            <a:pPr>
+              <a:lnSpc>
+                <a:spcPct val="90000"/>
+              </a:lnSpc>
+              <a:spcAft>
+                <a:spcPts val="600"/>
+              </a:spcAft>
+            </a:pPr>
+            <a:r>
+              <a:rPr lang="en-US" sz="3600" dirty="0">
+                <a:latin typeface="+mj-lt"/>
+              </a:rPr>
+              <a:t>Outcome</a:t>
+            </a:r>
+          </a:p>
+          <a:p>
+            <a:pPr>
+              <a:lnSpc>
+                <a:spcPct val="90000"/>
+              </a:lnSpc>
+              <a:spcAft>
+                <a:spcPts val="600"/>
+              </a:spcAft>
+            </a:pPr>
+            <a:r>
+              <a:rPr lang="en-US" sz="2400" dirty="0">
+                <a:latin typeface="Segoe UI Semilight" panose="020B0402040204020203" pitchFamily="34" charset="0"/>
+                <a:cs typeface="Segoe UI Semilight" panose="020B0402040204020203" pitchFamily="34" charset="0"/>
+              </a:rPr>
+              <a:t>Design a solution and prepare to present the solution to the target customer audience in a 15-minute chalk-talk format. </a:t>
+            </a:r>
+          </a:p>
+          <a:p>
+            <a:pPr>
+              <a:lnSpc>
+                <a:spcPct val="90000"/>
+              </a:lnSpc>
+              <a:spcAft>
+                <a:spcPts val="600"/>
+              </a:spcAft>
+            </a:pPr>
+            <a:endParaRPr lang="en-US" sz="2400" dirty="0"/>
+          </a:p>
+          <a:p>
+            <a:pPr>
+              <a:lnSpc>
+                <a:spcPct val="90000"/>
+              </a:lnSpc>
+              <a:spcAft>
+                <a:spcPts val="600"/>
+              </a:spcAft>
+            </a:pPr>
+            <a:r>
+              <a:rPr lang="en-US" sz="3600" dirty="0">
+                <a:latin typeface="+mj-lt"/>
+              </a:rPr>
+              <a:t>Timeframe</a:t>
+            </a:r>
+          </a:p>
+          <a:p>
+            <a:pPr>
+              <a:lnSpc>
+                <a:spcPct val="90000"/>
+              </a:lnSpc>
+              <a:spcAft>
+                <a:spcPts val="600"/>
+              </a:spcAft>
+            </a:pPr>
+            <a:r>
+              <a:rPr lang="en-US" sz="2400" dirty="0">
+                <a:latin typeface="Segoe UI Semilight" panose="020B0402040204020203" pitchFamily="34" charset="0"/>
+                <a:cs typeface="Segoe UI Semilight" panose="020B0402040204020203" pitchFamily="34" charset="0"/>
+              </a:rPr>
+              <a:t>60 minutes</a:t>
+            </a:r>
+          </a:p>
+        </p:txBody>
+      </p:sp>
+      <p:graphicFrame>
+        <p:nvGraphicFramePr>
+          <p:cNvPr id="4" name="Table 3">
+            <a:extLst>
+              <a:ext uri="{FF2B5EF4-FFF2-40B4-BE49-F238E27FC236}">
+                <a16:creationId xmlns:a16="http://schemas.microsoft.com/office/drawing/2014/main" id="{9FC7A5CD-D651-4072-A920-34F54BCBC3EF}"/>
+              </a:ext>
+            </a:extLst>
+          </p:cNvPr>
+          <p:cNvGraphicFramePr>
+            <a:graphicFrameLocks noGrp="1"/>
+          </p:cNvGraphicFramePr>
+          <p:nvPr>
+            <p:extLst>
+              <p:ext uri="{D42A27DB-BD31-4B8C-83A1-F6EECF244321}">
+                <p14:modId xmlns:p14="http://schemas.microsoft.com/office/powerpoint/2010/main" val="2701882102"/>
+              </p:ext>
+            </p:extLst>
+          </p:nvPr>
+        </p:nvGraphicFramePr>
+        <p:xfrm>
+          <a:off x="3095545" y="3791921"/>
+          <a:ext cx="8040154" cy="2420452"/>
+        </p:xfrm>
+        <a:graphic>
+          <a:graphicData uri="http://schemas.openxmlformats.org/drawingml/2006/table">
+            <a:tbl>
+              <a:tblPr firstRow="1" bandRow="1">
+                <a:tableStyleId>{69CF1AB2-1976-4502-BF36-3FF5EA218861}</a:tableStyleId>
+              </a:tblPr>
+              <a:tblGrid>
+                <a:gridCol w="1758700">
+                  <a:extLst>
+                    <a:ext uri="{9D8B030D-6E8A-4147-A177-3AD203B41FA5}">
+                      <a16:colId xmlns:a16="http://schemas.microsoft.com/office/drawing/2014/main" val="20000"/>
+                    </a:ext>
+                  </a:extLst>
+                </a:gridCol>
+                <a:gridCol w="6281454">
+                  <a:extLst>
+                    <a:ext uri="{9D8B030D-6E8A-4147-A177-3AD203B41FA5}">
+                      <a16:colId xmlns:a16="http://schemas.microsoft.com/office/drawing/2014/main" val="20001"/>
+                    </a:ext>
+                  </a:extLst>
+                </a:gridCol>
+              </a:tblGrid>
+              <a:tr h="672348">
+                <a:tc>
+                  <a:txBody>
+                    <a:bodyPr/>
+                    <a:lstStyle/>
+                    <a:p>
+                      <a:r>
+                        <a:rPr lang="en-US" sz="1300" b="1" i="1" dirty="0">
+                          <a:latin typeface="Segoe UI" panose="020B0502040204020203" pitchFamily="34" charset="0"/>
+                          <a:cs typeface="Segoe UI" panose="020B0502040204020203" pitchFamily="34" charset="0"/>
+                        </a:rPr>
+                        <a:t>Business</a:t>
+                      </a:r>
+                      <a:r>
+                        <a:rPr lang="en-US" sz="1300" b="1" i="1" kern="1200" dirty="0">
+                          <a:solidFill>
+                            <a:schemeClr val="dk1"/>
+                          </a:solidFill>
+                          <a:latin typeface="Segoe UI" panose="020B0502040204020203" pitchFamily="34" charset="0"/>
+                          <a:ea typeface="+mn-ea"/>
+                          <a:cs typeface="Segoe UI" panose="020B0502040204020203" pitchFamily="34" charset="0"/>
+                        </a:rPr>
+                        <a:t> needs</a:t>
+                      </a:r>
+                    </a:p>
+                    <a:p>
+                      <a:r>
+                        <a:rPr lang="en-US" sz="1300" b="0" i="0" dirty="0">
+                          <a:latin typeface="Segoe UI" panose="020B0502040204020203" pitchFamily="34" charset="0"/>
+                          <a:cs typeface="Segoe UI" panose="020B0502040204020203" pitchFamily="34" charset="0"/>
+                        </a:rPr>
+                        <a:t>(10 minutes)</a:t>
+                      </a:r>
+                      <a:br>
+                        <a:rPr lang="en-US" sz="1300" b="0" i="0" dirty="0">
+                          <a:latin typeface="Segoe UI" panose="020B0502040204020203" pitchFamily="34" charset="0"/>
+                          <a:cs typeface="Segoe UI" panose="020B0502040204020203" pitchFamily="34" charset="0"/>
+                        </a:rPr>
+                      </a:br>
+                      <a:endParaRPr lang="en-US" sz="1300" b="0" i="0" dirty="0">
+                        <a:latin typeface="Segoe UI" panose="020B0502040204020203" pitchFamily="34" charset="0"/>
+                        <a:cs typeface="Segoe UI" panose="020B0502040204020203" pitchFamily="34" charset="0"/>
+                      </a:endParaRPr>
+                    </a:p>
+                  </a:txBody>
+                  <a:tcPr marL="67235" marR="67235" marT="33617" marB="33617"/>
+                </a:tc>
+                <a:tc>
+                  <a:txBody>
+                    <a:bodyPr/>
+                    <a:lstStyle/>
+                    <a:p>
+                      <a:pPr marL="285750" marR="0" indent="-285750" algn="l" defTabSz="932742" rtl="0" eaLnBrk="1" fontAlgn="auto" latinLnBrk="0" hangingPunct="1">
+                        <a:lnSpc>
+                          <a:spcPct val="100000"/>
+                        </a:lnSpc>
+                        <a:spcBef>
+                          <a:spcPts val="0"/>
+                        </a:spcBef>
+                        <a:spcAft>
+                          <a:spcPts val="0"/>
+                        </a:spcAft>
+                        <a:buClrTx/>
+                        <a:buSzTx/>
+                        <a:buFont typeface="Arial" panose="020B0604020202020204" pitchFamily="34" charset="0"/>
+                        <a:buChar char="•"/>
+                        <a:tabLst/>
+                        <a:defRPr/>
+                      </a:pPr>
+                      <a:r>
+                        <a:rPr lang="en-US" sz="1300" b="0" dirty="0">
+                          <a:solidFill>
+                            <a:schemeClr val="bg1"/>
+                          </a:solidFill>
+                          <a:latin typeface="Segoe UI" panose="020B0502040204020203" pitchFamily="34" charset="0"/>
+                          <a:cs typeface="Segoe UI" panose="020B0502040204020203" pitchFamily="34" charset="0"/>
+                        </a:rPr>
+                        <a:t>Respond to questions outlined in your guide and list the answers on a flipchart</a:t>
+                      </a:r>
+                    </a:p>
+                    <a:p>
+                      <a:endParaRPr lang="en-US" sz="1300" b="0" dirty="0">
+                        <a:latin typeface="Segoe UI" panose="020B0502040204020203" pitchFamily="34" charset="0"/>
+                        <a:cs typeface="Segoe UI" panose="020B0502040204020203" pitchFamily="34" charset="0"/>
+                      </a:endParaRPr>
+                    </a:p>
+                  </a:txBody>
+                  <a:tcPr marL="67235" marR="67235" marT="33617" marB="33617"/>
+                </a:tc>
+                <a:extLst>
+                  <a:ext uri="{0D108BD9-81ED-4DB2-BD59-A6C34878D82A}">
+                    <a16:rowId xmlns:a16="http://schemas.microsoft.com/office/drawing/2014/main" val="10000"/>
+                  </a:ext>
+                </a:extLst>
+              </a:tr>
+              <a:tr h="672348">
+                <a:tc>
+                  <a:txBody>
+                    <a:bodyPr/>
+                    <a:lstStyle/>
+                    <a:p>
+                      <a:r>
+                        <a:rPr lang="en-US" sz="1300" b="1" i="1" dirty="0">
+                          <a:latin typeface="Segoe UI" panose="020B0502040204020203" pitchFamily="34" charset="0"/>
+                          <a:cs typeface="Segoe UI" panose="020B0502040204020203" pitchFamily="34" charset="0"/>
+                        </a:rPr>
+                        <a:t>Design</a:t>
+                      </a:r>
+                    </a:p>
+                    <a:p>
+                      <a:pPr marL="0" algn="l" defTabSz="932742" rtl="0" eaLnBrk="1" latinLnBrk="0" hangingPunct="1"/>
+                      <a:r>
+                        <a:rPr lang="en-US" sz="1300" b="0" i="0" kern="1200" dirty="0">
+                          <a:solidFill>
+                            <a:schemeClr val="dk1"/>
+                          </a:solidFill>
+                          <a:latin typeface="Segoe UI" panose="020B0502040204020203" pitchFamily="34" charset="0"/>
+                          <a:ea typeface="+mn-ea"/>
+                          <a:cs typeface="Segoe UI" panose="020B0502040204020203" pitchFamily="34" charset="0"/>
+                        </a:rPr>
+                        <a:t>(35 minutes)</a:t>
+                      </a:r>
+                      <a:br>
+                        <a:rPr lang="en-US" sz="1300" b="0" i="0" kern="1200" dirty="0">
+                          <a:solidFill>
+                            <a:schemeClr val="dk1"/>
+                          </a:solidFill>
+                          <a:latin typeface="Segoe UI" panose="020B0502040204020203" pitchFamily="34" charset="0"/>
+                          <a:ea typeface="+mn-ea"/>
+                          <a:cs typeface="Segoe UI" panose="020B0502040204020203" pitchFamily="34" charset="0"/>
+                        </a:rPr>
+                      </a:br>
+                      <a:endParaRPr lang="en-US" sz="1300" b="0" i="0" kern="1200" dirty="0">
+                        <a:solidFill>
+                          <a:schemeClr val="dk1"/>
+                        </a:solidFill>
+                        <a:latin typeface="Segoe UI" panose="020B0502040204020203" pitchFamily="34" charset="0"/>
+                        <a:ea typeface="+mn-ea"/>
+                        <a:cs typeface="Segoe UI" panose="020B0502040204020203" pitchFamily="34" charset="0"/>
+                      </a:endParaRPr>
+                    </a:p>
+                  </a:txBody>
+                  <a:tcPr marL="67235" marR="67235" marT="33617" marB="33617"/>
+                </a:tc>
+                <a:tc>
+                  <a:txBody>
+                    <a:bodyPr/>
+                    <a:lstStyle/>
+                    <a:p>
+                      <a:pPr marL="285750" marR="0" indent="-285750" algn="l" defTabSz="932742" rtl="0" eaLnBrk="1" fontAlgn="auto" latinLnBrk="0" hangingPunct="1">
+                        <a:lnSpc>
+                          <a:spcPct val="100000"/>
+                        </a:lnSpc>
+                        <a:spcBef>
+                          <a:spcPts val="0"/>
+                        </a:spcBef>
+                        <a:spcAft>
+                          <a:spcPts val="0"/>
+                        </a:spcAft>
+                        <a:buClrTx/>
+                        <a:buSzTx/>
+                        <a:buFont typeface="Arial" panose="020B0604020202020204" pitchFamily="34" charset="0"/>
+                        <a:buChar char="•"/>
+                        <a:tabLst/>
+                        <a:defRPr/>
+                      </a:pPr>
+                      <a:r>
+                        <a:rPr lang="en-US" sz="1300" kern="1200" baseline="0" dirty="0">
+                          <a:solidFill>
+                            <a:schemeClr val="bg1"/>
+                          </a:solidFill>
+                          <a:latin typeface="Segoe UI" panose="020B0502040204020203" pitchFamily="34" charset="0"/>
+                          <a:ea typeface="+mn-ea"/>
+                          <a:cs typeface="Segoe UI" panose="020B0502040204020203" pitchFamily="34" charset="0"/>
+                        </a:rPr>
+                        <a:t>Design a solution for as many of the stated requirements as time allows. Show the solution on a flipchart</a:t>
+                      </a:r>
+                    </a:p>
+                    <a:p>
+                      <a:endParaRPr lang="en-US" sz="1300" dirty="0">
+                        <a:latin typeface="Segoe UI" panose="020B0502040204020203" pitchFamily="34" charset="0"/>
+                        <a:cs typeface="Segoe UI" panose="020B0502040204020203" pitchFamily="34" charset="0"/>
+                      </a:endParaRPr>
+                    </a:p>
+                  </a:txBody>
+                  <a:tcPr marL="67235" marR="67235" marT="33617" marB="33617"/>
+                </a:tc>
+                <a:extLst>
+                  <a:ext uri="{0D108BD9-81ED-4DB2-BD59-A6C34878D82A}">
+                    <a16:rowId xmlns:a16="http://schemas.microsoft.com/office/drawing/2014/main" val="10001"/>
+                  </a:ext>
+                </a:extLst>
+              </a:tr>
+              <a:tr h="1075756">
+                <a:tc>
+                  <a:txBody>
+                    <a:bodyPr/>
+                    <a:lstStyle/>
+                    <a:p>
+                      <a:r>
+                        <a:rPr lang="en-US" sz="1300" b="1" i="1" dirty="0">
+                          <a:latin typeface="Segoe UI" panose="020B0502040204020203" pitchFamily="34" charset="0"/>
+                          <a:cs typeface="Segoe UI" panose="020B0502040204020203" pitchFamily="34" charset="0"/>
+                        </a:rPr>
+                        <a:t>Prepare</a:t>
+                      </a:r>
+                    </a:p>
+                    <a:p>
+                      <a:pPr marL="0" marR="0" indent="0" algn="l" defTabSz="932742" rtl="0" eaLnBrk="1" fontAlgn="auto" latinLnBrk="0" hangingPunct="1">
+                        <a:lnSpc>
+                          <a:spcPct val="100000"/>
+                        </a:lnSpc>
+                        <a:spcBef>
+                          <a:spcPts val="0"/>
+                        </a:spcBef>
+                        <a:spcAft>
+                          <a:spcPts val="0"/>
+                        </a:spcAft>
+                        <a:buClrTx/>
+                        <a:buSzTx/>
+                        <a:buFontTx/>
+                        <a:buNone/>
+                        <a:tabLst/>
+                        <a:defRPr/>
+                      </a:pPr>
+                      <a:r>
+                        <a:rPr lang="en-US" sz="1300" b="0" i="0" kern="1200" dirty="0">
+                          <a:solidFill>
+                            <a:schemeClr val="dk1"/>
+                          </a:solidFill>
+                          <a:latin typeface="Segoe UI" panose="020B0502040204020203" pitchFamily="34" charset="0"/>
+                          <a:ea typeface="+mn-ea"/>
+                          <a:cs typeface="Segoe UI" panose="020B0502040204020203" pitchFamily="34" charset="0"/>
+                        </a:rPr>
+                        <a:t>(15 minutes)</a:t>
+                      </a:r>
+                    </a:p>
+                    <a:p>
+                      <a:endParaRPr lang="en-US" sz="1300" b="1" i="1" dirty="0">
+                        <a:latin typeface="Segoe UI" panose="020B0502040204020203" pitchFamily="34" charset="0"/>
+                        <a:cs typeface="Segoe UI" panose="020B0502040204020203" pitchFamily="34" charset="0"/>
+                      </a:endParaRPr>
+                    </a:p>
+                  </a:txBody>
+                  <a:tcPr marL="67235" marR="67235" marT="33617" marB="33617"/>
+                </a:tc>
+                <a:tc>
+                  <a:txBody>
+                    <a:bodyPr/>
+                    <a:lstStyle/>
+                    <a:p>
+                      <a:pPr marL="285750" lvl="0" indent="-285750">
+                        <a:buFont typeface="Arial" panose="020B0604020202020204" pitchFamily="34" charset="0"/>
+                        <a:buChar char="•"/>
+                      </a:pPr>
+                      <a:r>
+                        <a:rPr lang="en-US" sz="1300" dirty="0">
+                          <a:latin typeface="Segoe UI" panose="020B0502040204020203" pitchFamily="34" charset="0"/>
+                          <a:cs typeface="Segoe UI" panose="020B0502040204020203" pitchFamily="34" charset="0"/>
+                        </a:rPr>
+                        <a:t>Identify any customer needs that are not addressed with the proposed solution</a:t>
+                      </a:r>
+                    </a:p>
+                    <a:p>
+                      <a:pPr marL="285750" lvl="0" indent="-285750">
+                        <a:buFont typeface="Arial" panose="020B0604020202020204" pitchFamily="34" charset="0"/>
+                        <a:buChar char="•"/>
+                      </a:pPr>
+                      <a:r>
+                        <a:rPr lang="en-US" sz="1300" dirty="0">
+                          <a:latin typeface="Segoe UI" panose="020B0502040204020203" pitchFamily="34" charset="0"/>
+                          <a:cs typeface="Segoe UI" panose="020B0502040204020203" pitchFamily="34" charset="0"/>
+                        </a:rPr>
+                        <a:t>Identify the benefits of your solution</a:t>
+                      </a:r>
+                    </a:p>
+                    <a:p>
+                      <a:pPr marL="285750" lvl="0" indent="-285750">
+                        <a:buFont typeface="Arial" panose="020B0604020202020204" pitchFamily="34" charset="0"/>
+                        <a:buChar char="•"/>
+                      </a:pPr>
+                      <a:r>
+                        <a:rPr lang="en-US" sz="1300" dirty="0">
+                          <a:latin typeface="Segoe UI" panose="020B0502040204020203" pitchFamily="34" charset="0"/>
+                          <a:cs typeface="Segoe UI" panose="020B0502040204020203" pitchFamily="34" charset="0"/>
+                        </a:rPr>
+                        <a:t>Determine how you will respond to the customer’s objections</a:t>
+                      </a:r>
+                    </a:p>
+                    <a:p>
+                      <a:pPr marL="285750" lvl="0" indent="-285750">
+                        <a:buFont typeface="Arial" panose="020B0604020202020204" pitchFamily="34" charset="0"/>
+                        <a:buChar char="•"/>
+                      </a:pPr>
+                      <a:r>
+                        <a:rPr lang="en-US" sz="1300" dirty="0">
+                          <a:latin typeface="Segoe UI" panose="020B0502040204020203" pitchFamily="34" charset="0"/>
+                          <a:cs typeface="Segoe UI" panose="020B0502040204020203" pitchFamily="34" charset="0"/>
+                        </a:rPr>
+                        <a:t>Prepare for a 15-minute presentation to the customer</a:t>
+                      </a:r>
+                      <a:br>
+                        <a:rPr lang="en-US" sz="1300" dirty="0">
+                          <a:latin typeface="Segoe UI" panose="020B0502040204020203" pitchFamily="34" charset="0"/>
+                          <a:cs typeface="Segoe UI" panose="020B0502040204020203" pitchFamily="34" charset="0"/>
+                        </a:rPr>
+                      </a:br>
+                      <a:endParaRPr lang="en-US" sz="1300" dirty="0">
+                        <a:latin typeface="Segoe UI" panose="020B0502040204020203" pitchFamily="34" charset="0"/>
+                        <a:cs typeface="Segoe UI" panose="020B0502040204020203" pitchFamily="34" charset="0"/>
+                      </a:endParaRPr>
+                    </a:p>
+                  </a:txBody>
+                  <a:tcPr marL="67235" marR="67235" marT="33617" marB="33617"/>
+                </a:tc>
+                <a:extLst>
+                  <a:ext uri="{0D108BD9-81ED-4DB2-BD59-A6C34878D82A}">
+                    <a16:rowId xmlns:a16="http://schemas.microsoft.com/office/drawing/2014/main" val="10002"/>
+                  </a:ext>
+                </a:extLst>
+              </a:tr>
+            </a:tbl>
+          </a:graphicData>
+        </a:graphic>
+      </p:graphicFrame>
+    </p:spTree>
+    <p:extLst>
+      <p:ext uri="{BB962C8B-B14F-4D97-AF65-F5344CB8AC3E}">
+        <p14:creationId xmlns:p14="http://schemas.microsoft.com/office/powerpoint/2010/main" val="1203314758"/>
+      </p:ext>
+    </p:extLst>
+  </p:cSld>
+  <p:clrMapOvr>
+    <a:masterClrMapping/>
+  </p:clrMapOvr>
+  <mc:AlternateContent xmlns:mc="http://schemas.openxmlformats.org/markup-compatibility/2006" xmlns:p14="http://schemas.microsoft.com/office/powerpoint/2010/main">
+    <mc:Choice Requires="p14">
+      <p:transition p14:dur="0"/>
+    </mc:Choice>
+    <mc:Fallback xmlns="">
+      <p:transition/>
+    </mc:Fallback>
+  </mc:AlternateContent>
+</p:sld>
+</file>
+
+<file path=ppt/slides/slide13.xml><?xml version="1.0" encoding="utf-8"?>
+<p:sld xmlns:a="http://schemas.openxmlformats.org/drawingml/2006/main" xmlns:r="http://schemas.openxmlformats.org/officeDocument/2006/relationships" xmlns:p="http://schemas.openxmlformats.org/presentationml/2006/main">
+  <p:cSld>
+    <p:spTree>
+      <p:nvGrpSpPr>
+        <p:cNvPr id="1" name=""/>
+        <p:cNvGrpSpPr/>
+        <p:nvPr/>
+      </p:nvGrpSpPr>
+      <p:grpSpPr>
+        <a:xfrm>
+          <a:off x="0" y="0"/>
+          <a:ext cx="0" cy="0"/>
+          <a:chOff x="0" y="0"/>
+          <a:chExt cx="0" cy="0"/>
+        </a:xfrm>
+      </p:grpSpPr>
+      <p:sp>
+        <p:nvSpPr>
+          <p:cNvPr id="2" name="Title 1"/>
+          <p:cNvSpPr>
+            <a:spLocks noGrp="1"/>
+          </p:cNvSpPr>
+          <p:nvPr>
+            <p:ph type="title"/>
+          </p:nvPr>
+        </p:nvSpPr>
+        <p:spPr/>
+        <p:txBody>
+          <a:bodyPr>
+            <a:normAutofit/>
+          </a:bodyPr>
+          <a:lstStyle/>
+          <a:p>
+            <a:r>
+              <a:rPr lang="en-US" sz="4400" dirty="0">
+                <a:solidFill>
+                  <a:schemeClr val="tx1"/>
+                </a:solidFill>
+                <a:latin typeface="Segoe UI Light" panose="020B0502040204020203" pitchFamily="34" charset="0"/>
+                <a:cs typeface="Segoe UI Light" panose="020B0502040204020203" pitchFamily="34" charset="0"/>
+              </a:rPr>
+              <a:t>Step 3: Present the solution</a:t>
+            </a:r>
+          </a:p>
+        </p:txBody>
+      </p:sp>
+      <p:sp>
+        <p:nvSpPr>
+          <p:cNvPr id="9" name="TextBox 8">
+            <a:extLst>
+              <a:ext uri="{FF2B5EF4-FFF2-40B4-BE49-F238E27FC236}">
+                <a16:creationId xmlns:a16="http://schemas.microsoft.com/office/drawing/2014/main" id="{0F86F9F9-39B5-4CE6-AF48-9ADAE40EA728}"/>
+              </a:ext>
+            </a:extLst>
+          </p:cNvPr>
+          <p:cNvSpPr txBox="1"/>
+          <p:nvPr/>
+        </p:nvSpPr>
+        <p:spPr>
+          <a:xfrm>
+            <a:off x="340285" y="1062166"/>
+            <a:ext cx="10229103" cy="5838521"/>
+          </a:xfrm>
+          <a:prstGeom prst="rect">
+            <a:avLst/>
+          </a:prstGeom>
+          <a:noFill/>
+        </p:spPr>
+        <p:txBody>
+          <a:bodyPr wrap="square" lIns="182880" tIns="146304" rIns="182880" bIns="146304" rtlCol="0">
+            <a:spAutoFit/>
+          </a:bodyPr>
+          <a:lstStyle/>
+          <a:p>
+            <a:pPr>
+              <a:lnSpc>
+                <a:spcPct val="90000"/>
+              </a:lnSpc>
+              <a:spcAft>
+                <a:spcPts val="600"/>
+              </a:spcAft>
+            </a:pPr>
+            <a:r>
+              <a:rPr lang="en-US" sz="3600" dirty="0">
+                <a:latin typeface="+mj-lt"/>
+              </a:rPr>
+              <a:t>Outcome</a:t>
+            </a:r>
+          </a:p>
+          <a:p>
+            <a:pPr>
+              <a:lnSpc>
+                <a:spcPct val="90000"/>
+              </a:lnSpc>
+              <a:spcAft>
+                <a:spcPts val="600"/>
+              </a:spcAft>
+            </a:pPr>
+            <a:r>
+              <a:rPr lang="en-US" sz="2400" dirty="0">
+                <a:latin typeface="Segoe UI Semilight" panose="020B0402040204020203" pitchFamily="34" charset="0"/>
+                <a:cs typeface="Segoe UI Semilight" panose="020B0402040204020203" pitchFamily="34" charset="0"/>
+              </a:rPr>
+              <a:t>Present a solution to the target customer in a 15-minute chalk-talk format </a:t>
+            </a:r>
+            <a:endParaRPr lang="en-US" sz="3600" dirty="0">
+              <a:latin typeface="+mj-lt"/>
+            </a:endParaRPr>
+          </a:p>
+          <a:p>
+            <a:pPr>
+              <a:lnSpc>
+                <a:spcPct val="90000"/>
+              </a:lnSpc>
+              <a:spcAft>
+                <a:spcPts val="600"/>
+              </a:spcAft>
+            </a:pPr>
+            <a:endParaRPr lang="en-US" sz="2400" dirty="0">
+              <a:latin typeface="+mj-lt"/>
+            </a:endParaRPr>
+          </a:p>
+          <a:p>
+            <a:pPr>
+              <a:lnSpc>
+                <a:spcPct val="90000"/>
+              </a:lnSpc>
+              <a:spcAft>
+                <a:spcPts val="600"/>
+              </a:spcAft>
+            </a:pPr>
+            <a:r>
+              <a:rPr lang="en-US" sz="3600" dirty="0">
+                <a:latin typeface="+mj-lt"/>
+              </a:rPr>
+              <a:t>Timeframe</a:t>
+            </a:r>
+          </a:p>
+          <a:p>
+            <a:pPr>
+              <a:lnSpc>
+                <a:spcPct val="90000"/>
+              </a:lnSpc>
+              <a:spcAft>
+                <a:spcPts val="600"/>
+              </a:spcAft>
+            </a:pPr>
+            <a:r>
+              <a:rPr lang="en-US" sz="2400" dirty="0">
+                <a:latin typeface="Segoe UI Semilight" panose="020B0402040204020203" pitchFamily="34" charset="0"/>
+                <a:cs typeface="Segoe UI Semilight" panose="020B0402040204020203" pitchFamily="34" charset="0"/>
+              </a:rPr>
+              <a:t>30 minutes (15 minutes for each team to present and receive feedback) </a:t>
+            </a:r>
+          </a:p>
+          <a:p>
+            <a:pPr>
+              <a:lnSpc>
+                <a:spcPct val="90000"/>
+              </a:lnSpc>
+              <a:spcAft>
+                <a:spcPts val="600"/>
+              </a:spcAft>
+            </a:pPr>
+            <a:endParaRPr lang="en-US" sz="2400" dirty="0">
+              <a:latin typeface="+mj-lt"/>
+            </a:endParaRPr>
+          </a:p>
+          <a:p>
+            <a:pPr>
+              <a:lnSpc>
+                <a:spcPct val="90000"/>
+              </a:lnSpc>
+              <a:spcAft>
+                <a:spcPts val="600"/>
+              </a:spcAft>
+            </a:pPr>
+            <a:r>
+              <a:rPr lang="en-US" sz="3600" dirty="0">
+                <a:latin typeface="+mj-lt"/>
+              </a:rPr>
+              <a:t>Directions</a:t>
+            </a:r>
+          </a:p>
+          <a:p>
+            <a:pPr marL="342900" lvl="0" indent="-342900">
+              <a:buFont typeface="Arial" panose="020B0604020202020204" pitchFamily="34" charset="0"/>
+              <a:buChar char="•"/>
+            </a:pPr>
+            <a:r>
+              <a:rPr lang="en-US" sz="2000" dirty="0">
+                <a:latin typeface="Segoe UI Semilight" panose="020B0402040204020203" pitchFamily="34" charset="0"/>
+                <a:cs typeface="Segoe UI Semilight" panose="020B0402040204020203" pitchFamily="34" charset="0"/>
+              </a:rPr>
+              <a:t>Pair with another table</a:t>
+            </a:r>
+          </a:p>
+          <a:p>
+            <a:pPr marL="342900" lvl="0" indent="-342900">
+              <a:buFont typeface="Arial" panose="020B0604020202020204" pitchFamily="34" charset="0"/>
+              <a:buChar char="•"/>
+            </a:pPr>
+            <a:r>
+              <a:rPr lang="en-US" sz="2000" dirty="0">
+                <a:latin typeface="Segoe UI Semilight" panose="020B0402040204020203" pitchFamily="34" charset="0"/>
+                <a:cs typeface="Segoe UI Semilight" panose="020B0402040204020203" pitchFamily="34" charset="0"/>
+              </a:rPr>
+              <a:t>One table is the Microsoft team and the other table is the customer</a:t>
+            </a:r>
+          </a:p>
+          <a:p>
+            <a:pPr marL="342900" lvl="0" indent="-342900">
+              <a:buFont typeface="Arial" panose="020B0604020202020204" pitchFamily="34" charset="0"/>
+              <a:buChar char="•"/>
+            </a:pPr>
+            <a:r>
+              <a:rPr lang="en-US" sz="2000" dirty="0">
+                <a:latin typeface="Segoe UI Semilight" panose="020B0402040204020203" pitchFamily="34" charset="0"/>
+                <a:cs typeface="Segoe UI Semilight" panose="020B0402040204020203" pitchFamily="34" charset="0"/>
+              </a:rPr>
+              <a:t>The Microsoft team presents their proposed solution to the customer</a:t>
+            </a:r>
+          </a:p>
+          <a:p>
+            <a:pPr marL="342900" lvl="0" indent="-342900">
+              <a:buFont typeface="Arial" panose="020B0604020202020204" pitchFamily="34" charset="0"/>
+              <a:buChar char="•"/>
+            </a:pPr>
+            <a:r>
+              <a:rPr lang="en-US" sz="2000" dirty="0">
+                <a:latin typeface="Segoe UI Semilight" panose="020B0402040204020203" pitchFamily="34" charset="0"/>
+                <a:cs typeface="Segoe UI Semilight" panose="020B0402040204020203" pitchFamily="34" charset="0"/>
+              </a:rPr>
+              <a:t>The customer asks one of the objections from the list of objections in the case study</a:t>
+            </a:r>
+          </a:p>
+          <a:p>
+            <a:pPr marL="342900" lvl="0" indent="-342900">
+              <a:buFont typeface="Arial" panose="020B0604020202020204" pitchFamily="34" charset="0"/>
+              <a:buChar char="•"/>
+            </a:pPr>
+            <a:r>
+              <a:rPr lang="en-US" sz="2000" dirty="0">
+                <a:latin typeface="Segoe UI Semilight" panose="020B0402040204020203" pitchFamily="34" charset="0"/>
+                <a:cs typeface="Segoe UI Semilight" panose="020B0402040204020203" pitchFamily="34" charset="0"/>
+              </a:rPr>
+              <a:t>The Microsoft team responds to the objection</a:t>
+            </a:r>
+          </a:p>
+          <a:p>
+            <a:pPr marL="342900" lvl="0" indent="-342900">
+              <a:buFont typeface="Arial" panose="020B0604020202020204" pitchFamily="34" charset="0"/>
+              <a:buChar char="•"/>
+            </a:pPr>
+            <a:r>
+              <a:rPr lang="en-US" sz="2000" dirty="0">
+                <a:latin typeface="Segoe UI Semilight" panose="020B0402040204020203" pitchFamily="34" charset="0"/>
+                <a:cs typeface="Segoe UI Semilight" panose="020B0402040204020203" pitchFamily="34" charset="0"/>
+              </a:rPr>
+              <a:t>The customer team gives feedback to the Microsoft team</a:t>
+            </a:r>
+            <a:endParaRPr lang="en-US" sz="2000" strike="sngStrike" dirty="0">
+              <a:latin typeface="Segoe UI Semilight" panose="020B0402040204020203" pitchFamily="34" charset="0"/>
+              <a:cs typeface="Segoe UI Semilight" panose="020B0402040204020203" pitchFamily="34" charset="0"/>
+            </a:endParaRPr>
+          </a:p>
+          <a:p>
+            <a:pPr>
+              <a:lnSpc>
+                <a:spcPct val="90000"/>
+              </a:lnSpc>
+              <a:spcAft>
+                <a:spcPts val="600"/>
+              </a:spcAft>
+            </a:pPr>
+            <a:endParaRPr lang="en-US" sz="2400" dirty="0">
+              <a:latin typeface="Segoe UI Semilight" panose="020B0402040204020203" pitchFamily="34" charset="0"/>
+              <a:cs typeface="Segoe UI Semilight" panose="020B0402040204020203" pitchFamily="34" charset="0"/>
+            </a:endParaRPr>
+          </a:p>
+        </p:txBody>
+      </p:sp>
+    </p:spTree>
+    <p:extLst>
+      <p:ext uri="{BB962C8B-B14F-4D97-AF65-F5344CB8AC3E}">
+        <p14:creationId xmlns:p14="http://schemas.microsoft.com/office/powerpoint/2010/main" val="3717261927"/>
+      </p:ext>
+    </p:extLst>
+  </p:cSld>
+  <p:clrMapOvr>
+    <a:masterClrMapping/>
+  </p:clrMapOvr>
+  <mc:AlternateContent xmlns:mc="http://schemas.openxmlformats.org/markup-compatibility/2006" xmlns:p14="http://schemas.microsoft.com/office/powerpoint/2010/main">
+    <mc:Choice Requires="p14">
+      <p:transition p14:dur="0"/>
+    </mc:Choice>
+    <mc:Fallback xmlns="">
+      <p:transition/>
+    </mc:Fallback>
+  </mc:AlternateContent>
+</p:sld>
+</file>
+
+<file path=ppt/slides/slide14.xml><?xml version="1.0" encoding="utf-8"?>
+<p:sld xmlns:a="http://schemas.openxmlformats.org/drawingml/2006/main" xmlns:r="http://schemas.openxmlformats.org/officeDocument/2006/relationships" xmlns:p="http://schemas.openxmlformats.org/presentationml/2006/main">
+  <p:cSld>
+    <p:spTree>
+      <p:nvGrpSpPr>
+        <p:cNvPr id="1" name=""/>
+        <p:cNvGrpSpPr/>
+        <p:nvPr/>
+      </p:nvGrpSpPr>
+      <p:grpSpPr>
+        <a:xfrm>
+          <a:off x="0" y="0"/>
+          <a:ext cx="0" cy="0"/>
+          <a:chOff x="0" y="0"/>
+          <a:chExt cx="0" cy="0"/>
+        </a:xfrm>
+      </p:grpSpPr>
+      <p:sp>
+        <p:nvSpPr>
           <p:cNvPr id="2" name="Title 1"/>
           <p:cNvSpPr>
             <a:spLocks noGrp="1"/>
@@ -16737,7 +18323,7 @@
 </p:sld>
 </file>
 
-<file path=ppt/slides/slide12.xml><?xml version="1.0" encoding="utf-8"?>
+<file path=ppt/slides/slide15.xml><?xml version="1.0" encoding="utf-8"?>
 <p:sld xmlns:a="http://schemas.openxmlformats.org/drawingml/2006/main" xmlns:r="http://schemas.openxmlformats.org/officeDocument/2006/relationships" xmlns:p="http://schemas.openxmlformats.org/presentationml/2006/main">
   <p:cSld>
     <p:bg>
@@ -16930,7 +18516,7 @@
 </p:sld>
 </file>
 
-<file path=ppt/slides/slide13.xml><?xml version="1.0" encoding="utf-8"?>
+<file path=ppt/slides/slide16.xml><?xml version="1.0" encoding="utf-8"?>
 <p:sld xmlns:a="http://schemas.openxmlformats.org/drawingml/2006/main" xmlns:r="http://schemas.openxmlformats.org/officeDocument/2006/relationships" xmlns:p="http://schemas.openxmlformats.org/presentationml/2006/main">
   <p:cSld>
     <p:spTree>
@@ -17115,7 +18701,7 @@
 </p:sld>
 </file>
 
-<file path=ppt/slides/slide14.xml><?xml version="1.0" encoding="utf-8"?>
+<file path=ppt/slides/slide17.xml><?xml version="1.0" encoding="utf-8"?>
 <p:sld xmlns:a="http://schemas.openxmlformats.org/drawingml/2006/main" xmlns:r="http://schemas.openxmlformats.org/officeDocument/2006/relationships" xmlns:p="http://schemas.openxmlformats.org/presentationml/2006/main">
   <p:cSld>
     <p:spTree>
@@ -17300,7 +18886,7 @@
 </p:sld>
 </file>
 
-<file path=ppt/slides/slide15.xml><?xml version="1.0" encoding="utf-8"?>
+<file path=ppt/slides/slide18.xml><?xml version="1.0" encoding="utf-8"?>
 <p:sld xmlns:a="http://schemas.openxmlformats.org/drawingml/2006/main" xmlns:r="http://schemas.openxmlformats.org/officeDocument/2006/relationships" xmlns:p="http://schemas.openxmlformats.org/presentationml/2006/main">
   <p:cSld>
     <p:spTree>
@@ -17485,7 +19071,7 @@
 </p:sld>
 </file>
 
-<file path=ppt/slides/slide16.xml><?xml version="1.0" encoding="utf-8"?>
+<file path=ppt/slides/slide19.xml><?xml version="1.0" encoding="utf-8"?>
 <p:sld xmlns:a="http://schemas.openxmlformats.org/drawingml/2006/main" xmlns:r="http://schemas.openxmlformats.org/officeDocument/2006/relationships" xmlns:p="http://schemas.openxmlformats.org/presentationml/2006/main">
   <p:cSld>
     <p:bg>
@@ -17514,742 +19100,6 @@
     <p:extLst>
       <p:ext uri="{BB962C8B-B14F-4D97-AF65-F5344CB8AC3E}">
         <p14:creationId xmlns:p14="http://schemas.microsoft.com/office/powerpoint/2010/main" val="1897784522"/>
-      </p:ext>
-    </p:extLst>
-  </p:cSld>
-  <p:clrMapOvr>
-    <a:masterClrMapping/>
-  </p:clrMapOvr>
-  <mc:AlternateContent xmlns:mc="http://schemas.openxmlformats.org/markup-compatibility/2006" xmlns:p14="http://schemas.microsoft.com/office/powerpoint/2010/main">
-    <mc:Choice Requires="p14">
-      <p:transition spd="med" p14:dur="700">
-        <p:fade/>
-      </p:transition>
-    </mc:Choice>
-    <mc:Fallback xmlns="">
-      <p:transition spd="med">
-        <p:fade/>
-      </p:transition>
-    </mc:Fallback>
-  </mc:AlternateContent>
-</p:sld>
-</file>
-
-<file path=ppt/slides/slide17.xml><?xml version="1.0" encoding="utf-8"?>
-<p:sld xmlns:a="http://schemas.openxmlformats.org/drawingml/2006/main" xmlns:r="http://schemas.openxmlformats.org/officeDocument/2006/relationships" xmlns:p="http://schemas.openxmlformats.org/presentationml/2006/main">
-  <p:cSld>
-    <p:spTree>
-      <p:nvGrpSpPr>
-        <p:cNvPr id="1" name=""/>
-        <p:cNvGrpSpPr/>
-        <p:nvPr/>
-      </p:nvGrpSpPr>
-      <p:grpSpPr>
-        <a:xfrm>
-          <a:off x="0" y="0"/>
-          <a:ext cx="0" cy="0"/>
-          <a:chOff x="0" y="0"/>
-          <a:chExt cx="0" cy="0"/>
-        </a:xfrm>
-      </p:grpSpPr>
-      <p:sp>
-        <p:nvSpPr>
-          <p:cNvPr id="6" name="Text Placeholder 5"/>
-          <p:cNvSpPr>
-            <a:spLocks noGrp="1"/>
-          </p:cNvSpPr>
-          <p:nvPr>
-            <p:ph type="body" sz="quarter" idx="10"/>
-          </p:nvPr>
-        </p:nvSpPr>
-        <p:spPr>
-          <a:xfrm>
-            <a:off x="269239" y="1189177"/>
-            <a:ext cx="11653523" cy="2387192"/>
-          </a:xfrm>
-        </p:spPr>
-        <p:txBody>
-          <a:bodyPr/>
-          <a:lstStyle/>
-          <a:p>
-            <a:r>
-              <a:rPr lang="en-US" dirty="0">
-                <a:solidFill>
-                  <a:schemeClr val="tx1"/>
-                </a:solidFill>
-              </a:rPr>
-              <a:t>Main topic 1: size 36pt</a:t>
-            </a:r>
-          </a:p>
-          <a:p>
-            <a:pPr lvl="1"/>
-            <a:r>
-              <a:rPr lang="en-US" dirty="0">
-                <a:solidFill>
-                  <a:schemeClr val="tx1"/>
-                </a:solidFill>
-              </a:rPr>
-              <a:t>Size 28pt for second level</a:t>
-            </a:r>
-          </a:p>
-          <a:p>
-            <a:pPr lvl="2"/>
-            <a:r>
-              <a:rPr lang="en-US" dirty="0">
-                <a:solidFill>
-                  <a:schemeClr val="tx1"/>
-                </a:solidFill>
-              </a:rPr>
-              <a:t>Size 24pt for third level</a:t>
-            </a:r>
-          </a:p>
-          <a:p>
-            <a:pPr lvl="3"/>
-            <a:r>
-              <a:rPr lang="en-US" dirty="0">
-                <a:solidFill>
-                  <a:schemeClr val="tx1"/>
-                </a:solidFill>
-              </a:rPr>
-              <a:t>Size 22pt for fourth level</a:t>
-            </a:r>
-          </a:p>
-          <a:p>
-            <a:pPr lvl="4"/>
-            <a:r>
-              <a:rPr lang="en-US" dirty="0">
-                <a:solidFill>
-                  <a:schemeClr val="tx1"/>
-                </a:solidFill>
-              </a:rPr>
-              <a:t>Size 22 for fifth level</a:t>
-            </a:r>
-          </a:p>
-          <a:p>
-            <a:pPr lvl="2"/>
-            <a:endParaRPr lang="en-US" dirty="0">
-              <a:solidFill>
-                <a:schemeClr val="tx1"/>
-              </a:solidFill>
-            </a:endParaRPr>
-          </a:p>
-        </p:txBody>
-      </p:sp>
-      <p:sp>
-        <p:nvSpPr>
-          <p:cNvPr id="17" name="Title 16"/>
-          <p:cNvSpPr>
-            <a:spLocks noGrp="1"/>
-          </p:cNvSpPr>
-          <p:nvPr>
-            <p:ph type="title"/>
-          </p:nvPr>
-        </p:nvSpPr>
-        <p:spPr/>
-        <p:txBody>
-          <a:bodyPr/>
-          <a:lstStyle/>
-          <a:p>
-            <a:r>
-              <a:rPr lang="en-US" dirty="0">
-                <a:solidFill>
-                  <a:schemeClr val="tx1"/>
-                </a:solidFill>
-              </a:rPr>
-              <a:t>Text layout (without bullet points)</a:t>
-            </a:r>
-          </a:p>
-        </p:txBody>
-      </p:sp>
-    </p:spTree>
-    <p:extLst>
-      <p:ext uri="{BB962C8B-B14F-4D97-AF65-F5344CB8AC3E}">
-        <p14:creationId xmlns:p14="http://schemas.microsoft.com/office/powerpoint/2010/main" val="4234473174"/>
-      </p:ext>
-    </p:extLst>
-  </p:cSld>
-  <p:clrMapOvr>
-    <a:masterClrMapping/>
-  </p:clrMapOvr>
-  <mc:AlternateContent xmlns:mc="http://schemas.openxmlformats.org/markup-compatibility/2006" xmlns:p14="http://schemas.microsoft.com/office/powerpoint/2010/main">
-    <mc:Choice Requires="p14">
-      <p:transition spd="med" p14:dur="700">
-        <p:fade/>
-      </p:transition>
-    </mc:Choice>
-    <mc:Fallback xmlns="">
-      <p:transition spd="med">
-        <p:fade/>
-      </p:transition>
-    </mc:Fallback>
-  </mc:AlternateContent>
-</p:sld>
-</file>
-
-<file path=ppt/slides/slide18.xml><?xml version="1.0" encoding="utf-8"?>
-<p:sld xmlns:a="http://schemas.openxmlformats.org/drawingml/2006/main" xmlns:r="http://schemas.openxmlformats.org/officeDocument/2006/relationships" xmlns:p="http://schemas.openxmlformats.org/presentationml/2006/main">
-  <p:cSld>
-    <p:spTree>
-      <p:nvGrpSpPr>
-        <p:cNvPr id="1" name=""/>
-        <p:cNvGrpSpPr/>
-        <p:nvPr/>
-      </p:nvGrpSpPr>
-      <p:grpSpPr>
-        <a:xfrm>
-          <a:off x="0" y="0"/>
-          <a:ext cx="0" cy="0"/>
-          <a:chOff x="0" y="0"/>
-          <a:chExt cx="0" cy="0"/>
-        </a:xfrm>
-      </p:grpSpPr>
-      <p:sp>
-        <p:nvSpPr>
-          <p:cNvPr id="6" name="Text Placeholder 5"/>
-          <p:cNvSpPr>
-            <a:spLocks noGrp="1"/>
-          </p:cNvSpPr>
-          <p:nvPr>
-            <p:ph type="body" sz="quarter" idx="10"/>
-          </p:nvPr>
-        </p:nvSpPr>
-        <p:spPr/>
-        <p:txBody>
-          <a:bodyPr/>
-          <a:lstStyle/>
-          <a:p>
-            <a:r>
-              <a:rPr lang="en-US" dirty="0">
-                <a:solidFill>
-                  <a:schemeClr val="tx1"/>
-                </a:solidFill>
-              </a:rPr>
-              <a:t>Main topic 1: size 36pt</a:t>
-            </a:r>
-          </a:p>
-          <a:p>
-            <a:pPr lvl="1"/>
-            <a:r>
-              <a:rPr lang="en-US" dirty="0">
-                <a:solidFill>
-                  <a:schemeClr val="tx1"/>
-                </a:solidFill>
-              </a:rPr>
-              <a:t>Size 28pt for second level</a:t>
-            </a:r>
-          </a:p>
-          <a:p>
-            <a:pPr lvl="2"/>
-            <a:r>
-              <a:rPr lang="en-US" dirty="0">
-                <a:solidFill>
-                  <a:schemeClr val="tx1"/>
-                </a:solidFill>
-              </a:rPr>
-              <a:t>Size 24pt for third level</a:t>
-            </a:r>
-          </a:p>
-          <a:p>
-            <a:pPr lvl="3"/>
-            <a:r>
-              <a:rPr lang="en-US" dirty="0">
-                <a:solidFill>
-                  <a:schemeClr val="tx1"/>
-                </a:solidFill>
-              </a:rPr>
-              <a:t>Size 22pt for fourth level</a:t>
-            </a:r>
-          </a:p>
-          <a:p>
-            <a:pPr lvl="4"/>
-            <a:r>
-              <a:rPr lang="en-US" dirty="0">
-                <a:solidFill>
-                  <a:schemeClr val="tx1"/>
-                </a:solidFill>
-              </a:rPr>
-              <a:t>Size 22 for fifth level</a:t>
-            </a:r>
-          </a:p>
-        </p:txBody>
-      </p:sp>
-      <p:sp>
-        <p:nvSpPr>
-          <p:cNvPr id="17" name="Title 16"/>
-          <p:cNvSpPr>
-            <a:spLocks noGrp="1"/>
-          </p:cNvSpPr>
-          <p:nvPr>
-            <p:ph type="title"/>
-          </p:nvPr>
-        </p:nvSpPr>
-        <p:spPr/>
-        <p:txBody>
-          <a:bodyPr/>
-          <a:lstStyle/>
-          <a:p>
-            <a:r>
-              <a:rPr lang="en-US" dirty="0">
-                <a:solidFill>
-                  <a:schemeClr val="tx1"/>
-                </a:solidFill>
-              </a:rPr>
-              <a:t>Text with bullet points - adjusting list levels</a:t>
-            </a:r>
-          </a:p>
-        </p:txBody>
-      </p:sp>
-      <p:sp>
-        <p:nvSpPr>
-          <p:cNvPr id="7" name="Rectangle 6"/>
-          <p:cNvSpPr/>
-          <p:nvPr/>
-        </p:nvSpPr>
-        <p:spPr bwMode="auto">
-          <a:xfrm>
-            <a:off x="8333951" y="2711868"/>
-            <a:ext cx="3591130" cy="3863110"/>
-          </a:xfrm>
-          <a:prstGeom prst="rect">
-            <a:avLst/>
-          </a:prstGeom>
-          <a:solidFill>
-            <a:schemeClr val="accent1"/>
-          </a:solidFill>
-          <a:ln>
-            <a:noFill/>
-            <a:headEnd type="none" w="med" len="med"/>
-            <a:tailEnd type="none" w="med" len="med"/>
-          </a:ln>
-          <a:effectLst/>
-        </p:spPr>
-        <p:style>
-          <a:lnRef idx="1">
-            <a:schemeClr val="accent2"/>
-          </a:lnRef>
-          <a:fillRef idx="3">
-            <a:schemeClr val="accent2"/>
-          </a:fillRef>
-          <a:effectRef idx="2">
-            <a:schemeClr val="accent2"/>
-          </a:effectRef>
-          <a:fontRef idx="minor">
-            <a:schemeClr val="lt1"/>
-          </a:fontRef>
-        </p:style>
-        <p:txBody>
-          <a:bodyPr rot="0" spcFirstLastPara="0" vertOverflow="overflow" horzOverflow="overflow" vert="horz" wrap="square" lIns="179285" tIns="143428" rIns="179285" bIns="143428" numCol="1" spcCol="0" rtlCol="0" fromWordArt="0" anchor="t" anchorCtr="0" forceAA="0" compatLnSpc="1">
-            <a:prstTxWarp prst="textNoShape">
-              <a:avLst/>
-            </a:prstTxWarp>
-            <a:noAutofit/>
-          </a:bodyPr>
-          <a:lstStyle/>
-          <a:p>
-            <a:pPr defTabSz="914102" fontAlgn="base">
-              <a:spcBef>
-                <a:spcPct val="0"/>
-              </a:spcBef>
-              <a:spcAft>
-                <a:spcPct val="0"/>
-              </a:spcAft>
-            </a:pPr>
-            <a:r>
-              <a:rPr lang="en-US" sz="1372" dirty="0">
-                <a:solidFill>
-                  <a:schemeClr val="tx1"/>
-                </a:solidFill>
-                <a:ea typeface="Segoe UI" pitchFamily="34" charset="0"/>
-                <a:cs typeface="Segoe UI" pitchFamily="34" charset="0"/>
-              </a:rPr>
-              <a:t>Use the “Decrease List Level” and “Increase List Level” tools on the Home Menu to change text levels.</a:t>
-            </a:r>
-          </a:p>
-          <a:p>
-            <a:pPr defTabSz="914102" fontAlgn="base">
-              <a:spcBef>
-                <a:spcPts val="600"/>
-              </a:spcBef>
-              <a:spcAft>
-                <a:spcPct val="0"/>
-              </a:spcAft>
-            </a:pPr>
-            <a:r>
-              <a:rPr lang="en-US" sz="1372" dirty="0">
-                <a:solidFill>
-                  <a:schemeClr val="tx1"/>
-                </a:solidFill>
-                <a:ea typeface="Segoe UI" pitchFamily="34" charset="0"/>
-                <a:cs typeface="Segoe UI" pitchFamily="34" charset="0"/>
-              </a:rPr>
-              <a:t>Try this:  </a:t>
-            </a:r>
-          </a:p>
-          <a:p>
-            <a:pPr marL="288926" indent="-234950" defTabSz="914102" fontAlgn="base">
-              <a:spcBef>
-                <a:spcPct val="0"/>
-              </a:spcBef>
-              <a:spcAft>
-                <a:spcPct val="0"/>
-              </a:spcAft>
-              <a:buFont typeface="+mj-lt"/>
-              <a:buAutoNum type="arabicPeriod"/>
-            </a:pPr>
-            <a:r>
-              <a:rPr lang="en-US" sz="1372" dirty="0">
-                <a:solidFill>
-                  <a:schemeClr val="tx1"/>
-                </a:solidFill>
-                <a:ea typeface="Segoe UI" pitchFamily="34" charset="0"/>
-                <a:cs typeface="Segoe UI" pitchFamily="34" charset="0"/>
-              </a:rPr>
-              <a:t>Place your cursor in any row of text to the left that says “Size 20pt for subtopics”</a:t>
-            </a:r>
-          </a:p>
-          <a:p>
-            <a:pPr marL="288926" indent="-234950" defTabSz="914102" fontAlgn="base">
-              <a:spcBef>
-                <a:spcPct val="0"/>
-              </a:spcBef>
-              <a:spcAft>
-                <a:spcPct val="0"/>
-              </a:spcAft>
-              <a:buFont typeface="+mj-lt"/>
-              <a:buAutoNum type="arabicPeriod"/>
-            </a:pPr>
-            <a:r>
-              <a:rPr lang="en-US" sz="1372" dirty="0">
-                <a:solidFill>
-                  <a:schemeClr val="tx1"/>
-                </a:solidFill>
-                <a:ea typeface="Segoe UI" pitchFamily="34" charset="0"/>
-                <a:cs typeface="Segoe UI" pitchFamily="34" charset="0"/>
-              </a:rPr>
-              <a:t>Next click the Home tab, and then on the “</a:t>
-            </a:r>
-            <a:r>
-              <a:rPr lang="en-US" sz="1372" u="sng" dirty="0">
-                <a:solidFill>
-                  <a:schemeClr val="tx1"/>
-                </a:solidFill>
-                <a:ea typeface="Segoe UI" pitchFamily="34" charset="0"/>
-                <a:cs typeface="Segoe UI" pitchFamily="34" charset="0"/>
-              </a:rPr>
-              <a:t>Decrease List level</a:t>
-            </a:r>
-            <a:r>
-              <a:rPr lang="en-US" sz="1372" dirty="0">
-                <a:solidFill>
-                  <a:schemeClr val="tx1"/>
-                </a:solidFill>
-                <a:ea typeface="Segoe UI" pitchFamily="34" charset="0"/>
-                <a:cs typeface="Segoe UI" pitchFamily="34" charset="0"/>
-              </a:rPr>
-              <a:t>” tool. Notice how the line moves up one level.</a:t>
-            </a:r>
-          </a:p>
-          <a:p>
-            <a:pPr marL="288926" indent="-234950" defTabSz="914102" fontAlgn="base">
-              <a:spcBef>
-                <a:spcPct val="0"/>
-              </a:spcBef>
-              <a:spcAft>
-                <a:spcPct val="0"/>
-              </a:spcAft>
-              <a:buFont typeface="+mj-lt"/>
-              <a:buAutoNum type="arabicPeriod"/>
-            </a:pPr>
-            <a:r>
-              <a:rPr lang="en-US" sz="1372" dirty="0">
-                <a:solidFill>
-                  <a:schemeClr val="tx1"/>
-                </a:solidFill>
-                <a:ea typeface="Segoe UI" pitchFamily="34" charset="0"/>
-                <a:cs typeface="Segoe UI" pitchFamily="34" charset="0"/>
-              </a:rPr>
-              <a:t>Now try placing your cursor in one of the  “Main topic…” lines of text. Click the “</a:t>
-            </a:r>
-            <a:r>
-              <a:rPr lang="en-US" sz="1372" u="sng" dirty="0">
-                <a:solidFill>
-                  <a:schemeClr val="tx1"/>
-                </a:solidFill>
-                <a:ea typeface="Segoe UI" pitchFamily="34" charset="0"/>
-                <a:cs typeface="Segoe UI" pitchFamily="34" charset="0"/>
-              </a:rPr>
-              <a:t>Increase List Level</a:t>
-            </a:r>
-            <a:r>
-              <a:rPr lang="en-US" sz="1372" dirty="0">
-                <a:solidFill>
-                  <a:schemeClr val="tx1"/>
-                </a:solidFill>
-                <a:ea typeface="Segoe UI" pitchFamily="34" charset="0"/>
-                <a:cs typeface="Segoe UI" pitchFamily="34" charset="0"/>
-              </a:rPr>
-              <a:t>” tool and see how the text is pushed in one level</a:t>
-            </a:r>
-          </a:p>
-          <a:p>
-            <a:pPr defTabSz="914102" fontAlgn="base">
-              <a:spcBef>
-                <a:spcPts val="600"/>
-              </a:spcBef>
-              <a:spcAft>
-                <a:spcPct val="0"/>
-              </a:spcAft>
-            </a:pPr>
-            <a:r>
-              <a:rPr lang="en-US" sz="1372" dirty="0">
-                <a:solidFill>
-                  <a:schemeClr val="tx1"/>
-                </a:solidFill>
-                <a:ea typeface="Segoe UI" pitchFamily="34" charset="0"/>
-                <a:cs typeface="Segoe UI" pitchFamily="34" charset="0"/>
-              </a:rPr>
-              <a:t>Use these 2 tools to adjust your text levels as you work</a:t>
-            </a:r>
-          </a:p>
-        </p:txBody>
-      </p:sp>
-      <p:pic>
-        <p:nvPicPr>
-          <p:cNvPr id="8" name="Picture 3"/>
-          <p:cNvPicPr>
-            <a:picLocks noChangeArrowheads="1"/>
-          </p:cNvPicPr>
-          <p:nvPr/>
-        </p:nvPicPr>
-        <p:blipFill>
-          <a:blip r:embed="rId3">
-            <a:extLst>
-              <a:ext uri="{28A0092B-C50C-407E-A947-70E740481C1C}">
-                <a14:useLocalDpi xmlns:a14="http://schemas.microsoft.com/office/drawing/2010/main"/>
-              </a:ext>
-            </a:extLst>
-          </a:blip>
-          <a:stretch>
-            <a:fillRect/>
-          </a:stretch>
-        </p:blipFill>
-        <p:spPr bwMode="auto">
-          <a:xfrm>
-            <a:off x="1972491" y="5206132"/>
-            <a:ext cx="6140977" cy="1368846"/>
-          </a:xfrm>
-          <a:prstGeom prst="rect">
-            <a:avLst/>
-          </a:prstGeom>
-          <a:noFill/>
-          <a:ln w="19050">
-            <a:noFill/>
-            <a:miter lim="800000"/>
-            <a:headEnd/>
-            <a:tailEnd/>
-          </a:ln>
-          <a:effectLst/>
-          <a:extLst>
-            <a:ext uri="{909E8E84-426E-40DD-AFC4-6F175D3DCCD1}">
-              <a14:hiddenFill xmlns:a14="http://schemas.microsoft.com/office/drawing/2010/main">
-                <a:solidFill>
-                  <a:schemeClr val="accent1"/>
-                </a:solidFill>
-              </a14:hiddenFill>
-            </a:ext>
-            <a:ext uri="{AF507438-7753-43E0-B8FC-AC1667EBCBE1}">
-              <a14:hiddenEffects xmlns:a14="http://schemas.microsoft.com/office/drawing/2010/main">
-                <a:effectLst>
-                  <a:outerShdw dist="35921" dir="2700000" algn="ctr" rotWithShape="0">
-                    <a:schemeClr val="bg2"/>
-                  </a:outerShdw>
-                </a:effectLst>
-              </a14:hiddenEffects>
-            </a:ext>
-          </a:extLst>
-        </p:spPr>
-      </p:pic>
-    </p:spTree>
-    <p:extLst>
-      <p:ext uri="{BB962C8B-B14F-4D97-AF65-F5344CB8AC3E}">
-        <p14:creationId xmlns:p14="http://schemas.microsoft.com/office/powerpoint/2010/main" val="1332049140"/>
-      </p:ext>
-    </p:extLst>
-  </p:cSld>
-  <p:clrMapOvr>
-    <a:masterClrMapping/>
-  </p:clrMapOvr>
-  <mc:AlternateContent xmlns:mc="http://schemas.openxmlformats.org/markup-compatibility/2006" xmlns:p14="http://schemas.microsoft.com/office/powerpoint/2010/main">
-    <mc:Choice Requires="p14">
-      <p:transition spd="med" p14:dur="700">
-        <p:fade/>
-      </p:transition>
-    </mc:Choice>
-    <mc:Fallback xmlns="">
-      <p:transition spd="med">
-        <p:fade/>
-      </p:transition>
-    </mc:Fallback>
-  </mc:AlternateContent>
-</p:sld>
-</file>
-
-<file path=ppt/slides/slide19.xml><?xml version="1.0" encoding="utf-8"?>
-<p:sld xmlns:a="http://schemas.openxmlformats.org/drawingml/2006/main" xmlns:r="http://schemas.openxmlformats.org/officeDocument/2006/relationships" xmlns:p="http://schemas.openxmlformats.org/presentationml/2006/main">
-  <p:cSld>
-    <p:spTree>
-      <p:nvGrpSpPr>
-        <p:cNvPr id="1" name=""/>
-        <p:cNvGrpSpPr/>
-        <p:nvPr/>
-      </p:nvGrpSpPr>
-      <p:grpSpPr>
-        <a:xfrm>
-          <a:off x="0" y="0"/>
-          <a:ext cx="0" cy="0"/>
-          <a:chOff x="0" y="0"/>
-          <a:chExt cx="0" cy="0"/>
-        </a:xfrm>
-      </p:grpSpPr>
-      <p:sp>
-        <p:nvSpPr>
-          <p:cNvPr id="3" name="Text Placeholder 2"/>
-          <p:cNvSpPr>
-            <a:spLocks noGrp="1"/>
-          </p:cNvSpPr>
-          <p:nvPr>
-            <p:ph type="body" sz="quarter" idx="4294967295"/>
-          </p:nvPr>
-        </p:nvSpPr>
-        <p:spPr>
-          <a:xfrm>
-            <a:off x="0" y="1793875"/>
-            <a:ext cx="11652250" cy="2586157"/>
-          </a:xfrm>
-        </p:spPr>
-        <p:txBody>
-          <a:bodyPr/>
-          <a:lstStyle/>
-          <a:p>
-            <a:r>
-              <a:rPr lang="en-US" dirty="0">
-                <a:solidFill>
-                  <a:schemeClr val="tx1"/>
-                </a:solidFill>
-              </a:rPr>
-              <a:t>Example of a bulleted slide with a subhead</a:t>
-            </a:r>
-          </a:p>
-          <a:p>
-            <a:pPr lvl="1"/>
-            <a:r>
-              <a:rPr lang="en-US" dirty="0">
-                <a:solidFill>
-                  <a:schemeClr val="tx1"/>
-                </a:solidFill>
-              </a:rPr>
-              <a:t>Set the slide title to “Sentence case”</a:t>
-            </a:r>
-          </a:p>
-          <a:p>
-            <a:pPr lvl="1"/>
-            <a:r>
-              <a:rPr lang="en-US" dirty="0">
-                <a:solidFill>
-                  <a:schemeClr val="tx1"/>
-                </a:solidFill>
-              </a:rPr>
-              <a:t>Set subheads to “Sentence case”</a:t>
-            </a:r>
-          </a:p>
-          <a:p>
-            <a:pPr lvl="0"/>
-            <a:r>
-              <a:rPr lang="en-US" dirty="0">
-                <a:solidFill>
-                  <a:schemeClr val="tx1"/>
-                </a:solidFill>
-              </a:rPr>
-              <a:t>Hyperlink style</a:t>
-            </a:r>
-          </a:p>
-          <a:p>
-            <a:pPr lvl="1"/>
-            <a:r>
-              <a:rPr lang="en-US" dirty="0">
-                <a:solidFill>
-                  <a:schemeClr val="tx1"/>
-                </a:solidFill>
-                <a:hlinkClick r:id="rId3"/>
-              </a:rPr>
-              <a:t>www.microsoft.com</a:t>
-            </a:r>
-            <a:r>
-              <a:rPr lang="en-US" dirty="0">
-                <a:solidFill>
-                  <a:schemeClr val="tx1"/>
-                </a:solidFill>
-              </a:rPr>
-              <a:t> </a:t>
-            </a:r>
-          </a:p>
-        </p:txBody>
-      </p:sp>
-      <p:sp>
-        <p:nvSpPr>
-          <p:cNvPr id="2" name="Title 1"/>
-          <p:cNvSpPr>
-            <a:spLocks noGrp="1"/>
-          </p:cNvSpPr>
-          <p:nvPr>
-            <p:ph type="title" idx="4294967295"/>
-          </p:nvPr>
-        </p:nvSpPr>
-        <p:spPr>
-          <a:xfrm>
-            <a:off x="534988" y="290513"/>
-            <a:ext cx="11657012" cy="900112"/>
-          </a:xfrm>
-        </p:spPr>
-        <p:txBody>
-          <a:bodyPr/>
-          <a:lstStyle/>
-          <a:p>
-            <a:r>
-              <a:rPr lang="en-US" dirty="0">
-                <a:solidFill>
-                  <a:schemeClr val="tx1"/>
-                </a:solidFill>
-              </a:rPr>
-              <a:t>Bullet points layout with subtitle</a:t>
-            </a:r>
-            <a:br>
-              <a:rPr lang="en-US" dirty="0">
-                <a:solidFill>
-                  <a:schemeClr val="tx1"/>
-                </a:solidFill>
-              </a:rPr>
-            </a:br>
-            <a:r>
-              <a:rPr lang="en-US" sz="3529" dirty="0">
-                <a:solidFill>
-                  <a:schemeClr val="tx1"/>
-                </a:solidFill>
-              </a:rPr>
-              <a:t>Subtitle is smaller in the same text block</a:t>
-            </a:r>
-            <a:endParaRPr lang="en-US" sz="3921" dirty="0">
-              <a:solidFill>
-                <a:schemeClr val="tx1"/>
-              </a:solidFill>
-            </a:endParaRPr>
-          </a:p>
-        </p:txBody>
-      </p:sp>
-    </p:spTree>
-    <p:extLst>
-      <p:ext uri="{BB962C8B-B14F-4D97-AF65-F5344CB8AC3E}">
-        <p14:creationId xmlns:p14="http://schemas.microsoft.com/office/powerpoint/2010/main" val="3887587415"/>
       </p:ext>
     </p:extLst>
   </p:cSld>
@@ -21143,7 +21993,6 @@
               <a:headEnd/>
               <a:tailEnd/>
             </a:ln>
-            <a:extLst/>
           </p:spPr>
           <p:txBody>
             <a:bodyPr vert="horz" wrap="square" lIns="89642" tIns="44821" rIns="89642" bIns="44821" numCol="1" anchor="t" anchorCtr="0" compatLnSpc="1">
@@ -26089,7 +26938,90 @@
       </p:grpSpPr>
       <p:sp>
         <p:nvSpPr>
-          <p:cNvPr id="2" name="Title 1"/>
+          <p:cNvPr id="6" name="Text Placeholder 5"/>
+          <p:cNvSpPr>
+            <a:spLocks noGrp="1"/>
+          </p:cNvSpPr>
+          <p:nvPr>
+            <p:ph type="body" sz="quarter" idx="10"/>
+          </p:nvPr>
+        </p:nvSpPr>
+        <p:spPr>
+          <a:xfrm>
+            <a:off x="269239" y="1189177"/>
+            <a:ext cx="11653523" cy="2387192"/>
+          </a:xfrm>
+        </p:spPr>
+        <p:txBody>
+          <a:bodyPr/>
+          <a:lstStyle/>
+          <a:p>
+            <a:r>
+              <a:rPr lang="en-US" dirty="0">
+                <a:solidFill>
+                  <a:schemeClr val="tx1"/>
+                </a:solidFill>
+              </a:rPr>
+              <a:t>Main topic 1: size 36pt</a:t>
+            </a:r>
+          </a:p>
+          <a:p>
+            <a:pPr lvl="1"/>
+            <a:r>
+              <a:rPr lang="en-US" dirty="0">
+                <a:solidFill>
+                  <a:schemeClr val="tx1"/>
+                </a:solidFill>
+              </a:rPr>
+              <a:t>Size 28pt for second level</a:t>
+            </a:r>
+          </a:p>
+          <a:p>
+            <a:pPr lvl="2"/>
+            <a:r>
+              <a:rPr lang="en-US" dirty="0">
+                <a:solidFill>
+                  <a:schemeClr val="tx1"/>
+                </a:solidFill>
+              </a:rPr>
+              <a:t>Size 24pt for third level</a:t>
+            </a:r>
+          </a:p>
+          <a:p>
+            <a:pPr lvl="3"/>
+            <a:r>
+              <a:rPr lang="en-US" dirty="0">
+                <a:solidFill>
+                  <a:schemeClr val="tx1"/>
+                </a:solidFill>
+              </a:rPr>
+              <a:t>Size 22pt for fourth level</a:t>
+            </a:r>
+          </a:p>
+          <a:p>
+            <a:pPr lvl="4"/>
+            <a:r>
+              <a:rPr lang="en-US" dirty="0">
+                <a:solidFill>
+                  <a:schemeClr val="tx1"/>
+                </a:solidFill>
+              </a:rPr>
+              <a:t>Size 22 for fifth level</a:t>
+            </a:r>
+          </a:p>
+          <a:p>
+            <a:pPr lvl="2"/>
+            <a:endParaRPr lang="en-US" dirty="0">
+              <a:solidFill>
+                <a:schemeClr val="tx1"/>
+              </a:solidFill>
+            </a:endParaRPr>
+          </a:p>
+        </p:txBody>
+      </p:sp>
+      <p:sp>
+        <p:nvSpPr>
+          <p:cNvPr id="17" name="Title 16"/>
           <p:cNvSpPr>
             <a:spLocks noGrp="1"/>
           </p:cNvSpPr>
@@ -26097,12 +27029,7 @@
             <p:ph type="title"/>
           </p:nvPr>
         </p:nvSpPr>
-        <p:spPr>
-          <a:xfrm>
-            <a:off x="269240" y="3010840"/>
-            <a:ext cx="4795873" cy="836319"/>
-          </a:xfrm>
-        </p:spPr>
+        <p:spPr/>
         <p:txBody>
           <a:bodyPr/>
           <a:lstStyle/>
@@ -26113,33 +27040,15 @@
                   <a:schemeClr val="tx1"/>
                 </a:solidFill>
               </a:rPr>
-              <a:t>Photo layout 1</a:t>
+              <a:t>Text layout (without bullet points)</a:t>
             </a:r>
           </a:p>
         </p:txBody>
-      </p:sp>
-      <p:sp>
-        <p:nvSpPr>
-          <p:cNvPr id="3" name="Picture Placeholder 2">
-            <a:extLst>
-              <a:ext uri="{FF2B5EF4-FFF2-40B4-BE49-F238E27FC236}">
-                <a16:creationId xmlns:a16="http://schemas.microsoft.com/office/drawing/2014/main" id="{1C1F0CEC-E709-49D5-9437-71B581E4C3E3}"/>
-              </a:ext>
-            </a:extLst>
-          </p:cNvPr>
-          <p:cNvSpPr>
-            <a:spLocks noGrp="1"/>
-          </p:cNvSpPr>
-          <p:nvPr>
-            <p:ph type="pic" sz="quarter" idx="10"/>
-          </p:nvPr>
-        </p:nvSpPr>
-        <p:spPr/>
       </p:sp>
     </p:spTree>
     <p:extLst>
       <p:ext uri="{BB962C8B-B14F-4D97-AF65-F5344CB8AC3E}">
-        <p14:creationId xmlns:p14="http://schemas.microsoft.com/office/powerpoint/2010/main" val="491487794"/>
+        <p14:creationId xmlns:p14="http://schemas.microsoft.com/office/powerpoint/2010/main" val="4234473174"/>
       </p:ext>
     </p:extLst>
   </p:cSld>
@@ -26180,7 +27089,77 @@
       </p:grpSpPr>
       <p:sp>
         <p:nvSpPr>
-          <p:cNvPr id="3" name="Title 2"/>
+          <p:cNvPr id="6" name="Text Placeholder 5"/>
+          <p:cNvSpPr>
+            <a:spLocks noGrp="1"/>
+          </p:cNvSpPr>
+          <p:nvPr>
+            <p:ph type="body" sz="quarter" idx="10"/>
+          </p:nvPr>
+        </p:nvSpPr>
+        <p:spPr/>
+        <p:txBody>
+          <a:bodyPr/>
+          <a:lstStyle/>
+          <a:p>
+            <a:r>
+              <a:rPr lang="en-US" dirty="0">
+                <a:solidFill>
+                  <a:schemeClr val="tx1"/>
+                </a:solidFill>
+              </a:rPr>
+              <a:t>Main topic 1: size 36pt</a:t>
+            </a:r>
+          </a:p>
+          <a:p>
+            <a:pPr lvl="1"/>
+            <a:r>
+              <a:rPr lang="en-US" dirty="0">
+                <a:solidFill>
+                  <a:schemeClr val="tx1"/>
+                </a:solidFill>
+              </a:rPr>
+              <a:t>Size 28pt for second level</a:t>
+            </a:r>
+          </a:p>
+          <a:p>
+            <a:pPr lvl="2"/>
+            <a:r>
+              <a:rPr lang="en-US" dirty="0">
+                <a:solidFill>
+                  <a:schemeClr val="tx1"/>
+                </a:solidFill>
+              </a:rPr>
+              <a:t>Size 24pt for third level</a:t>
+            </a:r>
+          </a:p>
+          <a:p>
+            <a:pPr lvl="3"/>
+            <a:r>
+              <a:rPr lang="en-US" dirty="0">
+                <a:solidFill>
+                  <a:schemeClr val="tx1"/>
+                </a:solidFill>
+              </a:rPr>
+              <a:t>Size 22pt for fourth level</a:t>
+            </a:r>
+          </a:p>
+          <a:p>
+            <a:pPr lvl="4"/>
+            <a:r>
+              <a:rPr lang="en-US" dirty="0">
+                <a:solidFill>
+                  <a:schemeClr val="tx1"/>
+                </a:solidFill>
+              </a:rPr>
+              <a:t>Size 22 for fifth level</a:t>
+            </a:r>
+          </a:p>
+        </p:txBody>
+      </p:sp>
+      <p:sp>
+        <p:nvSpPr>
+          <p:cNvPr id="17" name="Title 16"/>
           <p:cNvSpPr>
             <a:spLocks noGrp="1"/>
           </p:cNvSpPr>
@@ -26199,15 +27178,285 @@
                   <a:schemeClr val="tx1"/>
                 </a:solidFill>
               </a:rPr>
-              <a:t>Demo</a:t>
+              <a:t>Text with bullet points - adjusting list levels</a:t>
             </a:r>
           </a:p>
         </p:txBody>
       </p:sp>
+      <p:sp>
+        <p:nvSpPr>
+          <p:cNvPr id="7" name="Rectangle 6"/>
+          <p:cNvSpPr/>
+          <p:nvPr/>
+        </p:nvSpPr>
+        <p:spPr bwMode="auto">
+          <a:xfrm>
+            <a:off x="8333951" y="2711868"/>
+            <a:ext cx="3591130" cy="3863110"/>
+          </a:xfrm>
+          <a:prstGeom prst="rect">
+            <a:avLst/>
+          </a:prstGeom>
+          <a:solidFill>
+            <a:schemeClr val="accent1"/>
+          </a:solidFill>
+          <a:ln>
+            <a:noFill/>
+            <a:headEnd type="none" w="med" len="med"/>
+            <a:tailEnd type="none" w="med" len="med"/>
+          </a:ln>
+          <a:effectLst/>
+        </p:spPr>
+        <p:style>
+          <a:lnRef idx="1">
+            <a:schemeClr val="accent2"/>
+          </a:lnRef>
+          <a:fillRef idx="3">
+            <a:schemeClr val="accent2"/>
+          </a:fillRef>
+          <a:effectRef idx="2">
+            <a:schemeClr val="accent2"/>
+          </a:effectRef>
+          <a:fontRef idx="minor">
+            <a:schemeClr val="lt1"/>
+          </a:fontRef>
+        </p:style>
+        <p:txBody>
+          <a:bodyPr rot="0" spcFirstLastPara="0" vertOverflow="overflow" horzOverflow="overflow" vert="horz" wrap="square" lIns="179285" tIns="143428" rIns="179285" bIns="143428" numCol="1" spcCol="0" rtlCol="0" fromWordArt="0" anchor="t" anchorCtr="0" forceAA="0" compatLnSpc="1">
+            <a:prstTxWarp prst="textNoShape">
+              <a:avLst/>
+            </a:prstTxWarp>
+            <a:noAutofit/>
+          </a:bodyPr>
+          <a:lstStyle/>
+          <a:p>
+            <a:pPr defTabSz="914102" fontAlgn="base">
+              <a:spcBef>
+                <a:spcPct val="0"/>
+              </a:spcBef>
+              <a:spcAft>
+                <a:spcPct val="0"/>
+              </a:spcAft>
+            </a:pPr>
+            <a:r>
+              <a:rPr lang="en-US" sz="1372" dirty="0">
+                <a:solidFill>
+                  <a:schemeClr val="tx1"/>
+                </a:solidFill>
+                <a:ea typeface="Segoe UI" pitchFamily="34" charset="0"/>
+                <a:cs typeface="Segoe UI" pitchFamily="34" charset="0"/>
+              </a:rPr>
+              <a:t>Use the “Decrease List Level” and “Increase List Level” tools on the Home Menu to change text levels.</a:t>
+            </a:r>
+          </a:p>
+          <a:p>
+            <a:pPr defTabSz="914102" fontAlgn="base">
+              <a:spcBef>
+                <a:spcPts val="600"/>
+              </a:spcBef>
+              <a:spcAft>
+                <a:spcPct val="0"/>
+              </a:spcAft>
+            </a:pPr>
+            <a:r>
+              <a:rPr lang="en-US" sz="1372" dirty="0">
+                <a:solidFill>
+                  <a:schemeClr val="tx1"/>
+                </a:solidFill>
+                <a:ea typeface="Segoe UI" pitchFamily="34" charset="0"/>
+                <a:cs typeface="Segoe UI" pitchFamily="34" charset="0"/>
+              </a:rPr>
+              <a:t>Try this:  </a:t>
+            </a:r>
+          </a:p>
+          <a:p>
+            <a:pPr marL="288926" indent="-234950" defTabSz="914102" fontAlgn="base">
+              <a:spcBef>
+                <a:spcPct val="0"/>
+              </a:spcBef>
+              <a:spcAft>
+                <a:spcPct val="0"/>
+              </a:spcAft>
+              <a:buFont typeface="+mj-lt"/>
+              <a:buAutoNum type="arabicPeriod"/>
+            </a:pPr>
+            <a:r>
+              <a:rPr lang="en-US" sz="1372" dirty="0">
+                <a:solidFill>
+                  <a:schemeClr val="tx1"/>
+                </a:solidFill>
+                <a:ea typeface="Segoe UI" pitchFamily="34" charset="0"/>
+                <a:cs typeface="Segoe UI" pitchFamily="34" charset="0"/>
+              </a:rPr>
+              <a:t>Place your cursor in any row of text to the left that says “Size 20pt for subtopics”</a:t>
+            </a:r>
+          </a:p>
+          <a:p>
+            <a:pPr marL="288926" indent="-234950" defTabSz="914102" fontAlgn="base">
+              <a:spcBef>
+                <a:spcPct val="0"/>
+              </a:spcBef>
+              <a:spcAft>
+                <a:spcPct val="0"/>
+              </a:spcAft>
+              <a:buFont typeface="+mj-lt"/>
+              <a:buAutoNum type="arabicPeriod"/>
+            </a:pPr>
+            <a:r>
+              <a:rPr lang="en-US" sz="1372" dirty="0">
+                <a:solidFill>
+                  <a:schemeClr val="tx1"/>
+                </a:solidFill>
+                <a:ea typeface="Segoe UI" pitchFamily="34" charset="0"/>
+                <a:cs typeface="Segoe UI" pitchFamily="34" charset="0"/>
+              </a:rPr>
+              <a:t>Next click the Home tab, and then on the “</a:t>
+            </a:r>
+            <a:r>
+              <a:rPr lang="en-US" sz="1372" u="sng" dirty="0">
+                <a:solidFill>
+                  <a:schemeClr val="tx1"/>
+                </a:solidFill>
+                <a:ea typeface="Segoe UI" pitchFamily="34" charset="0"/>
+                <a:cs typeface="Segoe UI" pitchFamily="34" charset="0"/>
+              </a:rPr>
+              <a:t>Decrease List level</a:t>
+            </a:r>
+            <a:r>
+              <a:rPr lang="en-US" sz="1372" dirty="0">
+                <a:solidFill>
+                  <a:schemeClr val="tx1"/>
+                </a:solidFill>
+                <a:ea typeface="Segoe UI" pitchFamily="34" charset="0"/>
+                <a:cs typeface="Segoe UI" pitchFamily="34" charset="0"/>
+              </a:rPr>
+              <a:t>” tool. Notice how the line moves up one level.</a:t>
+            </a:r>
+          </a:p>
+          <a:p>
+            <a:pPr marL="288926" indent="-234950" defTabSz="914102" fontAlgn="base">
+              <a:spcBef>
+                <a:spcPct val="0"/>
+              </a:spcBef>
+              <a:spcAft>
+                <a:spcPct val="0"/>
+              </a:spcAft>
+              <a:buFont typeface="+mj-lt"/>
+              <a:buAutoNum type="arabicPeriod"/>
+            </a:pPr>
+            <a:r>
+              <a:rPr lang="en-US" sz="1372" dirty="0">
+                <a:solidFill>
+                  <a:schemeClr val="tx1"/>
+                </a:solidFill>
+                <a:ea typeface="Segoe UI" pitchFamily="34" charset="0"/>
+                <a:cs typeface="Segoe UI" pitchFamily="34" charset="0"/>
+              </a:rPr>
+              <a:t>Now try placing your cursor in one of the  “Main topic…” lines of text. Click the “</a:t>
+            </a:r>
+            <a:r>
+              <a:rPr lang="en-US" sz="1372" u="sng" dirty="0">
+                <a:solidFill>
+                  <a:schemeClr val="tx1"/>
+                </a:solidFill>
+                <a:ea typeface="Segoe UI" pitchFamily="34" charset="0"/>
+                <a:cs typeface="Segoe UI" pitchFamily="34" charset="0"/>
+              </a:rPr>
+              <a:t>Increase List Level</a:t>
+            </a:r>
+            <a:r>
+              <a:rPr lang="en-US" sz="1372" dirty="0">
+                <a:solidFill>
+                  <a:schemeClr val="tx1"/>
+                </a:solidFill>
+                <a:ea typeface="Segoe UI" pitchFamily="34" charset="0"/>
+                <a:cs typeface="Segoe UI" pitchFamily="34" charset="0"/>
+              </a:rPr>
+              <a:t>” tool and see how the text is pushed in one level</a:t>
+            </a:r>
+          </a:p>
+          <a:p>
+            <a:pPr defTabSz="914102" fontAlgn="base">
+              <a:spcBef>
+                <a:spcPts val="600"/>
+              </a:spcBef>
+              <a:spcAft>
+                <a:spcPct val="0"/>
+              </a:spcAft>
+            </a:pPr>
+            <a:r>
+              <a:rPr lang="en-US" sz="1372" dirty="0">
+                <a:solidFill>
+                  <a:schemeClr val="tx1"/>
+                </a:solidFill>
+                <a:ea typeface="Segoe UI" pitchFamily="34" charset="0"/>
+                <a:cs typeface="Segoe UI" pitchFamily="34" charset="0"/>
+              </a:rPr>
+              <a:t>Use these 2 tools to adjust your text levels as you work</a:t>
+            </a:r>
+          </a:p>
+        </p:txBody>
+      </p:sp>
+      <p:pic>
+        <p:nvPicPr>
+          <p:cNvPr id="8" name="Picture 3"/>
+          <p:cNvPicPr>
+            <a:picLocks noChangeArrowheads="1"/>
+          </p:cNvPicPr>
+          <p:nvPr/>
+        </p:nvPicPr>
+        <p:blipFill>
+          <a:blip r:embed="rId3">
+            <a:extLst>
+              <a:ext uri="{28A0092B-C50C-407E-A947-70E740481C1C}">
+                <a14:useLocalDpi xmlns:a14="http://schemas.microsoft.com/office/drawing/2010/main"/>
+              </a:ext>
+            </a:extLst>
+          </a:blip>
+          <a:stretch>
+            <a:fillRect/>
+          </a:stretch>
+        </p:blipFill>
+        <p:spPr bwMode="auto">
+          <a:xfrm>
+            <a:off x="1972491" y="5206132"/>
+            <a:ext cx="6140977" cy="1368846"/>
+          </a:xfrm>
+          <a:prstGeom prst="rect">
+            <a:avLst/>
+          </a:prstGeom>
+          <a:noFill/>
+          <a:ln w="19050">
+            <a:noFill/>
+            <a:miter lim="800000"/>
+            <a:headEnd/>
+            <a:tailEnd/>
+          </a:ln>
+          <a:effectLst/>
+          <a:extLst>
+            <a:ext uri="{909E8E84-426E-40DD-AFC4-6F175D3DCCD1}">
+              <a14:hiddenFill xmlns:a14="http://schemas.microsoft.com/office/drawing/2010/main">
+                <a:solidFill>
+                  <a:schemeClr val="accent1"/>
+                </a:solidFill>
+              </a14:hiddenFill>
+            </a:ext>
+            <a:ext uri="{AF507438-7753-43E0-B8FC-AC1667EBCBE1}">
+              <a14:hiddenEffects xmlns:a14="http://schemas.microsoft.com/office/drawing/2010/main">
+                <a:effectLst>
+                  <a:outerShdw dist="35921" dir="2700000" algn="ctr" rotWithShape="0">
+                    <a:schemeClr val="bg2"/>
+                  </a:outerShdw>
+                </a:effectLst>
+              </a14:hiddenEffects>
+            </a:ext>
+          </a:extLst>
+        </p:spPr>
+      </p:pic>
     </p:spTree>
     <p:extLst>
       <p:ext uri="{BB962C8B-B14F-4D97-AF65-F5344CB8AC3E}">
-        <p14:creationId xmlns:p14="http://schemas.microsoft.com/office/powerpoint/2010/main" val="4151172388"/>
+        <p14:creationId xmlns:p14="http://schemas.microsoft.com/office/powerpoint/2010/main" val="1332049140"/>
       </p:ext>
     </p:extLst>
   </p:cSld>
@@ -26248,30 +27497,143 @@
       </p:grpSpPr>
       <p:sp>
         <p:nvSpPr>
-          <p:cNvPr id="4" name="Title 3"/>
+          <p:cNvPr id="3" name="Text Placeholder 2"/>
           <p:cNvSpPr>
             <a:spLocks noGrp="1"/>
           </p:cNvSpPr>
           <p:nvPr>
-            <p:ph type="title"/>
+            <p:ph type="body" sz="quarter" idx="4294967295"/>
           </p:nvPr>
         </p:nvSpPr>
-        <p:spPr/>
+        <p:spPr>
+          <a:xfrm>
+            <a:off x="0" y="1793875"/>
+            <a:ext cx="11652250" cy="2586157"/>
+          </a:xfrm>
+        </p:spPr>
         <p:txBody>
           <a:bodyPr/>
           <a:lstStyle/>
           <a:p>
             <a:r>
-              <a:rPr lang="en-US" dirty="0"/>
-              <a:t>Video</a:t>
-            </a:r>
+              <a:rPr lang="en-US" dirty="0">
+                <a:solidFill>
+                  <a:schemeClr val="tx1"/>
+                </a:solidFill>
+              </a:rPr>
+              <a:t>Example of a bulleted slide with a subhead</a:t>
+            </a:r>
+          </a:p>
+          <a:p>
+            <a:pPr lvl="1"/>
+            <a:r>
+              <a:rPr lang="en-US" dirty="0">
+                <a:solidFill>
+                  <a:schemeClr val="tx1"/>
+                </a:solidFill>
+              </a:rPr>
+              <a:t>Set the slide title to “Sentence case”</a:t>
+            </a:r>
+          </a:p>
+          <a:p>
+            <a:pPr lvl="1"/>
+            <a:r>
+              <a:rPr lang="en-US" dirty="0">
+                <a:solidFill>
+                  <a:schemeClr val="tx1"/>
+                </a:solidFill>
+              </a:rPr>
+              <a:t>Set subheads to “Sentence case”</a:t>
+            </a:r>
+          </a:p>
+          <a:p>
+            <a:pPr lvl="0"/>
+            <a:r>
+              <a:rPr lang="en-US" dirty="0">
+                <a:solidFill>
+                  <a:schemeClr val="tx1"/>
+                </a:solidFill>
+              </a:rPr>
+              <a:t>Hyperlink style</a:t>
+            </a:r>
+          </a:p>
+          <a:p>
+            <a:pPr lvl="1"/>
+            <a:r>
+              <a:rPr lang="en-US" dirty="0">
+                <a:solidFill>
+                  <a:schemeClr val="tx1"/>
+                </a:solidFill>
+                <a:hlinkClick r:id="rId3"/>
+              </a:rPr>
+              <a:t>www.microsoft.com</a:t>
+            </a:r>
+            <a:r>
+              <a:rPr lang="en-US" dirty="0">
+                <a:solidFill>
+                  <a:schemeClr val="tx1"/>
+                </a:solidFill>
+              </a:rPr>
+              <a:t> </a:t>
+            </a:r>
+          </a:p>
+        </p:txBody>
+      </p:sp>
+      <p:sp>
+        <p:nvSpPr>
+          <p:cNvPr id="2" name="Title 1"/>
+          <p:cNvSpPr>
+            <a:spLocks noGrp="1"/>
+          </p:cNvSpPr>
+          <p:nvPr>
+            <p:ph type="title" idx="4294967295"/>
+          </p:nvPr>
+        </p:nvSpPr>
+        <p:spPr>
+          <a:xfrm>
+            <a:off x="534988" y="290513"/>
+            <a:ext cx="11657012" cy="900112"/>
+          </a:xfrm>
+        </p:spPr>
+        <p:txBody>
+          <a:bodyPr/>
+          <a:lstStyle/>
+          <a:p>
+            <a:r>
+              <a:rPr lang="en-US" dirty="0">
+                <a:solidFill>
+                  <a:schemeClr val="tx1"/>
+                </a:solidFill>
+              </a:rPr>
+              <a:t>Bullet points layout with subtitle</a:t>
+            </a:r>
+            <a:br>
+              <a:rPr lang="en-US" dirty="0">
+                <a:solidFill>
+                  <a:schemeClr val="tx1"/>
+                </a:solidFill>
+              </a:rPr>
+            </a:br>
+            <a:r>
+              <a:rPr lang="en-US" sz="3529" dirty="0">
+                <a:solidFill>
+                  <a:schemeClr val="tx1"/>
+                </a:solidFill>
+              </a:rPr>
+              <a:t>Subtitle is smaller in the same text block</a:t>
+            </a:r>
+            <a:endParaRPr lang="en-US" sz="3921" dirty="0">
+              <a:solidFill>
+                <a:schemeClr val="tx1"/>
+              </a:solidFill>
+            </a:endParaRPr>
           </a:p>
         </p:txBody>
       </p:sp>
     </p:spTree>
     <p:extLst>
       <p:ext uri="{BB962C8B-B14F-4D97-AF65-F5344CB8AC3E}">
-        <p14:creationId xmlns:p14="http://schemas.microsoft.com/office/powerpoint/2010/main" val="1702666910"/>
+        <p14:creationId xmlns:p14="http://schemas.microsoft.com/office/powerpoint/2010/main" val="3887587415"/>
       </p:ext>
     </p:extLst>
   </p:cSld>
@@ -26320,7 +27682,12 @@
             <p:ph type="title"/>
           </p:nvPr>
         </p:nvSpPr>
-        <p:spPr/>
+        <p:spPr>
+          <a:xfrm>
+            <a:off x="269240" y="3010840"/>
+            <a:ext cx="4795873" cy="836319"/>
+          </a:xfrm>
+        </p:spPr>
         <p:txBody>
           <a:bodyPr/>
           <a:lstStyle/>
@@ -26331,15 +27698,33 @@
                   <a:schemeClr val="tx1"/>
                 </a:solidFill>
               </a:rPr>
-              <a:t>Section title</a:t>
+              <a:t>Photo layout 1</a:t>
             </a:r>
           </a:p>
         </p:txBody>
+      </p:sp>
+      <p:sp>
+        <p:nvSpPr>
+          <p:cNvPr id="3" name="Picture Placeholder 2">
+            <a:extLst>
+              <a:ext uri="{FF2B5EF4-FFF2-40B4-BE49-F238E27FC236}">
+                <a16:creationId xmlns:a16="http://schemas.microsoft.com/office/drawing/2014/main" id="{1C1F0CEC-E709-49D5-9437-71B581E4C3E3}"/>
+              </a:ext>
+            </a:extLst>
+          </p:cNvPr>
+          <p:cNvSpPr>
+            <a:spLocks noGrp="1"/>
+          </p:cNvSpPr>
+          <p:nvPr>
+            <p:ph type="pic" sz="quarter" idx="10"/>
+          </p:nvPr>
+        </p:nvSpPr>
+        <p:spPr/>
       </p:sp>
     </p:spTree>
     <p:extLst>
       <p:ext uri="{BB962C8B-B14F-4D97-AF65-F5344CB8AC3E}">
-        <p14:creationId xmlns:p14="http://schemas.microsoft.com/office/powerpoint/2010/main" val="1666887711"/>
+        <p14:creationId xmlns:p14="http://schemas.microsoft.com/office/powerpoint/2010/main" val="491487794"/>
       </p:ext>
     </p:extLst>
   </p:cSld>
@@ -26380,6 +27765,206 @@
       </p:grpSpPr>
       <p:sp>
         <p:nvSpPr>
+          <p:cNvPr id="3" name="Title 2"/>
+          <p:cNvSpPr>
+            <a:spLocks noGrp="1"/>
+          </p:cNvSpPr>
+          <p:nvPr>
+            <p:ph type="title"/>
+          </p:nvPr>
+        </p:nvSpPr>
+        <p:spPr/>
+        <p:txBody>
+          <a:bodyPr/>
+          <a:lstStyle/>
+          <a:p>
+            <a:r>
+              <a:rPr lang="en-US" dirty="0">
+                <a:solidFill>
+                  <a:schemeClr val="tx1"/>
+                </a:solidFill>
+              </a:rPr>
+              <a:t>Demo</a:t>
+            </a:r>
+          </a:p>
+        </p:txBody>
+      </p:sp>
+    </p:spTree>
+    <p:extLst>
+      <p:ext uri="{BB962C8B-B14F-4D97-AF65-F5344CB8AC3E}">
+        <p14:creationId xmlns:p14="http://schemas.microsoft.com/office/powerpoint/2010/main" val="4151172388"/>
+      </p:ext>
+    </p:extLst>
+  </p:cSld>
+  <p:clrMapOvr>
+    <a:masterClrMapping/>
+  </p:clrMapOvr>
+  <mc:AlternateContent xmlns:mc="http://schemas.openxmlformats.org/markup-compatibility/2006" xmlns:p14="http://schemas.microsoft.com/office/powerpoint/2010/main">
+    <mc:Choice Requires="p14">
+      <p:transition spd="med" p14:dur="700">
+        <p:fade/>
+      </p:transition>
+    </mc:Choice>
+    <mc:Fallback xmlns="">
+      <p:transition spd="med">
+        <p:fade/>
+      </p:transition>
+    </mc:Fallback>
+  </mc:AlternateContent>
+</p:sld>
+</file>
+
+<file path=ppt/slides/slide25.xml><?xml version="1.0" encoding="utf-8"?>
+<p:sld xmlns:a="http://schemas.openxmlformats.org/drawingml/2006/main" xmlns:r="http://schemas.openxmlformats.org/officeDocument/2006/relationships" xmlns:p="http://schemas.openxmlformats.org/presentationml/2006/main">
+  <p:cSld>
+    <p:spTree>
+      <p:nvGrpSpPr>
+        <p:cNvPr id="1" name=""/>
+        <p:cNvGrpSpPr/>
+        <p:nvPr/>
+      </p:nvGrpSpPr>
+      <p:grpSpPr>
+        <a:xfrm>
+          <a:off x="0" y="0"/>
+          <a:ext cx="0" cy="0"/>
+          <a:chOff x="0" y="0"/>
+          <a:chExt cx="0" cy="0"/>
+        </a:xfrm>
+      </p:grpSpPr>
+      <p:sp>
+        <p:nvSpPr>
+          <p:cNvPr id="4" name="Title 3"/>
+          <p:cNvSpPr>
+            <a:spLocks noGrp="1"/>
+          </p:cNvSpPr>
+          <p:nvPr>
+            <p:ph type="title"/>
+          </p:nvPr>
+        </p:nvSpPr>
+        <p:spPr/>
+        <p:txBody>
+          <a:bodyPr/>
+          <a:lstStyle/>
+          <a:p>
+            <a:r>
+              <a:rPr lang="en-US" dirty="0"/>
+              <a:t>Video</a:t>
+            </a:r>
+          </a:p>
+        </p:txBody>
+      </p:sp>
+    </p:spTree>
+    <p:extLst>
+      <p:ext uri="{BB962C8B-B14F-4D97-AF65-F5344CB8AC3E}">
+        <p14:creationId xmlns:p14="http://schemas.microsoft.com/office/powerpoint/2010/main" val="1702666910"/>
+      </p:ext>
+    </p:extLst>
+  </p:cSld>
+  <p:clrMapOvr>
+    <a:masterClrMapping/>
+  </p:clrMapOvr>
+  <mc:AlternateContent xmlns:mc="http://schemas.openxmlformats.org/markup-compatibility/2006" xmlns:p14="http://schemas.microsoft.com/office/powerpoint/2010/main">
+    <mc:Choice Requires="p14">
+      <p:transition spd="med" p14:dur="700">
+        <p:fade/>
+      </p:transition>
+    </mc:Choice>
+    <mc:Fallback xmlns="">
+      <p:transition spd="med">
+        <p:fade/>
+      </p:transition>
+    </mc:Fallback>
+  </mc:AlternateContent>
+</p:sld>
+</file>
+
+<file path=ppt/slides/slide26.xml><?xml version="1.0" encoding="utf-8"?>
+<p:sld xmlns:a="http://schemas.openxmlformats.org/drawingml/2006/main" xmlns:r="http://schemas.openxmlformats.org/officeDocument/2006/relationships" xmlns:p="http://schemas.openxmlformats.org/presentationml/2006/main">
+  <p:cSld>
+    <p:spTree>
+      <p:nvGrpSpPr>
+        <p:cNvPr id="1" name=""/>
+        <p:cNvGrpSpPr/>
+        <p:nvPr/>
+      </p:nvGrpSpPr>
+      <p:grpSpPr>
+        <a:xfrm>
+          <a:off x="0" y="0"/>
+          <a:ext cx="0" cy="0"/>
+          <a:chOff x="0" y="0"/>
+          <a:chExt cx="0" cy="0"/>
+        </a:xfrm>
+      </p:grpSpPr>
+      <p:sp>
+        <p:nvSpPr>
+          <p:cNvPr id="2" name="Title 1"/>
+          <p:cNvSpPr>
+            <a:spLocks noGrp="1"/>
+          </p:cNvSpPr>
+          <p:nvPr>
+            <p:ph type="title"/>
+          </p:nvPr>
+        </p:nvSpPr>
+        <p:spPr/>
+        <p:txBody>
+          <a:bodyPr/>
+          <a:lstStyle/>
+          <a:p>
+            <a:r>
+              <a:rPr lang="en-US" dirty="0">
+                <a:solidFill>
+                  <a:schemeClr val="tx1"/>
+                </a:solidFill>
+              </a:rPr>
+              <a:t>Section title</a:t>
+            </a:r>
+          </a:p>
+        </p:txBody>
+      </p:sp>
+    </p:spTree>
+    <p:extLst>
+      <p:ext uri="{BB962C8B-B14F-4D97-AF65-F5344CB8AC3E}">
+        <p14:creationId xmlns:p14="http://schemas.microsoft.com/office/powerpoint/2010/main" val="1666887711"/>
+      </p:ext>
+    </p:extLst>
+  </p:cSld>
+  <p:clrMapOvr>
+    <a:masterClrMapping/>
+  </p:clrMapOvr>
+  <mc:AlternateContent xmlns:mc="http://schemas.openxmlformats.org/markup-compatibility/2006" xmlns:p14="http://schemas.microsoft.com/office/powerpoint/2010/main">
+    <mc:Choice Requires="p14">
+      <p:transition spd="med" p14:dur="700">
+        <p:fade/>
+      </p:transition>
+    </mc:Choice>
+    <mc:Fallback xmlns="">
+      <p:transition spd="med">
+        <p:fade/>
+      </p:transition>
+    </mc:Fallback>
+  </mc:AlternateContent>
+</p:sld>
+</file>
+
+<file path=ppt/slides/slide27.xml><?xml version="1.0" encoding="utf-8"?>
+<p:sld xmlns:a="http://schemas.openxmlformats.org/drawingml/2006/main" xmlns:r="http://schemas.openxmlformats.org/officeDocument/2006/relationships" xmlns:p="http://schemas.openxmlformats.org/presentationml/2006/main">
+  <p:cSld>
+    <p:spTree>
+      <p:nvGrpSpPr>
+        <p:cNvPr id="1" name=""/>
+        <p:cNvGrpSpPr/>
+        <p:nvPr/>
+      </p:nvGrpSpPr>
+      <p:grpSpPr>
+        <a:xfrm>
+          <a:off x="0" y="0"/>
+          <a:ext cx="0" cy="0"/>
+          <a:chOff x="0" y="0"/>
+          <a:chExt cx="0" cy="0"/>
+        </a:xfrm>
+      </p:grpSpPr>
+      <p:sp>
+        <p:nvSpPr>
           <p:cNvPr id="4" name="Title 3"/>
           <p:cNvSpPr>
             <a:spLocks noGrp="1"/>
@@ -26447,7 +28032,7 @@
 </p:sld>
 </file>
 
-<file path=ppt/slides/slide25.xml><?xml version="1.0" encoding="utf-8"?>
+<file path=ppt/slides/slide28.xml><?xml version="1.0" encoding="utf-8"?>
 <p:sld xmlns:a="http://schemas.openxmlformats.org/drawingml/2006/main" xmlns:r="http://schemas.openxmlformats.org/officeDocument/2006/relationships" xmlns:p="http://schemas.openxmlformats.org/presentationml/2006/main">
   <p:cSld>
     <p:spTree>
@@ -26621,12 +28206,51 @@
           </a:p>
         </p:txBody>
       </p:sp>
+      <p:pic>
+        <p:nvPicPr>
+          <p:cNvPr id="4" name="Graphic 3" descr="Teacher icon">
+            <a:extLst>
+              <a:ext uri="{FF2B5EF4-FFF2-40B4-BE49-F238E27FC236}">
+                <a16:creationId xmlns:a16="http://schemas.microsoft.com/office/drawing/2014/main" id="{9C3F82EB-6551-4435-B752-1DF4ADF2E21E}"/>
+              </a:ext>
+            </a:extLst>
+          </p:cNvPr>
+          <p:cNvPicPr>
+            <a:picLocks noChangeAspect="1"/>
+          </p:cNvPicPr>
+          <p:nvPr/>
+        </p:nvPicPr>
+        <p:blipFill>
+          <a:blip r:embed="rId3">
+            <a:extLst>
+              <a:ext uri="{28A0092B-C50C-407E-A947-70E740481C1C}">
+                <a14:useLocalDpi xmlns:a14="http://schemas.microsoft.com/office/drawing/2010/main" val="0"/>
+              </a:ext>
+              <a:ext uri="{96DAC541-7B7A-43D3-8B79-37D633B846F1}">
+                <asvg:svgBlip xmlns:asvg="http://schemas.microsoft.com/office/drawing/2016/SVG/main" r:embed="rId4"/>
+              </a:ext>
+            </a:extLst>
+          </a:blip>
+          <a:stretch>
+            <a:fillRect/>
+          </a:stretch>
+        </p:blipFill>
+        <p:spPr>
+          <a:xfrm>
+            <a:off x="8370276" y="1568308"/>
+            <a:ext cx="3199567" cy="3199567"/>
+          </a:xfrm>
+          <a:prstGeom prst="rect">
+            <a:avLst/>
+          </a:prstGeom>
+        </p:spPr>
+      </p:pic>
       <p:sp>
         <p:nvSpPr>
-          <p:cNvPr id="9" name="TextBox 8">
+          <p:cNvPr id="5" name="TextBox 4">
             <a:extLst>
               <a:ext uri="{FF2B5EF4-FFF2-40B4-BE49-F238E27FC236}">
-                <a16:creationId xmlns:a16="http://schemas.microsoft.com/office/drawing/2014/main" id="{0F86F9F9-39B5-4CE6-AF48-9ADAE40EA728}"/>
+                <a16:creationId xmlns:a16="http://schemas.microsoft.com/office/drawing/2014/main" id="{D2DFD166-7E14-4C8D-A006-199356D98A9E}"/>
               </a:ext>
             </a:extLst>
           </p:cNvPr>
@@ -26635,8 +28259,8 @@
         </p:nvSpPr>
         <p:spPr>
           <a:xfrm>
-            <a:off x="340285" y="1741246"/>
-            <a:ext cx="7247965" cy="1612749"/>
+            <a:off x="340284" y="1029049"/>
+            <a:ext cx="8373410" cy="6167842"/>
           </a:xfrm>
           <a:prstGeom prst="rect">
             <a:avLst/>
@@ -26649,55 +28273,161 @@
           </a:bodyPr>
           <a:lstStyle/>
           <a:p>
-            <a:pPr>
+            <a:pPr lvl="0"/>
+            <a:r>
+              <a:rPr kumimoji="0" lang="en-US" sz="2000" b="0" i="0" u="none" strike="noStrike" kern="1200" cap="none" spc="0" normalizeH="0" baseline="0" noProof="0" dirty="0">
+                <a:ln>
+                  <a:noFill/>
+                </a:ln>
+                <a:solidFill>
+                  <a:srgbClr val="FFFFFF"/>
+                </a:solidFill>
+                <a:effectLst/>
+                <a:uLnTx/>
+                <a:uFillTx/>
+                <a:latin typeface="Segoe UI Semilight"/>
+                <a:ea typeface="+mn-ea"/>
+                <a:cs typeface="+mn-cs"/>
+              </a:rPr>
+              <a:t>Wide World Importers has a host of online stores for various product offerings, including traditional product catalogs offered by their physical storefronts, to specialized categories like automotive and consumer technology products. This </a:t>
+            </a:r>
+            <a:r>
+              <a:rPr lang="en-US" sz="2000" dirty="0">
+                <a:solidFill>
+                  <a:srgbClr val="FFFFFF"/>
+                </a:solidFill>
+              </a:rPr>
+              <a:t>expansion has made it more challenging to analyze user clickstream data, online ad performance, and other marketing campaigns at scale, and to provide insights to the marketing team in real-time. Today they store and analyze user clickstream data, online ad performance, and other marketing campaigns to evaluate marketing effectiveness and customer reach.</a:t>
+            </a:r>
+            <a:endParaRPr kumimoji="0" lang="en-US" sz="2000" b="0" i="0" u="none" strike="noStrike" kern="1200" cap="none" spc="0" normalizeH="0" baseline="0" noProof="0" dirty="0">
+              <a:ln>
+                <a:noFill/>
+              </a:ln>
+              <a:solidFill>
+                <a:srgbClr val="FFFFFF"/>
+              </a:solidFill>
+              <a:effectLst/>
+              <a:uLnTx/>
+              <a:uFillTx/>
+              <a:latin typeface="Segoe UI Semilight"/>
+              <a:ea typeface="+mn-ea"/>
+              <a:cs typeface="+mn-cs"/>
+            </a:endParaRPr>
+          </a:p>
+          <a:p>
+            <a:pPr marL="0" marR="0" lvl="0" indent="0" algn="l" defTabSz="914400" rtl="0" eaLnBrk="1" fontAlgn="auto" latinLnBrk="0" hangingPunct="1">
+              <a:lnSpc>
+                <a:spcPct val="100000"/>
+              </a:lnSpc>
+              <a:spcBef>
+                <a:spcPts val="0"/>
+              </a:spcBef>
+              <a:spcAft>
+                <a:spcPts val="0"/>
+              </a:spcAft>
+              <a:buClrTx/>
+              <a:buSzTx/>
+              <a:buFontTx/>
+              <a:buNone/>
+              <a:tabLst/>
+              <a:defRPr/>
+            </a:pPr>
+            <a:endParaRPr kumimoji="0" lang="en-US" sz="2000" b="0" i="0" u="none" strike="noStrike" kern="1200" cap="none" spc="0" normalizeH="0" baseline="0" noProof="0" dirty="0">
+              <a:ln>
+                <a:noFill/>
+              </a:ln>
+              <a:solidFill>
+                <a:srgbClr val="FFFFFF"/>
+              </a:solidFill>
+              <a:effectLst/>
+              <a:uLnTx/>
+              <a:uFillTx/>
+              <a:latin typeface="Segoe UI Semilight"/>
+              <a:ea typeface="+mn-ea"/>
+              <a:cs typeface="+mn-cs"/>
+            </a:endParaRPr>
+          </a:p>
+          <a:p>
+            <a:pPr lvl="0"/>
+            <a:r>
+              <a:rPr kumimoji="0" lang="en-US" sz="2000" b="0" i="0" u="none" strike="noStrike" kern="1200" cap="none" spc="0" normalizeH="0" baseline="0" noProof="0" dirty="0">
+                <a:ln>
+                  <a:noFill/>
+                </a:ln>
+                <a:solidFill>
+                  <a:srgbClr val="FFFFFF"/>
+                </a:solidFill>
+                <a:effectLst/>
+                <a:uLnTx/>
+                <a:uFillTx/>
+                <a:latin typeface="Segoe UI Semilight"/>
+                <a:ea typeface="+mn-ea"/>
+                <a:cs typeface="+mn-cs"/>
+              </a:rPr>
+              <a:t>At the end of this whiteboard design session, you will be better able to </a:t>
+            </a:r>
+            <a:r>
+              <a:rPr lang="en-US" sz="2000" dirty="0">
+                <a:solidFill>
+                  <a:srgbClr val="FFFFFF"/>
+                </a:solidFill>
+              </a:rPr>
+              <a:t>use advanced features of the managed PostgreSQL PaaS service on Azure to make your database more scalable and able to handle the rapid ingest of streaming data while simultaneously generating and serving pre-aggregated data for reports. You will design a resilient stream processing pipeline to ingest, process, and save real-time data and provide guidance on how to create complex reports containing advanced visualizations and use them to build a customizable dashboard.</a:t>
+            </a:r>
+            <a:endParaRPr kumimoji="0" lang="en-US" sz="2000" b="0" i="0" u="none" strike="noStrike" kern="1200" cap="none" spc="0" normalizeH="0" baseline="0" noProof="0" dirty="0">
+              <a:ln>
+                <a:noFill/>
+              </a:ln>
+              <a:solidFill>
+                <a:srgbClr val="FFFFFF"/>
+              </a:solidFill>
+              <a:effectLst/>
+              <a:uLnTx/>
+              <a:uFillTx/>
+              <a:latin typeface="Segoe UI Semilight"/>
+              <a:ea typeface="+mn-ea"/>
+              <a:cs typeface="+mn-cs"/>
+            </a:endParaRPr>
+          </a:p>
+          <a:p>
+            <a:pPr marL="342900" marR="0" lvl="0" indent="-342900" algn="l" defTabSz="914400" rtl="0" eaLnBrk="1" fontAlgn="auto" latinLnBrk="0" hangingPunct="1">
               <a:lnSpc>
                 <a:spcPct val="90000"/>
               </a:lnSpc>
+              <a:spcBef>
+                <a:spcPts val="0"/>
+              </a:spcBef>
               <a:spcAft>
                 <a:spcPts val="600"/>
               </a:spcAft>
+              <a:buClrTx/>
+              <a:buSzTx/>
+              <a:buFont typeface="Arial" panose="020B0604020202020204" pitchFamily="34" charset="0"/>
+              <a:buChar char="•"/>
+              <a:tabLst/>
+              <a:defRPr/>
             </a:pPr>
-            <a:r>
-              <a:rPr lang="en-US" sz="3600" dirty="0">
-                <a:latin typeface="+mj-lt"/>
-              </a:rPr>
-              <a:t>Abstract and learning objectives</a:t>
-            </a:r>
-          </a:p>
-          <a:p>
-            <a:pPr>
-              <a:lnSpc>
-                <a:spcPct val="90000"/>
-              </a:lnSpc>
-              <a:spcAft>
-                <a:spcPts val="600"/>
-              </a:spcAft>
-            </a:pPr>
-            <a:r>
-              <a:rPr lang="en-US" sz="2400" dirty="0">
-                <a:latin typeface="Segoe UI Semilight" panose="020B0402040204020203" pitchFamily="34" charset="0"/>
-                <a:cs typeface="Segoe UI Semilight" panose="020B0402040204020203" pitchFamily="34" charset="0"/>
-              </a:rPr>
-              <a:t>Text here</a:t>
-            </a:r>
-          </a:p>
-          <a:p>
-            <a:pPr>
-              <a:lnSpc>
-                <a:spcPct val="90000"/>
-              </a:lnSpc>
-              <a:spcAft>
-                <a:spcPts val="600"/>
-              </a:spcAft>
-            </a:pPr>
-            <a:endParaRPr lang="en-US" sz="2400" dirty="0"/>
+            <a:endParaRPr kumimoji="0" lang="en-US" sz="2400" b="0" i="0" u="none" strike="noStrike" kern="1200" cap="none" spc="0" normalizeH="0" baseline="0" noProof="0" dirty="0">
+              <a:ln>
+                <a:noFill/>
+              </a:ln>
+              <a:solidFill>
+                <a:srgbClr val="FFFFFF"/>
+              </a:solidFill>
+              <a:effectLst/>
+              <a:uLnTx/>
+              <a:uFillTx/>
+              <a:latin typeface="Segoe UI Semilight" panose="020B0402040204020203" pitchFamily="34" charset="0"/>
+              <a:ea typeface="+mn-ea"/>
+              <a:cs typeface="Segoe UI Semilight" panose="020B0402040204020203" pitchFamily="34" charset="0"/>
+            </a:endParaRPr>
           </a:p>
         </p:txBody>
       </p:sp>
     </p:spTree>
     <p:extLst>
       <p:ext uri="{BB962C8B-B14F-4D97-AF65-F5344CB8AC3E}">
-        <p14:creationId xmlns:p14="http://schemas.microsoft.com/office/powerpoint/2010/main" val="772880493"/>
+        <p14:creationId xmlns:p14="http://schemas.microsoft.com/office/powerpoint/2010/main" val="914216989"/>
       </p:ext>
     </p:extLst>
   </p:cSld>
@@ -26924,10 +28654,15 @@
             <p:ph type="body" sz="quarter" idx="10"/>
           </p:nvPr>
         </p:nvSpPr>
-        <p:spPr/>
+        <p:spPr>
+          <a:xfrm>
+            <a:off x="269239" y="1189177"/>
+            <a:ext cx="7399427" cy="5442144"/>
+          </a:xfrm>
+        </p:spPr>
         <p:txBody>
           <a:bodyPr>
-            <a:normAutofit fontScale="92500" lnSpcReduction="10000"/>
+            <a:normAutofit fontScale="92500"/>
           </a:bodyPr>
           <a:lstStyle/>
           <a:p>
@@ -26938,78 +28673,18 @@
                 </a:solidFill>
                 <a:latin typeface="+mj-lt"/>
               </a:rPr>
-              <a:t>Main topic 1: size 36pt</a:t>
-            </a:r>
-          </a:p>
-          <a:p>
-            <a:pPr lvl="1"/>
-            <a:r>
-              <a:rPr lang="en-US" sz="2800" dirty="0">
+              <a:t>Wide World Importers (WWI) is a traditional brick and mortar business who has been expanding to several online stores, due to great success world wide in providing excellent customer service.</a:t>
+            </a:r>
+          </a:p>
+          <a:p>
+            <a:r>
+              <a:rPr lang="en-US" sz="3600" dirty="0">
                 <a:solidFill>
                   <a:schemeClr val="tx1"/>
                 </a:solidFill>
-                <a:latin typeface="Segoe UI Semilight" panose="020B0402040204020203" pitchFamily="34" charset="0"/>
-                <a:cs typeface="Segoe UI Semilight" panose="020B0402040204020203" pitchFamily="34" charset="0"/>
               </a:rPr>
-              <a:t>Size 28pt for second leve</a:t>
-            </a:r>
-            <a:r>
-              <a:rPr lang="en-US" sz="2400" dirty="0">
-                <a:solidFill>
-                  <a:schemeClr val="tx1"/>
-                </a:solidFill>
-                <a:latin typeface="Segoe UI Semilight" panose="020B0402040204020203" pitchFamily="34" charset="0"/>
-                <a:cs typeface="Segoe UI Semilight" panose="020B0402040204020203" pitchFamily="34" charset="0"/>
-              </a:rPr>
-              <a:t>l</a:t>
-            </a:r>
-          </a:p>
-          <a:p>
-            <a:pPr lvl="1"/>
-            <a:r>
-              <a:rPr lang="en-US" sz="2400" dirty="0">
-                <a:solidFill>
-                  <a:schemeClr val="tx1"/>
-                </a:solidFill>
-                <a:latin typeface="Segoe UI Semilight" panose="020B0402040204020203" pitchFamily="34" charset="0"/>
-                <a:cs typeface="Segoe UI Semilight" panose="020B0402040204020203" pitchFamily="34" charset="0"/>
-              </a:rPr>
-              <a:t>Size 24pt for third level</a:t>
-            </a:r>
-          </a:p>
-          <a:p>
-            <a:pPr lvl="1"/>
-            <a:r>
-              <a:rPr lang="en-US" sz="2200" dirty="0">
-                <a:solidFill>
-                  <a:schemeClr val="tx1"/>
-                </a:solidFill>
-                <a:latin typeface="Segoe UI Semilight" panose="020B0402040204020203" pitchFamily="34" charset="0"/>
-                <a:cs typeface="Segoe UI Semilight" panose="020B0402040204020203" pitchFamily="34" charset="0"/>
-              </a:rPr>
-              <a:t>Size 22pt for fourth level</a:t>
-            </a:r>
-          </a:p>
-          <a:p>
-            <a:pPr lvl="1"/>
-            <a:r>
-              <a:rPr lang="en-US" sz="2200" dirty="0">
-                <a:solidFill>
-                  <a:schemeClr val="tx1"/>
-                </a:solidFill>
-                <a:latin typeface="Segoe UI Semilight" panose="020B0402040204020203" pitchFamily="34" charset="0"/>
-                <a:cs typeface="Segoe UI Semilight" panose="020B0402040204020203" pitchFamily="34" charset="0"/>
-              </a:rPr>
-              <a:t>Size 22pt for fifth level</a:t>
-            </a:r>
-          </a:p>
-          <a:p>
-            <a:pPr marL="0" indent="0">
-              <a:spcAft>
-                <a:spcPts val="882"/>
-              </a:spcAft>
-              <a:buNone/>
-            </a:pPr>
+              <a:t>Online marketing campaigns have been very successful, leading to rapid growth in sales, prompting further investment in marketing efforts.</a:t>
+            </a:r>
             <a:endParaRPr lang="en-US" sz="1800" dirty="0">
               <a:solidFill>
                 <a:schemeClr val="tx1"/>
@@ -27061,6 +28736,257 @@
           </a:p>
         </p:txBody>
       </p:sp>
+      <p:grpSp>
+        <p:nvGrpSpPr>
+          <p:cNvPr id="5" name="Group 4">
+            <a:extLst>
+              <a:ext uri="{FF2B5EF4-FFF2-40B4-BE49-F238E27FC236}">
+                <a16:creationId xmlns:a16="http://schemas.microsoft.com/office/drawing/2014/main" id="{FE2DEA3B-145E-4214-BFC7-3411D256A874}"/>
+              </a:ext>
+            </a:extLst>
+          </p:cNvPr>
+          <p:cNvGrpSpPr/>
+          <p:nvPr/>
+        </p:nvGrpSpPr>
+        <p:grpSpPr>
+          <a:xfrm>
+            <a:off x="7653973" y="1189176"/>
+            <a:ext cx="4186448" cy="4157062"/>
+            <a:chOff x="7208299" y="1273700"/>
+            <a:chExt cx="4186448" cy="4157062"/>
+          </a:xfrm>
+        </p:grpSpPr>
+        <p:sp>
+          <p:nvSpPr>
+            <p:cNvPr id="4" name="Oval 3">
+              <a:extLst>
+                <a:ext uri="{FF2B5EF4-FFF2-40B4-BE49-F238E27FC236}">
+                  <a16:creationId xmlns:a16="http://schemas.microsoft.com/office/drawing/2014/main" id="{2BF58F24-1FDA-44A7-A268-E299F176751A}"/>
+                </a:ext>
+              </a:extLst>
+            </p:cNvPr>
+            <p:cNvSpPr/>
+            <p:nvPr/>
+          </p:nvSpPr>
+          <p:spPr bwMode="auto">
+            <a:xfrm>
+              <a:off x="7222992" y="1273700"/>
+              <a:ext cx="4157062" cy="4157062"/>
+            </a:xfrm>
+            <a:prstGeom prst="ellipse">
+              <a:avLst/>
+            </a:prstGeom>
+            <a:solidFill>
+              <a:schemeClr val="tx1"/>
+            </a:solidFill>
+            <a:ln>
+              <a:noFill/>
+              <a:headEnd type="none" w="med" len="med"/>
+              <a:tailEnd type="none" w="med" len="med"/>
+            </a:ln>
+            <a:effectLst/>
+          </p:spPr>
+          <p:style>
+            <a:lnRef idx="1">
+              <a:schemeClr val="accent2"/>
+            </a:lnRef>
+            <a:fillRef idx="3">
+              <a:schemeClr val="accent2"/>
+            </a:fillRef>
+            <a:effectRef idx="2">
+              <a:schemeClr val="accent2"/>
+            </a:effectRef>
+            <a:fontRef idx="minor">
+              <a:schemeClr val="lt1"/>
+            </a:fontRef>
+          </p:style>
+          <p:txBody>
+            <a:bodyPr rot="0" spcFirstLastPara="0" vertOverflow="overflow" horzOverflow="overflow" vert="horz" wrap="square" lIns="182880" tIns="146304" rIns="182880" bIns="146304" numCol="1" spcCol="0" rtlCol="0" fromWordArt="0" anchor="t" anchorCtr="0" forceAA="0" compatLnSpc="1">
+              <a:prstTxWarp prst="textNoShape">
+                <a:avLst/>
+              </a:prstTxWarp>
+              <a:noAutofit/>
+            </a:bodyPr>
+            <a:lstStyle/>
+            <a:p>
+              <a:pPr algn="ctr" defTabSz="932472" fontAlgn="base">
+                <a:lnSpc>
+                  <a:spcPct val="90000"/>
+                </a:lnSpc>
+                <a:spcBef>
+                  <a:spcPct val="0"/>
+                </a:spcBef>
+                <a:spcAft>
+                  <a:spcPct val="0"/>
+                </a:spcAft>
+              </a:pPr>
+              <a:r>
+                <a:rPr lang="en-US" sz="3200" dirty="0">
+                  <a:solidFill>
+                    <a:schemeClr val="bg1"/>
+                  </a:solidFill>
+                  <a:ea typeface="Segoe UI" pitchFamily="34" charset="0"/>
+                  <a:cs typeface="Segoe UI" pitchFamily="34" charset="0"/>
+                </a:rPr>
+                <a:t>Wide World</a:t>
+              </a:r>
+            </a:p>
+            <a:p>
+              <a:pPr algn="ctr" defTabSz="932472" fontAlgn="base">
+                <a:lnSpc>
+                  <a:spcPct val="90000"/>
+                </a:lnSpc>
+                <a:spcBef>
+                  <a:spcPct val="0"/>
+                </a:spcBef>
+                <a:spcAft>
+                  <a:spcPct val="0"/>
+                </a:spcAft>
+              </a:pPr>
+              <a:endParaRPr lang="en-US" sz="3200" dirty="0">
+                <a:solidFill>
+                  <a:schemeClr val="bg1"/>
+                </a:solidFill>
+                <a:ea typeface="Segoe UI" pitchFamily="34" charset="0"/>
+                <a:cs typeface="Segoe UI" pitchFamily="34" charset="0"/>
+              </a:endParaRPr>
+            </a:p>
+            <a:p>
+              <a:pPr algn="ctr" defTabSz="932472" fontAlgn="base">
+                <a:lnSpc>
+                  <a:spcPct val="90000"/>
+                </a:lnSpc>
+                <a:spcBef>
+                  <a:spcPct val="0"/>
+                </a:spcBef>
+                <a:spcAft>
+                  <a:spcPct val="0"/>
+                </a:spcAft>
+              </a:pPr>
+              <a:endParaRPr lang="en-US" sz="3200" dirty="0">
+                <a:solidFill>
+                  <a:schemeClr val="bg1"/>
+                </a:solidFill>
+                <a:ea typeface="Segoe UI" pitchFamily="34" charset="0"/>
+                <a:cs typeface="Segoe UI" pitchFamily="34" charset="0"/>
+              </a:endParaRPr>
+            </a:p>
+            <a:p>
+              <a:pPr algn="ctr" defTabSz="932472" fontAlgn="base">
+                <a:lnSpc>
+                  <a:spcPct val="90000"/>
+                </a:lnSpc>
+                <a:spcBef>
+                  <a:spcPct val="0"/>
+                </a:spcBef>
+                <a:spcAft>
+                  <a:spcPct val="0"/>
+                </a:spcAft>
+              </a:pPr>
+              <a:endParaRPr lang="en-US" sz="3200" dirty="0">
+                <a:solidFill>
+                  <a:schemeClr val="bg1"/>
+                </a:solidFill>
+                <a:ea typeface="Segoe UI" pitchFamily="34" charset="0"/>
+                <a:cs typeface="Segoe UI" pitchFamily="34" charset="0"/>
+              </a:endParaRPr>
+            </a:p>
+            <a:p>
+              <a:pPr algn="ctr" defTabSz="932472" fontAlgn="base">
+                <a:lnSpc>
+                  <a:spcPct val="90000"/>
+                </a:lnSpc>
+                <a:spcBef>
+                  <a:spcPct val="0"/>
+                </a:spcBef>
+                <a:spcAft>
+                  <a:spcPct val="0"/>
+                </a:spcAft>
+              </a:pPr>
+              <a:endParaRPr lang="en-US" sz="3200" dirty="0">
+                <a:solidFill>
+                  <a:schemeClr val="bg1"/>
+                </a:solidFill>
+                <a:ea typeface="Segoe UI" pitchFamily="34" charset="0"/>
+                <a:cs typeface="Segoe UI" pitchFamily="34" charset="0"/>
+              </a:endParaRPr>
+            </a:p>
+            <a:p>
+              <a:pPr algn="ctr" defTabSz="932472" fontAlgn="base">
+                <a:lnSpc>
+                  <a:spcPct val="90000"/>
+                </a:lnSpc>
+                <a:spcBef>
+                  <a:spcPct val="0"/>
+                </a:spcBef>
+                <a:spcAft>
+                  <a:spcPct val="0"/>
+                </a:spcAft>
+              </a:pPr>
+              <a:r>
+                <a:rPr lang="en-US" sz="3200" dirty="0">
+                  <a:solidFill>
+                    <a:schemeClr val="bg1"/>
+                  </a:solidFill>
+                  <a:ea typeface="Segoe UI" pitchFamily="34" charset="0"/>
+                  <a:cs typeface="Segoe UI" pitchFamily="34" charset="0"/>
+                </a:rPr>
+                <a:t>Importers</a:t>
+              </a:r>
+            </a:p>
+          </p:txBody>
+        </p:sp>
+        <p:pic>
+          <p:nvPicPr>
+            <p:cNvPr id="1026" name="Picture 2" descr="Wide World Importers logo">
+              <a:extLst>
+                <a:ext uri="{FF2B5EF4-FFF2-40B4-BE49-F238E27FC236}">
+                  <a16:creationId xmlns:a16="http://schemas.microsoft.com/office/drawing/2014/main" id="{8C36AF72-3621-4717-BF07-D7D09FE37689}"/>
+                </a:ext>
+                <a:ext uri="{C183D7F6-B498-43B3-948B-1728B52AA6E4}">
+                  <adec:decorative xmlns:adec="http://schemas.microsoft.com/office/drawing/2017/decorative" val="0"/>
+                </a:ext>
+              </a:extLst>
+            </p:cNvPr>
+            <p:cNvPicPr>
+              <a:picLocks noChangeAspect="1" noChangeArrowheads="1"/>
+            </p:cNvPicPr>
+            <p:nvPr/>
+          </p:nvPicPr>
+          <p:blipFill>
+            <a:blip r:embed="rId3">
+              <a:extLst>
+                <a:ext uri="{28A0092B-C50C-407E-A947-70E740481C1C}">
+                  <a14:useLocalDpi xmlns:a14="http://schemas.microsoft.com/office/drawing/2010/main" val="0"/>
+                </a:ext>
+              </a:extLst>
+            </a:blip>
+            <a:srcRect/>
+            <a:stretch>
+              <a:fillRect/>
+            </a:stretch>
+          </p:blipFill>
+          <p:spPr bwMode="auto">
+            <a:xfrm>
+              <a:off x="7208299" y="2746609"/>
+              <a:ext cx="4186448" cy="1364782"/>
+            </a:xfrm>
+            <a:prstGeom prst="rect">
+              <a:avLst/>
+            </a:prstGeom>
+            <a:noFill/>
+            <a:extLst>
+              <a:ext uri="{909E8E84-426E-40DD-AFC4-6F175D3DCCD1}">
+                <a14:hiddenFill xmlns:a14="http://schemas.microsoft.com/office/drawing/2010/main">
+                  <a:solidFill>
+                    <a:srgbClr val="FFFFFF"/>
+                  </a:solidFill>
+                </a14:hiddenFill>
+              </a:ext>
+            </a:extLst>
+          </p:spPr>
+        </p:pic>
+      </p:grpSp>
     </p:spTree>
     <p:extLst>
       <p:ext uri="{BB962C8B-B14F-4D97-AF65-F5344CB8AC3E}">
@@ -27109,10 +29035,15 @@
             <p:ph type="body" sz="quarter" idx="10"/>
           </p:nvPr>
         </p:nvSpPr>
-        <p:spPr/>
+        <p:spPr>
+          <a:xfrm>
+            <a:off x="269239" y="1189177"/>
+            <a:ext cx="7399427" cy="5442144"/>
+          </a:xfrm>
+        </p:spPr>
         <p:txBody>
           <a:bodyPr>
-            <a:normAutofit fontScale="92500" lnSpcReduction="10000"/>
+            <a:normAutofit/>
           </a:bodyPr>
           <a:lstStyle/>
           <a:p>
@@ -27123,78 +29054,18 @@
                 </a:solidFill>
                 <a:latin typeface="+mj-lt"/>
               </a:rPr>
-              <a:t>Main topic 1: size 36pt</a:t>
-            </a:r>
-          </a:p>
-          <a:p>
-            <a:pPr lvl="1"/>
-            <a:r>
-              <a:rPr lang="en-US" sz="2800" dirty="0">
+              <a:t>WWI has expanded their traditional product offerings to online storefronts focused on specialized categories like automotive and consumer technology products.</a:t>
+            </a:r>
+          </a:p>
+          <a:p>
+            <a:r>
+              <a:rPr lang="en-US" sz="3600" dirty="0">
                 <a:solidFill>
                   <a:schemeClr val="tx1"/>
                 </a:solidFill>
-                <a:latin typeface="Segoe UI Semilight" panose="020B0402040204020203" pitchFamily="34" charset="0"/>
-                <a:cs typeface="Segoe UI Semilight" panose="020B0402040204020203" pitchFamily="34" charset="0"/>
               </a:rPr>
-              <a:t>Size 28pt for second leve</a:t>
-            </a:r>
-            <a:r>
-              <a:rPr lang="en-US" sz="2400" dirty="0">
-                <a:solidFill>
-                  <a:schemeClr val="tx1"/>
-                </a:solidFill>
-                <a:latin typeface="Segoe UI Semilight" panose="020B0402040204020203" pitchFamily="34" charset="0"/>
-                <a:cs typeface="Segoe UI Semilight" panose="020B0402040204020203" pitchFamily="34" charset="0"/>
-              </a:rPr>
-              <a:t>l</a:t>
-            </a:r>
-          </a:p>
-          <a:p>
-            <a:pPr lvl="1"/>
-            <a:r>
-              <a:rPr lang="en-US" sz="2400" dirty="0">
-                <a:solidFill>
-                  <a:schemeClr val="tx1"/>
-                </a:solidFill>
-                <a:latin typeface="Segoe UI Semilight" panose="020B0402040204020203" pitchFamily="34" charset="0"/>
-                <a:cs typeface="Segoe UI Semilight" panose="020B0402040204020203" pitchFamily="34" charset="0"/>
-              </a:rPr>
-              <a:t>Size 24pt for third level</a:t>
-            </a:r>
-          </a:p>
-          <a:p>
-            <a:pPr lvl="1"/>
-            <a:r>
-              <a:rPr lang="en-US" sz="2200" dirty="0">
-                <a:solidFill>
-                  <a:schemeClr val="tx1"/>
-                </a:solidFill>
-                <a:latin typeface="Segoe UI Semilight" panose="020B0402040204020203" pitchFamily="34" charset="0"/>
-                <a:cs typeface="Segoe UI Semilight" panose="020B0402040204020203" pitchFamily="34" charset="0"/>
-              </a:rPr>
-              <a:t>Size 22pt for fourth level</a:t>
-            </a:r>
-          </a:p>
-          <a:p>
-            <a:pPr lvl="1"/>
-            <a:r>
-              <a:rPr lang="en-US" sz="2200" dirty="0">
-                <a:solidFill>
-                  <a:schemeClr val="tx1"/>
-                </a:solidFill>
-                <a:latin typeface="Segoe UI Semilight" panose="020B0402040204020203" pitchFamily="34" charset="0"/>
-                <a:cs typeface="Segoe UI Semilight" panose="020B0402040204020203" pitchFamily="34" charset="0"/>
-              </a:rPr>
-              <a:t>Size 22pt for fifth level</a:t>
-            </a:r>
-          </a:p>
-          <a:p>
-            <a:pPr marL="0" indent="0">
-              <a:spcAft>
-                <a:spcPts val="882"/>
-              </a:spcAft>
-              <a:buNone/>
-            </a:pPr>
+              <a:t>This expansion has made it more challenging to analyze clickstream data, online ad performance, &amp; other marketing campaigns at scale from multiple sources.</a:t>
+            </a:r>
             <a:endParaRPr lang="en-US" sz="1800" dirty="0">
               <a:solidFill>
                 <a:schemeClr val="tx1"/>
@@ -27227,7 +29098,7 @@
                 </a:solidFill>
                 <a:cs typeface="Segoe UI" panose="020B0502040204020203" pitchFamily="34" charset="0"/>
               </a:rPr>
-              <a:t>Customer needs</a:t>
+              <a:t>Customer situation</a:t>
             </a:r>
             <a:br>
               <a:rPr lang="en-US" dirty="0">
@@ -27246,10 +29117,261 @@
           </a:p>
         </p:txBody>
       </p:sp>
+      <p:grpSp>
+        <p:nvGrpSpPr>
+          <p:cNvPr id="5" name="Group 4">
+            <a:extLst>
+              <a:ext uri="{FF2B5EF4-FFF2-40B4-BE49-F238E27FC236}">
+                <a16:creationId xmlns:a16="http://schemas.microsoft.com/office/drawing/2014/main" id="{FE2DEA3B-145E-4214-BFC7-3411D256A874}"/>
+              </a:ext>
+            </a:extLst>
+          </p:cNvPr>
+          <p:cNvGrpSpPr/>
+          <p:nvPr/>
+        </p:nvGrpSpPr>
+        <p:grpSpPr>
+          <a:xfrm>
+            <a:off x="7653973" y="1189176"/>
+            <a:ext cx="4186448" cy="4157062"/>
+            <a:chOff x="7208299" y="1273700"/>
+            <a:chExt cx="4186448" cy="4157062"/>
+          </a:xfrm>
+        </p:grpSpPr>
+        <p:sp>
+          <p:nvSpPr>
+            <p:cNvPr id="4" name="Oval 3">
+              <a:extLst>
+                <a:ext uri="{FF2B5EF4-FFF2-40B4-BE49-F238E27FC236}">
+                  <a16:creationId xmlns:a16="http://schemas.microsoft.com/office/drawing/2014/main" id="{2BF58F24-1FDA-44A7-A268-E299F176751A}"/>
+                </a:ext>
+              </a:extLst>
+            </p:cNvPr>
+            <p:cNvSpPr/>
+            <p:nvPr/>
+          </p:nvSpPr>
+          <p:spPr bwMode="auto">
+            <a:xfrm>
+              <a:off x="7222992" y="1273700"/>
+              <a:ext cx="4157062" cy="4157062"/>
+            </a:xfrm>
+            <a:prstGeom prst="ellipse">
+              <a:avLst/>
+            </a:prstGeom>
+            <a:solidFill>
+              <a:schemeClr val="tx1"/>
+            </a:solidFill>
+            <a:ln>
+              <a:noFill/>
+              <a:headEnd type="none" w="med" len="med"/>
+              <a:tailEnd type="none" w="med" len="med"/>
+            </a:ln>
+            <a:effectLst/>
+          </p:spPr>
+          <p:style>
+            <a:lnRef idx="1">
+              <a:schemeClr val="accent2"/>
+            </a:lnRef>
+            <a:fillRef idx="3">
+              <a:schemeClr val="accent2"/>
+            </a:fillRef>
+            <a:effectRef idx="2">
+              <a:schemeClr val="accent2"/>
+            </a:effectRef>
+            <a:fontRef idx="minor">
+              <a:schemeClr val="lt1"/>
+            </a:fontRef>
+          </p:style>
+          <p:txBody>
+            <a:bodyPr rot="0" spcFirstLastPara="0" vertOverflow="overflow" horzOverflow="overflow" vert="horz" wrap="square" lIns="182880" tIns="146304" rIns="182880" bIns="146304" numCol="1" spcCol="0" rtlCol="0" fromWordArt="0" anchor="t" anchorCtr="0" forceAA="0" compatLnSpc="1">
+              <a:prstTxWarp prst="textNoShape">
+                <a:avLst/>
+              </a:prstTxWarp>
+              <a:noAutofit/>
+            </a:bodyPr>
+            <a:lstStyle/>
+            <a:p>
+              <a:pPr algn="ctr" defTabSz="932472" fontAlgn="base">
+                <a:lnSpc>
+                  <a:spcPct val="90000"/>
+                </a:lnSpc>
+                <a:spcBef>
+                  <a:spcPct val="0"/>
+                </a:spcBef>
+                <a:spcAft>
+                  <a:spcPct val="0"/>
+                </a:spcAft>
+              </a:pPr>
+              <a:r>
+                <a:rPr lang="en-US" sz="3200" dirty="0">
+                  <a:solidFill>
+                    <a:schemeClr val="bg1"/>
+                  </a:solidFill>
+                  <a:ea typeface="Segoe UI" pitchFamily="34" charset="0"/>
+                  <a:cs typeface="Segoe UI" pitchFamily="34" charset="0"/>
+                </a:rPr>
+                <a:t>Wide World</a:t>
+              </a:r>
+            </a:p>
+            <a:p>
+              <a:pPr algn="ctr" defTabSz="932472" fontAlgn="base">
+                <a:lnSpc>
+                  <a:spcPct val="90000"/>
+                </a:lnSpc>
+                <a:spcBef>
+                  <a:spcPct val="0"/>
+                </a:spcBef>
+                <a:spcAft>
+                  <a:spcPct val="0"/>
+                </a:spcAft>
+              </a:pPr>
+              <a:endParaRPr lang="en-US" sz="3200" dirty="0">
+                <a:solidFill>
+                  <a:schemeClr val="bg1"/>
+                </a:solidFill>
+                <a:ea typeface="Segoe UI" pitchFamily="34" charset="0"/>
+                <a:cs typeface="Segoe UI" pitchFamily="34" charset="0"/>
+              </a:endParaRPr>
+            </a:p>
+            <a:p>
+              <a:pPr algn="ctr" defTabSz="932472" fontAlgn="base">
+                <a:lnSpc>
+                  <a:spcPct val="90000"/>
+                </a:lnSpc>
+                <a:spcBef>
+                  <a:spcPct val="0"/>
+                </a:spcBef>
+                <a:spcAft>
+                  <a:spcPct val="0"/>
+                </a:spcAft>
+              </a:pPr>
+              <a:endParaRPr lang="en-US" sz="3200" dirty="0">
+                <a:solidFill>
+                  <a:schemeClr val="bg1"/>
+                </a:solidFill>
+                <a:ea typeface="Segoe UI" pitchFamily="34" charset="0"/>
+                <a:cs typeface="Segoe UI" pitchFamily="34" charset="0"/>
+              </a:endParaRPr>
+            </a:p>
+            <a:p>
+              <a:pPr algn="ctr" defTabSz="932472" fontAlgn="base">
+                <a:lnSpc>
+                  <a:spcPct val="90000"/>
+                </a:lnSpc>
+                <a:spcBef>
+                  <a:spcPct val="0"/>
+                </a:spcBef>
+                <a:spcAft>
+                  <a:spcPct val="0"/>
+                </a:spcAft>
+              </a:pPr>
+              <a:endParaRPr lang="en-US" sz="3200" dirty="0">
+                <a:solidFill>
+                  <a:schemeClr val="bg1"/>
+                </a:solidFill>
+                <a:ea typeface="Segoe UI" pitchFamily="34" charset="0"/>
+                <a:cs typeface="Segoe UI" pitchFamily="34" charset="0"/>
+              </a:endParaRPr>
+            </a:p>
+            <a:p>
+              <a:pPr algn="ctr" defTabSz="932472" fontAlgn="base">
+                <a:lnSpc>
+                  <a:spcPct val="90000"/>
+                </a:lnSpc>
+                <a:spcBef>
+                  <a:spcPct val="0"/>
+                </a:spcBef>
+                <a:spcAft>
+                  <a:spcPct val="0"/>
+                </a:spcAft>
+              </a:pPr>
+              <a:endParaRPr lang="en-US" sz="3200" dirty="0">
+                <a:solidFill>
+                  <a:schemeClr val="bg1"/>
+                </a:solidFill>
+                <a:ea typeface="Segoe UI" pitchFamily="34" charset="0"/>
+                <a:cs typeface="Segoe UI" pitchFamily="34" charset="0"/>
+              </a:endParaRPr>
+            </a:p>
+            <a:p>
+              <a:pPr algn="ctr" defTabSz="932472" fontAlgn="base">
+                <a:lnSpc>
+                  <a:spcPct val="90000"/>
+                </a:lnSpc>
+                <a:spcBef>
+                  <a:spcPct val="0"/>
+                </a:spcBef>
+                <a:spcAft>
+                  <a:spcPct val="0"/>
+                </a:spcAft>
+              </a:pPr>
+              <a:r>
+                <a:rPr lang="en-US" sz="3200" dirty="0">
+                  <a:solidFill>
+                    <a:schemeClr val="bg1"/>
+                  </a:solidFill>
+                  <a:ea typeface="Segoe UI" pitchFamily="34" charset="0"/>
+                  <a:cs typeface="Segoe UI" pitchFamily="34" charset="0"/>
+                </a:rPr>
+                <a:t>Importers</a:t>
+              </a:r>
+            </a:p>
+          </p:txBody>
+        </p:sp>
+        <p:pic>
+          <p:nvPicPr>
+            <p:cNvPr id="1026" name="Picture 2" descr="Wide World Importers logo">
+              <a:extLst>
+                <a:ext uri="{FF2B5EF4-FFF2-40B4-BE49-F238E27FC236}">
+                  <a16:creationId xmlns:a16="http://schemas.microsoft.com/office/drawing/2014/main" id="{8C36AF72-3621-4717-BF07-D7D09FE37689}"/>
+                </a:ext>
+                <a:ext uri="{C183D7F6-B498-43B3-948B-1728B52AA6E4}">
+                  <adec:decorative xmlns:adec="http://schemas.microsoft.com/office/drawing/2017/decorative" val="0"/>
+                </a:ext>
+              </a:extLst>
+            </p:cNvPr>
+            <p:cNvPicPr>
+              <a:picLocks noChangeAspect="1" noChangeArrowheads="1"/>
+            </p:cNvPicPr>
+            <p:nvPr/>
+          </p:nvPicPr>
+          <p:blipFill>
+            <a:blip r:embed="rId3">
+              <a:extLst>
+                <a:ext uri="{28A0092B-C50C-407E-A947-70E740481C1C}">
+                  <a14:useLocalDpi xmlns:a14="http://schemas.microsoft.com/office/drawing/2010/main" val="0"/>
+                </a:ext>
+              </a:extLst>
+            </a:blip>
+            <a:srcRect/>
+            <a:stretch>
+              <a:fillRect/>
+            </a:stretch>
+          </p:blipFill>
+          <p:spPr bwMode="auto">
+            <a:xfrm>
+              <a:off x="7208299" y="2746609"/>
+              <a:ext cx="4186448" cy="1364782"/>
+            </a:xfrm>
+            <a:prstGeom prst="rect">
+              <a:avLst/>
+            </a:prstGeom>
+            <a:noFill/>
+            <a:extLst>
+              <a:ext uri="{909E8E84-426E-40DD-AFC4-6F175D3DCCD1}">
+                <a14:hiddenFill xmlns:a14="http://schemas.microsoft.com/office/drawing/2010/main">
+                  <a:solidFill>
+                    <a:srgbClr val="FFFFFF"/>
+                  </a:solidFill>
+                </a14:hiddenFill>
+              </a:ext>
+            </a:extLst>
+          </p:spPr>
+        </p:pic>
+      </p:grpSp>
     </p:spTree>
     <p:extLst>
       <p:ext uri="{BB962C8B-B14F-4D97-AF65-F5344CB8AC3E}">
-        <p14:creationId xmlns:p14="http://schemas.microsoft.com/office/powerpoint/2010/main" val="3923265977"/>
+        <p14:creationId xmlns:p14="http://schemas.microsoft.com/office/powerpoint/2010/main" val="3036229588"/>
       </p:ext>
     </p:extLst>
   </p:cSld>
@@ -27294,10 +29416,15 @@
             <p:ph type="body" sz="quarter" idx="10"/>
           </p:nvPr>
         </p:nvSpPr>
-        <p:spPr/>
+        <p:spPr>
+          <a:xfrm>
+            <a:off x="269239" y="1189177"/>
+            <a:ext cx="7991097" cy="5903186"/>
+          </a:xfrm>
+        </p:spPr>
         <p:txBody>
           <a:bodyPr>
-            <a:normAutofit fontScale="92500" lnSpcReduction="10000"/>
+            <a:normAutofit/>
           </a:bodyPr>
           <a:lstStyle/>
           <a:p>
@@ -27308,83 +29435,77 @@
                 </a:solidFill>
                 <a:latin typeface="+mj-lt"/>
               </a:rPr>
-              <a:t>Main topic 1: size 36pt</a:t>
-            </a:r>
+              <a:t>Current challenges:</a:t>
+            </a:r>
+            <a:endParaRPr lang="en-US" sz="232" dirty="0">
+              <a:solidFill>
+                <a:schemeClr val="tx1"/>
+              </a:solidFill>
+              <a:latin typeface="+mj-lt"/>
+            </a:endParaRPr>
           </a:p>
           <a:p>
             <a:pPr lvl="1"/>
+            <a:r>
+              <a:rPr lang="en-US" sz="2800" b="1" i="1" dirty="0">
+                <a:solidFill>
+                  <a:schemeClr val="tx1"/>
+                </a:solidFill>
+                <a:latin typeface="+mj-lt"/>
+              </a:rPr>
+              <a:t>Scale</a:t>
+            </a:r>
             <a:r>
               <a:rPr lang="en-US" sz="2800" dirty="0">
                 <a:solidFill>
                   <a:schemeClr val="tx1"/>
                 </a:solidFill>
-                <a:latin typeface="Segoe UI Semilight" panose="020B0402040204020203" pitchFamily="34" charset="0"/>
-                <a:cs typeface="Segoe UI Semilight" panose="020B0402040204020203" pitchFamily="34" charset="0"/>
+                <a:latin typeface="+mj-lt"/>
               </a:rPr>
-              <a:t>Size 28pt for second leve</a:t>
-            </a:r>
-            <a:r>
-              <a:rPr lang="en-US" sz="2400" dirty="0">
+              <a:t> – historical data growing by almost 3 GB rows of data/month. Queries taking longer to complete</a:t>
+            </a:r>
+          </a:p>
+          <a:p>
+            <a:pPr lvl="1"/>
+            <a:r>
+              <a:rPr lang="en-US" sz="2800" b="1" i="1" dirty="0">
                 <a:solidFill>
                   <a:schemeClr val="tx1"/>
                 </a:solidFill>
-                <a:latin typeface="Segoe UI Semilight" panose="020B0402040204020203" pitchFamily="34" charset="0"/>
-                <a:cs typeface="Segoe UI Semilight" panose="020B0402040204020203" pitchFamily="34" charset="0"/>
+                <a:latin typeface="+mj-lt"/>
               </a:rPr>
-              <a:t>l</a:t>
-            </a:r>
-          </a:p>
-          <a:p>
-            <a:pPr lvl="1"/>
-            <a:r>
-              <a:rPr lang="en-US" sz="2400" dirty="0">
+              <a:t>Multi-tenancy</a:t>
+            </a:r>
+            <a:r>
+              <a:rPr lang="en-US" sz="2800" dirty="0">
                 <a:solidFill>
                   <a:schemeClr val="tx1"/>
                 </a:solidFill>
-                <a:latin typeface="Segoe UI Semilight" panose="020B0402040204020203" pitchFamily="34" charset="0"/>
-                <a:cs typeface="Segoe UI Semilight" panose="020B0402040204020203" pitchFamily="34" charset="0"/>
+                <a:latin typeface="+mj-lt"/>
               </a:rPr>
-              <a:t>Size 24pt for third level</a:t>
+              <a:t> – Unbalanced load between various store fronts means multi-tenancy would be preferred, but concerned about increased complexity and maintenance</a:t>
             </a:r>
           </a:p>
           <a:p>
             <a:pPr lvl="1"/>
             <a:r>
-              <a:rPr lang="en-US" sz="2200" dirty="0">
+              <a:rPr lang="en-US" sz="2800" b="1" i="1" dirty="0">
                 <a:solidFill>
                   <a:schemeClr val="tx1"/>
                 </a:solidFill>
-                <a:latin typeface="Segoe UI Semilight" panose="020B0402040204020203" pitchFamily="34" charset="0"/>
-                <a:cs typeface="Segoe UI Semilight" panose="020B0402040204020203" pitchFamily="34" charset="0"/>
+                <a:latin typeface="+mj-lt"/>
               </a:rPr>
-              <a:t>Size 22pt for fourth level</a:t>
-            </a:r>
-          </a:p>
-          <a:p>
-            <a:pPr lvl="1"/>
-            <a:r>
-              <a:rPr lang="en-US" sz="2200" dirty="0">
+              <a:t>Process data while generating rollups</a:t>
+            </a:r>
+            <a:r>
+              <a:rPr lang="en-US" sz="2800" dirty="0">
                 <a:solidFill>
                   <a:schemeClr val="tx1"/>
                 </a:solidFill>
-                <a:latin typeface="Segoe UI Semilight" panose="020B0402040204020203" pitchFamily="34" charset="0"/>
-                <a:cs typeface="Segoe UI Semilight" panose="020B0402040204020203" pitchFamily="34" charset="0"/>
+                <a:latin typeface="+mj-lt"/>
               </a:rPr>
-              <a:t>Size 22pt for fifth level</a:t>
-            </a:r>
-          </a:p>
-          <a:p>
-            <a:pPr marL="0" indent="0">
-              <a:spcAft>
-                <a:spcPts val="882"/>
-              </a:spcAft>
-              <a:buNone/>
-            </a:pPr>
-            <a:endParaRPr lang="en-US" sz="1800" dirty="0">
-              <a:solidFill>
-                <a:schemeClr val="tx1"/>
-              </a:solidFill>
-            </a:endParaRPr>
+              <a:t> – Difficulty processing real-time streams and efficiently running aggregate queries for reporting and dashboards. Would like to be able to scale up and out as needed</a:t>
+            </a:r>
           </a:p>
         </p:txBody>
       </p:sp>
@@ -27412,7 +29533,7 @@
                 </a:solidFill>
                 <a:cs typeface="Segoe UI" panose="020B0502040204020203" pitchFamily="34" charset="0"/>
               </a:rPr>
-              <a:t>Customer objections</a:t>
+              <a:t>Customer situation</a:t>
             </a:r>
             <a:br>
               <a:rPr lang="en-US" dirty="0">
@@ -27431,10 +29552,136 @@
           </a:p>
         </p:txBody>
       </p:sp>
+      <p:pic>
+        <p:nvPicPr>
+          <p:cNvPr id="7" name="Graphic 6">
+            <a:extLst>
+              <a:ext uri="{FF2B5EF4-FFF2-40B4-BE49-F238E27FC236}">
+                <a16:creationId xmlns:a16="http://schemas.microsoft.com/office/drawing/2014/main" id="{9DE86AF6-2651-493E-BD83-6EAEAE0943E0}"/>
+              </a:ext>
+              <a:ext uri="{C183D7F6-B498-43B3-948B-1728B52AA6E4}">
+                <adec:decorative xmlns:adec="http://schemas.microsoft.com/office/drawing/2017/decorative" val="1"/>
+              </a:ext>
+            </a:extLst>
+          </p:cNvPr>
+          <p:cNvPicPr>
+            <a:picLocks noChangeAspect="1"/>
+          </p:cNvPicPr>
+          <p:nvPr/>
+        </p:nvPicPr>
+        <p:blipFill>
+          <a:blip r:embed="rId3">
+            <a:extLst>
+              <a:ext uri="{28A0092B-C50C-407E-A947-70E740481C1C}">
+                <a14:useLocalDpi xmlns:a14="http://schemas.microsoft.com/office/drawing/2010/main" val="0"/>
+              </a:ext>
+              <a:ext uri="{96DAC541-7B7A-43D3-8B79-37D633B846F1}">
+                <asvg:svgBlip xmlns:asvg="http://schemas.microsoft.com/office/drawing/2016/SVG/main" r:embed="rId4"/>
+              </a:ext>
+            </a:extLst>
+          </a:blip>
+          <a:stretch>
+            <a:fillRect/>
+          </a:stretch>
+        </p:blipFill>
+        <p:spPr>
+          <a:xfrm>
+            <a:off x="9642182" y="719811"/>
+            <a:ext cx="1201174" cy="1201174"/>
+          </a:xfrm>
+          <a:prstGeom prst="rect">
+            <a:avLst/>
+          </a:prstGeom>
+        </p:spPr>
+      </p:pic>
+      <p:pic>
+        <p:nvPicPr>
+          <p:cNvPr id="9" name="Graphic 8">
+            <a:extLst>
+              <a:ext uri="{FF2B5EF4-FFF2-40B4-BE49-F238E27FC236}">
+                <a16:creationId xmlns:a16="http://schemas.microsoft.com/office/drawing/2014/main" id="{B3586CE0-1910-4603-B275-B3FCE65822D3}"/>
+              </a:ext>
+              <a:ext uri="{C183D7F6-B498-43B3-948B-1728B52AA6E4}">
+                <adec:decorative xmlns:adec="http://schemas.microsoft.com/office/drawing/2017/decorative" val="1"/>
+              </a:ext>
+            </a:extLst>
+          </p:cNvPr>
+          <p:cNvPicPr>
+            <a:picLocks noChangeAspect="1"/>
+          </p:cNvPicPr>
+          <p:nvPr/>
+        </p:nvPicPr>
+        <p:blipFill>
+          <a:blip r:embed="rId5">
+            <a:extLst>
+              <a:ext uri="{28A0092B-C50C-407E-A947-70E740481C1C}">
+                <a14:useLocalDpi xmlns:a14="http://schemas.microsoft.com/office/drawing/2010/main" val="0"/>
+              </a:ext>
+              <a:ext uri="{96DAC541-7B7A-43D3-8B79-37D633B846F1}">
+                <asvg:svgBlip xmlns:asvg="http://schemas.microsoft.com/office/drawing/2016/SVG/main" r:embed="rId6"/>
+              </a:ext>
+            </a:extLst>
+          </a:blip>
+          <a:stretch>
+            <a:fillRect/>
+          </a:stretch>
+        </p:blipFill>
+        <p:spPr>
+          <a:xfrm>
+            <a:off x="9642182" y="4892095"/>
+            <a:ext cx="1246094" cy="1246094"/>
+          </a:xfrm>
+          <a:prstGeom prst="rect">
+            <a:avLst/>
+          </a:prstGeom>
+        </p:spPr>
+      </p:pic>
+      <p:pic>
+        <p:nvPicPr>
+          <p:cNvPr id="11" name="Graphic 10">
+            <a:extLst>
+              <a:ext uri="{FF2B5EF4-FFF2-40B4-BE49-F238E27FC236}">
+                <a16:creationId xmlns:a16="http://schemas.microsoft.com/office/drawing/2014/main" id="{A55DA739-6779-4B43-A6B5-7004E2229119}"/>
+              </a:ext>
+              <a:ext uri="{C183D7F6-B498-43B3-948B-1728B52AA6E4}">
+                <adec:decorative xmlns:adec="http://schemas.microsoft.com/office/drawing/2017/decorative" val="1"/>
+              </a:ext>
+            </a:extLst>
+          </p:cNvPr>
+          <p:cNvPicPr>
+            <a:picLocks noChangeAspect="1"/>
+          </p:cNvPicPr>
+          <p:nvPr/>
+        </p:nvPicPr>
+        <p:blipFill>
+          <a:blip r:embed="rId7">
+            <a:extLst>
+              <a:ext uri="{28A0092B-C50C-407E-A947-70E740481C1C}">
+                <a14:useLocalDpi xmlns:a14="http://schemas.microsoft.com/office/drawing/2010/main" val="0"/>
+              </a:ext>
+              <a:ext uri="{96DAC541-7B7A-43D3-8B79-37D633B846F1}">
+                <asvg:svgBlip xmlns:asvg="http://schemas.microsoft.com/office/drawing/2016/SVG/main" r:embed="rId8"/>
+              </a:ext>
+            </a:extLst>
+          </a:blip>
+          <a:stretch>
+            <a:fillRect/>
+          </a:stretch>
+        </p:blipFill>
+        <p:spPr>
+          <a:xfrm>
+            <a:off x="9448840" y="2590151"/>
+            <a:ext cx="1632777" cy="1632777"/>
+          </a:xfrm>
+          <a:prstGeom prst="rect">
+            <a:avLst/>
+          </a:prstGeom>
+        </p:spPr>
+      </p:pic>
     </p:spTree>
     <p:extLst>
       <p:ext uri="{BB962C8B-B14F-4D97-AF65-F5344CB8AC3E}">
-        <p14:creationId xmlns:p14="http://schemas.microsoft.com/office/powerpoint/2010/main" val="601339970"/>
+        <p14:creationId xmlns:p14="http://schemas.microsoft.com/office/powerpoint/2010/main" val="1219352581"/>
       </p:ext>
     </p:extLst>
   </p:cSld>
@@ -27479,10 +29726,15 @@
             <p:ph type="body" sz="quarter" idx="10"/>
           </p:nvPr>
         </p:nvSpPr>
-        <p:spPr/>
+        <p:spPr>
+          <a:xfrm>
+            <a:off x="269239" y="1189177"/>
+            <a:ext cx="7991097" cy="5903186"/>
+          </a:xfrm>
+        </p:spPr>
         <p:txBody>
           <a:bodyPr>
-            <a:normAutofit fontScale="92500" lnSpcReduction="10000"/>
+            <a:normAutofit/>
           </a:bodyPr>
           <a:lstStyle/>
           <a:p>
@@ -27493,83 +29745,56 @@
                 </a:solidFill>
                 <a:latin typeface="+mj-lt"/>
               </a:rPr>
-              <a:t>Main topic 1: size 36pt</a:t>
-            </a:r>
+              <a:t>Current challenges:</a:t>
+            </a:r>
+            <a:endParaRPr lang="en-US" sz="232" dirty="0">
+              <a:solidFill>
+                <a:schemeClr val="tx1"/>
+              </a:solidFill>
+              <a:latin typeface="+mj-lt"/>
+            </a:endParaRPr>
           </a:p>
           <a:p>
             <a:pPr lvl="1"/>
+            <a:r>
+              <a:rPr lang="en-US" sz="2800" b="1" i="1" dirty="0">
+                <a:solidFill>
+                  <a:schemeClr val="tx1"/>
+                </a:solidFill>
+                <a:latin typeface="+mj-lt"/>
+              </a:rPr>
+              <a:t>Resilient stream processing</a:t>
+            </a:r>
             <a:r>
               <a:rPr lang="en-US" sz="2800" dirty="0">
                 <a:solidFill>
                   <a:schemeClr val="tx1"/>
                 </a:solidFill>
-                <a:latin typeface="Segoe UI Semilight" panose="020B0402040204020203" pitchFamily="34" charset="0"/>
-                <a:cs typeface="Segoe UI Semilight" panose="020B0402040204020203" pitchFamily="34" charset="0"/>
+                <a:latin typeface="+mj-lt"/>
               </a:rPr>
-              <a:t>Size 28pt for second leve</a:t>
-            </a:r>
-            <a:r>
-              <a:rPr lang="en-US" sz="2400" dirty="0">
+              <a:t> – Currently processing stream data with load-balanced web-based clusters. Processing failures and halted processing results in lost data. Would like a more resilient option that isn’t overly complex</a:t>
+            </a:r>
+          </a:p>
+          <a:p>
+            <a:pPr lvl="1"/>
+            <a:r>
+              <a:rPr lang="en-US" sz="2800" b="1" i="1" dirty="0">
                 <a:solidFill>
                   <a:schemeClr val="tx1"/>
                 </a:solidFill>
-                <a:latin typeface="Segoe UI Semilight" panose="020B0402040204020203" pitchFamily="34" charset="0"/>
-                <a:cs typeface="Segoe UI Semilight" panose="020B0402040204020203" pitchFamily="34" charset="0"/>
+                <a:latin typeface="+mj-lt"/>
               </a:rPr>
-              <a:t>l</a:t>
-            </a:r>
-          </a:p>
-          <a:p>
-            <a:pPr lvl="1"/>
-            <a:r>
-              <a:rPr lang="en-US" sz="2400" dirty="0">
+              <a:t>Advanced dashboards</a:t>
+            </a:r>
+            <a:r>
+              <a:rPr lang="en-US" sz="2800" dirty="0">
                 <a:solidFill>
                   <a:schemeClr val="tx1"/>
                 </a:solidFill>
-                <a:latin typeface="Segoe UI Semilight" panose="020B0402040204020203" pitchFamily="34" charset="0"/>
-                <a:cs typeface="Segoe UI Semilight" panose="020B0402040204020203" pitchFamily="34" charset="0"/>
+                <a:latin typeface="+mj-lt"/>
               </a:rPr>
-              <a:t>Size 24pt for third level</a:t>
-            </a:r>
-          </a:p>
-          <a:p>
-            <a:pPr lvl="1"/>
-            <a:r>
-              <a:rPr lang="en-US" sz="2200" dirty="0">
-                <a:solidFill>
-                  <a:schemeClr val="tx1"/>
-                </a:solidFill>
-                <a:latin typeface="Segoe UI Semilight" panose="020B0402040204020203" pitchFamily="34" charset="0"/>
-                <a:cs typeface="Segoe UI Semilight" panose="020B0402040204020203" pitchFamily="34" charset="0"/>
-              </a:rPr>
-              <a:t>Size 22pt for fourth level</a:t>
-            </a:r>
-          </a:p>
-          <a:p>
-            <a:pPr lvl="1"/>
-            <a:r>
-              <a:rPr lang="en-US" sz="2200" dirty="0">
-                <a:solidFill>
-                  <a:schemeClr val="tx1"/>
-                </a:solidFill>
-                <a:latin typeface="Segoe UI Semilight" panose="020B0402040204020203" pitchFamily="34" charset="0"/>
-                <a:cs typeface="Segoe UI Semilight" panose="020B0402040204020203" pitchFamily="34" charset="0"/>
-              </a:rPr>
-              <a:t>Size 22pt for fifth level</a:t>
-            </a:r>
-          </a:p>
-          <a:p>
-            <a:pPr marL="0" indent="0">
-              <a:spcAft>
-                <a:spcPts val="882"/>
-              </a:spcAft>
-              <a:buNone/>
-            </a:pPr>
-            <a:endParaRPr lang="en-US" sz="1800" dirty="0">
-              <a:solidFill>
-                <a:schemeClr val="tx1"/>
-              </a:solidFill>
-            </a:endParaRPr>
+              <a:t> – Would like a faster way to create advanced reports and dashboards with compelling visualizations that can be customized and easily shared</a:t>
+            </a:r>
           </a:p>
         </p:txBody>
       </p:sp>
@@ -27597,7 +29822,7 @@
                 </a:solidFill>
                 <a:cs typeface="Segoe UI" panose="020B0502040204020203" pitchFamily="34" charset="0"/>
               </a:rPr>
-              <a:t>Common scenarios</a:t>
+              <a:t>Customer situation</a:t>
             </a:r>
             <a:br>
               <a:rPr lang="en-US" dirty="0">
@@ -27616,10 +29841,94 @@
           </a:p>
         </p:txBody>
       </p:sp>
+      <p:pic>
+        <p:nvPicPr>
+          <p:cNvPr id="5" name="Graphic 4">
+            <a:extLst>
+              <a:ext uri="{FF2B5EF4-FFF2-40B4-BE49-F238E27FC236}">
+                <a16:creationId xmlns:a16="http://schemas.microsoft.com/office/drawing/2014/main" id="{3F6DF492-2830-469E-9249-920BD3829A87}"/>
+              </a:ext>
+              <a:ext uri="{C183D7F6-B498-43B3-948B-1728B52AA6E4}">
+                <adec:decorative xmlns:adec="http://schemas.microsoft.com/office/drawing/2017/decorative" val="1"/>
+              </a:ext>
+            </a:extLst>
+          </p:cNvPr>
+          <p:cNvPicPr>
+            <a:picLocks noChangeAspect="1"/>
+          </p:cNvPicPr>
+          <p:nvPr/>
+        </p:nvPicPr>
+        <p:blipFill>
+          <a:blip r:embed="rId3">
+            <a:extLst>
+              <a:ext uri="{28A0092B-C50C-407E-A947-70E740481C1C}">
+                <a14:useLocalDpi xmlns:a14="http://schemas.microsoft.com/office/drawing/2010/main" val="0"/>
+              </a:ext>
+              <a:ext uri="{96DAC541-7B7A-43D3-8B79-37D633B846F1}">
+                <asvg:svgBlip xmlns:asvg="http://schemas.microsoft.com/office/drawing/2016/SVG/main" r:embed="rId4"/>
+              </a:ext>
+            </a:extLst>
+          </a:blip>
+          <a:stretch>
+            <a:fillRect/>
+          </a:stretch>
+        </p:blipFill>
+        <p:spPr>
+          <a:xfrm>
+            <a:off x="9642183" y="3880826"/>
+            <a:ext cx="1201172" cy="1201172"/>
+          </a:xfrm>
+          <a:prstGeom prst="rect">
+            <a:avLst/>
+          </a:prstGeom>
+        </p:spPr>
+      </p:pic>
+      <p:pic>
+        <p:nvPicPr>
+          <p:cNvPr id="8" name="Graphic 7">
+            <a:extLst>
+              <a:ext uri="{FF2B5EF4-FFF2-40B4-BE49-F238E27FC236}">
+                <a16:creationId xmlns:a16="http://schemas.microsoft.com/office/drawing/2014/main" id="{8189838A-F16F-4293-A369-24FE8EE6310E}"/>
+              </a:ext>
+              <a:ext uri="{C183D7F6-B498-43B3-948B-1728B52AA6E4}">
+                <adec:decorative xmlns:adec="http://schemas.microsoft.com/office/drawing/2017/decorative" val="1"/>
+              </a:ext>
+            </a:extLst>
+          </p:cNvPr>
+          <p:cNvPicPr>
+            <a:picLocks noChangeAspect="1"/>
+          </p:cNvPicPr>
+          <p:nvPr/>
+        </p:nvPicPr>
+        <p:blipFill>
+          <a:blip r:embed="rId5">
+            <a:extLst>
+              <a:ext uri="{28A0092B-C50C-407E-A947-70E740481C1C}">
+                <a14:useLocalDpi xmlns:a14="http://schemas.microsoft.com/office/drawing/2010/main" val="0"/>
+              </a:ext>
+              <a:ext uri="{96DAC541-7B7A-43D3-8B79-37D633B846F1}">
+                <asvg:svgBlip xmlns:asvg="http://schemas.microsoft.com/office/drawing/2016/SVG/main" r:embed="rId6"/>
+              </a:ext>
+            </a:extLst>
+          </a:blip>
+          <a:stretch>
+            <a:fillRect/>
+          </a:stretch>
+        </p:blipFill>
+        <p:spPr>
+          <a:xfrm>
+            <a:off x="9642182" y="1629318"/>
+            <a:ext cx="1201173" cy="1201173"/>
+          </a:xfrm>
+          <a:prstGeom prst="rect">
+            <a:avLst/>
+          </a:prstGeom>
+        </p:spPr>
+      </p:pic>
     </p:spTree>
     <p:extLst>
       <p:ext uri="{BB962C8B-B14F-4D97-AF65-F5344CB8AC3E}">
-        <p14:creationId xmlns:p14="http://schemas.microsoft.com/office/powerpoint/2010/main" val="3705119090"/>
+        <p14:creationId xmlns:p14="http://schemas.microsoft.com/office/powerpoint/2010/main" val="3979760991"/>
       </p:ext>
     </p:extLst>
   </p:cSld>
@@ -27656,6 +29965,110 @@
       </p:grpSpPr>
       <p:sp>
         <p:nvSpPr>
+          <p:cNvPr id="3" name="Content Placeholder 2"/>
+          <p:cNvSpPr>
+            <a:spLocks noGrp="1"/>
+          </p:cNvSpPr>
+          <p:nvPr>
+            <p:ph type="body" sz="quarter" idx="10"/>
+          </p:nvPr>
+        </p:nvSpPr>
+        <p:spPr/>
+        <p:txBody>
+          <a:bodyPr>
+            <a:normAutofit fontScale="92500" lnSpcReduction="10000"/>
+          </a:bodyPr>
+          <a:lstStyle/>
+          <a:p>
+            <a:r>
+              <a:rPr lang="en-US" sz="3600" dirty="0">
+                <a:solidFill>
+                  <a:schemeClr val="tx1"/>
+                </a:solidFill>
+                <a:latin typeface="+mj-lt"/>
+              </a:rPr>
+              <a:t>Main topic 1: size 36pt</a:t>
+            </a:r>
+          </a:p>
+          <a:p>
+            <a:pPr lvl="1"/>
+            <a:r>
+              <a:rPr lang="en-US" sz="2800" dirty="0">
+                <a:solidFill>
+                  <a:schemeClr val="tx1"/>
+                </a:solidFill>
+                <a:latin typeface="Segoe UI Semilight" panose="020B0402040204020203" pitchFamily="34" charset="0"/>
+                <a:cs typeface="Segoe UI Semilight" panose="020B0402040204020203" pitchFamily="34" charset="0"/>
+              </a:rPr>
+              <a:t>Size 28pt for second leve</a:t>
+            </a:r>
+            <a:r>
+              <a:rPr lang="en-US" sz="2400" dirty="0">
+                <a:solidFill>
+                  <a:schemeClr val="tx1"/>
+                </a:solidFill>
+                <a:latin typeface="Segoe UI Semilight" panose="020B0402040204020203" pitchFamily="34" charset="0"/>
+                <a:cs typeface="Segoe UI Semilight" panose="020B0402040204020203" pitchFamily="34" charset="0"/>
+              </a:rPr>
+              <a:t>l</a:t>
+            </a:r>
+          </a:p>
+          <a:p>
+            <a:pPr lvl="1"/>
+            <a:r>
+              <a:rPr lang="en-US" sz="2400" dirty="0">
+                <a:solidFill>
+                  <a:schemeClr val="tx1"/>
+                </a:solidFill>
+                <a:latin typeface="Segoe UI Semilight" panose="020B0402040204020203" pitchFamily="34" charset="0"/>
+                <a:cs typeface="Segoe UI Semilight" panose="020B0402040204020203" pitchFamily="34" charset="0"/>
+              </a:rPr>
+              <a:t>Size 24pt for third level</a:t>
+            </a:r>
+          </a:p>
+          <a:p>
+            <a:pPr lvl="1"/>
+            <a:r>
+              <a:rPr lang="en-US" sz="2200" dirty="0">
+                <a:solidFill>
+                  <a:schemeClr val="tx1"/>
+                </a:solidFill>
+                <a:latin typeface="Segoe UI Semilight" panose="020B0402040204020203" pitchFamily="34" charset="0"/>
+                <a:cs typeface="Segoe UI Semilight" panose="020B0402040204020203" pitchFamily="34" charset="0"/>
+              </a:rPr>
+              <a:t>Size 22pt for fourth level</a:t>
+            </a:r>
+          </a:p>
+          <a:p>
+            <a:pPr lvl="1"/>
+            <a:r>
+              <a:rPr lang="en-US" sz="2200" dirty="0">
+                <a:solidFill>
+                  <a:schemeClr val="tx1"/>
+                </a:solidFill>
+                <a:latin typeface="Segoe UI Semilight" panose="020B0402040204020203" pitchFamily="34" charset="0"/>
+                <a:cs typeface="Segoe UI Semilight" panose="020B0402040204020203" pitchFamily="34" charset="0"/>
+              </a:rPr>
+              <a:t>Size 22pt for fifth level</a:t>
+            </a:r>
+          </a:p>
+          <a:p>
+            <a:pPr marL="0" indent="0">
+              <a:spcAft>
+                <a:spcPts val="882"/>
+              </a:spcAft>
+              <a:buNone/>
+            </a:pPr>
+            <a:endParaRPr lang="en-US" sz="1800" dirty="0">
+              <a:solidFill>
+                <a:schemeClr val="tx1"/>
+              </a:solidFill>
+            </a:endParaRPr>
+          </a:p>
+        </p:txBody>
+      </p:sp>
+      <p:sp>
+        <p:nvSpPr>
           <p:cNvPr id="2" name="Title 1"/>
           <p:cNvSpPr>
             <a:spLocks noGrp="1"/>
@@ -27664,512 +30077,43 @@
             <p:ph type="title"/>
           </p:nvPr>
         </p:nvSpPr>
-        <p:spPr>
-          <a:xfrm>
-            <a:off x="291012" y="289511"/>
-            <a:ext cx="11655840" cy="899665"/>
-          </a:xfrm>
-        </p:spPr>
+        <p:spPr/>
         <p:txBody>
           <a:bodyPr>
-            <a:normAutofit/>
+            <a:normAutofit fontScale="90000"/>
           </a:bodyPr>
           <a:lstStyle/>
           <a:p>
             <a:r>
-              <a:rPr lang="en-US" sz="4400" dirty="0">
+              <a:rPr lang="en-US" sz="4900" dirty="0">
                 <a:solidFill>
                   <a:schemeClr val="tx1"/>
                 </a:solidFill>
-                <a:latin typeface="Segoe UI Light" panose="020B0502040204020203" pitchFamily="34" charset="0"/>
-                <a:cs typeface="Segoe UI Light" panose="020B0502040204020203" pitchFamily="34" charset="0"/>
+                <a:cs typeface="Segoe UI" panose="020B0502040204020203" pitchFamily="34" charset="0"/>
               </a:rPr>
-              <a:t>Step 2: Design the solution</a:t>
-            </a:r>
+              <a:t>Customer needs</a:t>
+            </a:r>
+            <a:br>
+              <a:rPr lang="en-US" dirty="0">
+                <a:solidFill>
+                  <a:schemeClr val="tx1"/>
+                </a:solidFill>
+                <a:latin typeface="Segoe UI" panose="020B0502040204020203" pitchFamily="34" charset="0"/>
+              </a:rPr>
+            </a:br>
+            <a:endParaRPr lang="en-US" sz="3236" dirty="0">
+              <a:solidFill>
+                <a:schemeClr val="tx1"/>
+              </a:solidFill>
+              <a:latin typeface="Segoe UI" panose="020B0502040204020203" pitchFamily="34" charset="0"/>
+            </a:endParaRPr>
           </a:p>
         </p:txBody>
       </p:sp>
-      <p:sp>
-        <p:nvSpPr>
-          <p:cNvPr id="9" name="TextBox 8">
-            <a:extLst>
-              <a:ext uri="{FF2B5EF4-FFF2-40B4-BE49-F238E27FC236}">
-                <a16:creationId xmlns:a16="http://schemas.microsoft.com/office/drawing/2014/main" id="{0F86F9F9-39B5-4CE6-AF48-9ADAE40EA728}"/>
-              </a:ext>
-            </a:extLst>
-          </p:cNvPr>
-          <p:cNvSpPr txBox="1"/>
-          <p:nvPr/>
-        </p:nvSpPr>
-        <p:spPr>
-          <a:xfrm>
-            <a:off x="362057" y="1741246"/>
-            <a:ext cx="10652686" cy="2930033"/>
-          </a:xfrm>
-          <a:prstGeom prst="rect">
-            <a:avLst/>
-          </a:prstGeom>
-          <a:noFill/>
-        </p:spPr>
-        <p:txBody>
-          <a:bodyPr wrap="square" lIns="182880" tIns="146304" rIns="182880" bIns="146304" rtlCol="0">
-            <a:spAutoFit/>
-          </a:bodyPr>
-          <a:lstStyle/>
-          <a:p>
-            <a:pPr>
-              <a:lnSpc>
-                <a:spcPct val="90000"/>
-              </a:lnSpc>
-              <a:spcAft>
-                <a:spcPts val="600"/>
-              </a:spcAft>
-            </a:pPr>
-            <a:r>
-              <a:rPr lang="en-US" sz="3600" dirty="0">
-                <a:latin typeface="+mj-lt"/>
-              </a:rPr>
-              <a:t>Outcome</a:t>
-            </a:r>
-          </a:p>
-          <a:p>
-            <a:pPr>
-              <a:lnSpc>
-                <a:spcPct val="90000"/>
-              </a:lnSpc>
-              <a:spcAft>
-                <a:spcPts val="600"/>
-              </a:spcAft>
-            </a:pPr>
-            <a:r>
-              <a:rPr lang="en-US" sz="2400" dirty="0">
-                <a:latin typeface="Segoe UI Semilight" panose="020B0402040204020203" pitchFamily="34" charset="0"/>
-                <a:cs typeface="Segoe UI Semilight" panose="020B0402040204020203" pitchFamily="34" charset="0"/>
-              </a:rPr>
-              <a:t>Design a solution and prepare to present the solution to the target customer audience in a 15-minute chalk-talk format. </a:t>
-            </a:r>
-          </a:p>
-          <a:p>
-            <a:pPr>
-              <a:lnSpc>
-                <a:spcPct val="90000"/>
-              </a:lnSpc>
-              <a:spcAft>
-                <a:spcPts val="600"/>
-              </a:spcAft>
-            </a:pPr>
-            <a:endParaRPr lang="en-US" sz="2400" dirty="0"/>
-          </a:p>
-          <a:p>
-            <a:pPr>
-              <a:lnSpc>
-                <a:spcPct val="90000"/>
-              </a:lnSpc>
-              <a:spcAft>
-                <a:spcPts val="600"/>
-              </a:spcAft>
-            </a:pPr>
-            <a:r>
-              <a:rPr lang="en-US" sz="3600" dirty="0">
-                <a:latin typeface="+mj-lt"/>
-              </a:rPr>
-              <a:t>Timeframe</a:t>
-            </a:r>
-          </a:p>
-          <a:p>
-            <a:pPr>
-              <a:lnSpc>
-                <a:spcPct val="90000"/>
-              </a:lnSpc>
-              <a:spcAft>
-                <a:spcPts val="600"/>
-              </a:spcAft>
-            </a:pPr>
-            <a:r>
-              <a:rPr lang="en-US" sz="2400" dirty="0">
-                <a:latin typeface="Segoe UI Semilight" panose="020B0402040204020203" pitchFamily="34" charset="0"/>
-                <a:cs typeface="Segoe UI Semilight" panose="020B0402040204020203" pitchFamily="34" charset="0"/>
-              </a:rPr>
-              <a:t>60 minutes</a:t>
-            </a:r>
-          </a:p>
-        </p:txBody>
-      </p:sp>
-      <p:graphicFrame>
-        <p:nvGraphicFramePr>
-          <p:cNvPr id="4" name="Table 3">
-            <a:extLst>
-              <a:ext uri="{FF2B5EF4-FFF2-40B4-BE49-F238E27FC236}">
-                <a16:creationId xmlns:a16="http://schemas.microsoft.com/office/drawing/2014/main" id="{9FC7A5CD-D651-4072-A920-34F54BCBC3EF}"/>
-              </a:ext>
-            </a:extLst>
-          </p:cNvPr>
-          <p:cNvGraphicFramePr>
-            <a:graphicFrameLocks noGrp="1"/>
-          </p:cNvGraphicFramePr>
-          <p:nvPr>
-            <p:extLst>
-              <p:ext uri="{D42A27DB-BD31-4B8C-83A1-F6EECF244321}">
-                <p14:modId xmlns:p14="http://schemas.microsoft.com/office/powerpoint/2010/main" val="2701882102"/>
-              </p:ext>
-            </p:extLst>
-          </p:nvPr>
-        </p:nvGraphicFramePr>
-        <p:xfrm>
-          <a:off x="3095545" y="3791921"/>
-          <a:ext cx="8040154" cy="2420452"/>
-        </p:xfrm>
-        <a:graphic>
-          <a:graphicData uri="http://schemas.openxmlformats.org/drawingml/2006/table">
-            <a:tbl>
-              <a:tblPr firstRow="1" bandRow="1">
-                <a:tableStyleId>{69CF1AB2-1976-4502-BF36-3FF5EA218861}</a:tableStyleId>
-              </a:tblPr>
-              <a:tblGrid>
-                <a:gridCol w="1758700">
-                  <a:extLst>
-                    <a:ext uri="{9D8B030D-6E8A-4147-A177-3AD203B41FA5}">
-                      <a16:colId xmlns:a16="http://schemas.microsoft.com/office/drawing/2014/main" val="20000"/>
-                    </a:ext>
-                  </a:extLst>
-                </a:gridCol>
-                <a:gridCol w="6281454">
-                  <a:extLst>
-                    <a:ext uri="{9D8B030D-6E8A-4147-A177-3AD203B41FA5}">
-                      <a16:colId xmlns:a16="http://schemas.microsoft.com/office/drawing/2014/main" val="20001"/>
-                    </a:ext>
-                  </a:extLst>
-                </a:gridCol>
-              </a:tblGrid>
-              <a:tr h="672348">
-                <a:tc>
-                  <a:txBody>
-                    <a:bodyPr/>
-                    <a:lstStyle/>
-                    <a:p>
-                      <a:r>
-                        <a:rPr lang="en-US" sz="1300" b="1" i="1" dirty="0">
-                          <a:latin typeface="Segoe UI" panose="020B0502040204020203" pitchFamily="34" charset="0"/>
-                          <a:cs typeface="Segoe UI" panose="020B0502040204020203" pitchFamily="34" charset="0"/>
-                        </a:rPr>
-                        <a:t>Business</a:t>
-                      </a:r>
-                      <a:r>
-                        <a:rPr lang="en-US" sz="1300" b="1" i="1" kern="1200" dirty="0">
-                          <a:solidFill>
-                            <a:schemeClr val="dk1"/>
-                          </a:solidFill>
-                          <a:latin typeface="Segoe UI" panose="020B0502040204020203" pitchFamily="34" charset="0"/>
-                          <a:ea typeface="+mn-ea"/>
-                          <a:cs typeface="Segoe UI" panose="020B0502040204020203" pitchFamily="34" charset="0"/>
-                        </a:rPr>
-                        <a:t> needs</a:t>
-                      </a:r>
-                    </a:p>
-                    <a:p>
-                      <a:r>
-                        <a:rPr lang="en-US" sz="1300" b="0" i="0" dirty="0">
-                          <a:latin typeface="Segoe UI" panose="020B0502040204020203" pitchFamily="34" charset="0"/>
-                          <a:cs typeface="Segoe UI" panose="020B0502040204020203" pitchFamily="34" charset="0"/>
-                        </a:rPr>
-                        <a:t>(10 minutes)</a:t>
-                      </a:r>
-                      <a:br>
-                        <a:rPr lang="en-US" sz="1300" b="0" i="0" dirty="0">
-                          <a:latin typeface="Segoe UI" panose="020B0502040204020203" pitchFamily="34" charset="0"/>
-                          <a:cs typeface="Segoe UI" panose="020B0502040204020203" pitchFamily="34" charset="0"/>
-                        </a:rPr>
-                      </a:br>
-                      <a:endParaRPr lang="en-US" sz="1300" b="0" i="0" dirty="0">
-                        <a:latin typeface="Segoe UI" panose="020B0502040204020203" pitchFamily="34" charset="0"/>
-                        <a:cs typeface="Segoe UI" panose="020B0502040204020203" pitchFamily="34" charset="0"/>
-                      </a:endParaRPr>
-                    </a:p>
-                  </a:txBody>
-                  <a:tcPr marL="67235" marR="67235" marT="33617" marB="33617"/>
-                </a:tc>
-                <a:tc>
-                  <a:txBody>
-                    <a:bodyPr/>
-                    <a:lstStyle/>
-                    <a:p>
-                      <a:pPr marL="285750" marR="0" indent="-285750" algn="l" defTabSz="932742" rtl="0" eaLnBrk="1" fontAlgn="auto" latinLnBrk="0" hangingPunct="1">
-                        <a:lnSpc>
-                          <a:spcPct val="100000"/>
-                        </a:lnSpc>
-                        <a:spcBef>
-                          <a:spcPts val="0"/>
-                        </a:spcBef>
-                        <a:spcAft>
-                          <a:spcPts val="0"/>
-                        </a:spcAft>
-                        <a:buClrTx/>
-                        <a:buSzTx/>
-                        <a:buFont typeface="Arial" panose="020B0604020202020204" pitchFamily="34" charset="0"/>
-                        <a:buChar char="•"/>
-                        <a:tabLst/>
-                        <a:defRPr/>
-                      </a:pPr>
-                      <a:r>
-                        <a:rPr lang="en-US" sz="1300" b="0" dirty="0">
-                          <a:solidFill>
-                            <a:schemeClr val="bg1"/>
-                          </a:solidFill>
-                          <a:latin typeface="Segoe UI" panose="020B0502040204020203" pitchFamily="34" charset="0"/>
-                          <a:cs typeface="Segoe UI" panose="020B0502040204020203" pitchFamily="34" charset="0"/>
-                        </a:rPr>
-                        <a:t>Respond to questions outlined in your guide and list the answers on a flipchart</a:t>
-                      </a:r>
-                    </a:p>
-                    <a:p>
-                      <a:endParaRPr lang="en-US" sz="1300" b="0" dirty="0">
-                        <a:latin typeface="Segoe UI" panose="020B0502040204020203" pitchFamily="34" charset="0"/>
-                        <a:cs typeface="Segoe UI" panose="020B0502040204020203" pitchFamily="34" charset="0"/>
-                      </a:endParaRPr>
-                    </a:p>
-                  </a:txBody>
-                  <a:tcPr marL="67235" marR="67235" marT="33617" marB="33617"/>
-                </a:tc>
-                <a:extLst>
-                  <a:ext uri="{0D108BD9-81ED-4DB2-BD59-A6C34878D82A}">
-                    <a16:rowId xmlns:a16="http://schemas.microsoft.com/office/drawing/2014/main" val="10000"/>
-                  </a:ext>
-                </a:extLst>
-              </a:tr>
-              <a:tr h="672348">
-                <a:tc>
-                  <a:txBody>
-                    <a:bodyPr/>
-                    <a:lstStyle/>
-                    <a:p>
-                      <a:r>
-                        <a:rPr lang="en-US" sz="1300" b="1" i="1" dirty="0">
-                          <a:latin typeface="Segoe UI" panose="020B0502040204020203" pitchFamily="34" charset="0"/>
-                          <a:cs typeface="Segoe UI" panose="020B0502040204020203" pitchFamily="34" charset="0"/>
-                        </a:rPr>
-                        <a:t>Design</a:t>
-                      </a:r>
-                    </a:p>
-                    <a:p>
-                      <a:pPr marL="0" algn="l" defTabSz="932742" rtl="0" eaLnBrk="1" latinLnBrk="0" hangingPunct="1"/>
-                      <a:r>
-                        <a:rPr lang="en-US" sz="1300" b="0" i="0" kern="1200" dirty="0">
-                          <a:solidFill>
-                            <a:schemeClr val="dk1"/>
-                          </a:solidFill>
-                          <a:latin typeface="Segoe UI" panose="020B0502040204020203" pitchFamily="34" charset="0"/>
-                          <a:ea typeface="+mn-ea"/>
-                          <a:cs typeface="Segoe UI" panose="020B0502040204020203" pitchFamily="34" charset="0"/>
-                        </a:rPr>
-                        <a:t>(35 minutes)</a:t>
-                      </a:r>
-                      <a:br>
-                        <a:rPr lang="en-US" sz="1300" b="0" i="0" kern="1200" dirty="0">
-                          <a:solidFill>
-                            <a:schemeClr val="dk1"/>
-                          </a:solidFill>
-                          <a:latin typeface="Segoe UI" panose="020B0502040204020203" pitchFamily="34" charset="0"/>
-                          <a:ea typeface="+mn-ea"/>
-                          <a:cs typeface="Segoe UI" panose="020B0502040204020203" pitchFamily="34" charset="0"/>
-                        </a:rPr>
-                      </a:br>
-                      <a:endParaRPr lang="en-US" sz="1300" b="0" i="0" kern="1200" dirty="0">
-                        <a:solidFill>
-                          <a:schemeClr val="dk1"/>
-                        </a:solidFill>
-                        <a:latin typeface="Segoe UI" panose="020B0502040204020203" pitchFamily="34" charset="0"/>
-                        <a:ea typeface="+mn-ea"/>
-                        <a:cs typeface="Segoe UI" panose="020B0502040204020203" pitchFamily="34" charset="0"/>
-                      </a:endParaRPr>
-                    </a:p>
-                  </a:txBody>
-                  <a:tcPr marL="67235" marR="67235" marT="33617" marB="33617"/>
-                </a:tc>
-                <a:tc>
-                  <a:txBody>
-                    <a:bodyPr/>
-                    <a:lstStyle/>
-                    <a:p>
-                      <a:pPr marL="285750" marR="0" indent="-285750" algn="l" defTabSz="932742" rtl="0" eaLnBrk="1" fontAlgn="auto" latinLnBrk="0" hangingPunct="1">
-                        <a:lnSpc>
-                          <a:spcPct val="100000"/>
-                        </a:lnSpc>
-                        <a:spcBef>
-                          <a:spcPts val="0"/>
-                        </a:spcBef>
-                        <a:spcAft>
-                          <a:spcPts val="0"/>
-                        </a:spcAft>
-                        <a:buClrTx/>
-                        <a:buSzTx/>
-                        <a:buFont typeface="Arial" panose="020B0604020202020204" pitchFamily="34" charset="0"/>
-                        <a:buChar char="•"/>
-                        <a:tabLst/>
-                        <a:defRPr/>
-                      </a:pPr>
-                      <a:r>
-                        <a:rPr lang="en-US" sz="1300" kern="1200" baseline="0" dirty="0">
-                          <a:solidFill>
-                            <a:schemeClr val="bg1"/>
-                          </a:solidFill>
-                          <a:latin typeface="Segoe UI" panose="020B0502040204020203" pitchFamily="34" charset="0"/>
-                          <a:ea typeface="+mn-ea"/>
-                          <a:cs typeface="Segoe UI" panose="020B0502040204020203" pitchFamily="34" charset="0"/>
-                        </a:rPr>
-                        <a:t>Design a solution for as many of the stated requirements as time allows. Show the solution on a flipchart</a:t>
-                      </a:r>
-                    </a:p>
-                    <a:p>
-                      <a:endParaRPr lang="en-US" sz="1300" dirty="0">
-                        <a:latin typeface="Segoe UI" panose="020B0502040204020203" pitchFamily="34" charset="0"/>
-                        <a:cs typeface="Segoe UI" panose="020B0502040204020203" pitchFamily="34" charset="0"/>
-                      </a:endParaRPr>
-                    </a:p>
-                  </a:txBody>
-                  <a:tcPr marL="67235" marR="67235" marT="33617" marB="33617"/>
-                </a:tc>
-                <a:extLst>
-                  <a:ext uri="{0D108BD9-81ED-4DB2-BD59-A6C34878D82A}">
-                    <a16:rowId xmlns:a16="http://schemas.microsoft.com/office/drawing/2014/main" val="10001"/>
-                  </a:ext>
-                </a:extLst>
-              </a:tr>
-              <a:tr h="1075756">
-                <a:tc>
-                  <a:txBody>
-                    <a:bodyPr/>
-                    <a:lstStyle/>
-                    <a:p>
-                      <a:r>
-                        <a:rPr lang="en-US" sz="1300" b="1" i="1" dirty="0">
-                          <a:latin typeface="Segoe UI" panose="020B0502040204020203" pitchFamily="34" charset="0"/>
-                          <a:cs typeface="Segoe UI" panose="020B0502040204020203" pitchFamily="34" charset="0"/>
-                        </a:rPr>
-                        <a:t>Prepare</a:t>
-                      </a:r>
-                    </a:p>
-                    <a:p>
-                      <a:pPr marL="0" marR="0" indent="0" algn="l" defTabSz="932742" rtl="0" eaLnBrk="1" fontAlgn="auto" latinLnBrk="0" hangingPunct="1">
-                        <a:lnSpc>
-                          <a:spcPct val="100000"/>
-                        </a:lnSpc>
-                        <a:spcBef>
-                          <a:spcPts val="0"/>
-                        </a:spcBef>
-                        <a:spcAft>
-                          <a:spcPts val="0"/>
-                        </a:spcAft>
-                        <a:buClrTx/>
-                        <a:buSzTx/>
-                        <a:buFontTx/>
-                        <a:buNone/>
-                        <a:tabLst/>
-                        <a:defRPr/>
-                      </a:pPr>
-                      <a:r>
-                        <a:rPr lang="en-US" sz="1300" b="0" i="0" kern="1200" dirty="0">
-                          <a:solidFill>
-                            <a:schemeClr val="dk1"/>
-                          </a:solidFill>
-                          <a:latin typeface="Segoe UI" panose="020B0502040204020203" pitchFamily="34" charset="0"/>
-                          <a:ea typeface="+mn-ea"/>
-                          <a:cs typeface="Segoe UI" panose="020B0502040204020203" pitchFamily="34" charset="0"/>
-                        </a:rPr>
-                        <a:t>(15 minutes)</a:t>
-                      </a:r>
-                    </a:p>
-                    <a:p>
-                      <a:endParaRPr lang="en-US" sz="1300" b="1" i="1" dirty="0">
-                        <a:latin typeface="Segoe UI" panose="020B0502040204020203" pitchFamily="34" charset="0"/>
-                        <a:cs typeface="Segoe UI" panose="020B0502040204020203" pitchFamily="34" charset="0"/>
-                      </a:endParaRPr>
-                    </a:p>
-                  </a:txBody>
-                  <a:tcPr marL="67235" marR="67235" marT="33617" marB="33617"/>
-                </a:tc>
-                <a:tc>
-                  <a:txBody>
-                    <a:bodyPr/>
-                    <a:lstStyle/>
-                    <a:p>
-                      <a:pPr marL="285750" lvl="0" indent="-285750">
-                        <a:buFont typeface="Arial" panose="020B0604020202020204" pitchFamily="34" charset="0"/>
-                        <a:buChar char="•"/>
-                      </a:pPr>
-                      <a:r>
-                        <a:rPr lang="en-US" sz="1300" dirty="0">
-                          <a:latin typeface="Segoe UI" panose="020B0502040204020203" pitchFamily="34" charset="0"/>
-                          <a:cs typeface="Segoe UI" panose="020B0502040204020203" pitchFamily="34" charset="0"/>
-                        </a:rPr>
-                        <a:t>Identify any customer needs that are not addressed with the proposed solution</a:t>
-                      </a:r>
-                    </a:p>
-                    <a:p>
-                      <a:pPr marL="285750" lvl="0" indent="-285750">
-                        <a:buFont typeface="Arial" panose="020B0604020202020204" pitchFamily="34" charset="0"/>
-                        <a:buChar char="•"/>
-                      </a:pPr>
-                      <a:r>
-                        <a:rPr lang="en-US" sz="1300" dirty="0">
-                          <a:latin typeface="Segoe UI" panose="020B0502040204020203" pitchFamily="34" charset="0"/>
-                          <a:cs typeface="Segoe UI" panose="020B0502040204020203" pitchFamily="34" charset="0"/>
-                        </a:rPr>
-                        <a:t>Identify the benefits of your solution</a:t>
-                      </a:r>
-                    </a:p>
-                    <a:p>
-                      <a:pPr marL="285750" lvl="0" indent="-285750">
-                        <a:buFont typeface="Arial" panose="020B0604020202020204" pitchFamily="34" charset="0"/>
-                        <a:buChar char="•"/>
-                      </a:pPr>
-                      <a:r>
-                        <a:rPr lang="en-US" sz="1300" dirty="0">
-                          <a:latin typeface="Segoe UI" panose="020B0502040204020203" pitchFamily="34" charset="0"/>
-                          <a:cs typeface="Segoe UI" panose="020B0502040204020203" pitchFamily="34" charset="0"/>
-                        </a:rPr>
-                        <a:t>Determine how you will respond to the customer’s objections</a:t>
-                      </a:r>
-                    </a:p>
-                    <a:p>
-                      <a:pPr marL="285750" lvl="0" indent="-285750">
-                        <a:buFont typeface="Arial" panose="020B0604020202020204" pitchFamily="34" charset="0"/>
-                        <a:buChar char="•"/>
-                      </a:pPr>
-                      <a:r>
-                        <a:rPr lang="en-US" sz="1300" dirty="0">
-                          <a:latin typeface="Segoe UI" panose="020B0502040204020203" pitchFamily="34" charset="0"/>
-                          <a:cs typeface="Segoe UI" panose="020B0502040204020203" pitchFamily="34" charset="0"/>
-                        </a:rPr>
-                        <a:t>Prepare for a 15-minute presentation to the customer</a:t>
-                      </a:r>
-                      <a:br>
-                        <a:rPr lang="en-US" sz="1300" dirty="0">
-                          <a:latin typeface="Segoe UI" panose="020B0502040204020203" pitchFamily="34" charset="0"/>
-                          <a:cs typeface="Segoe UI" panose="020B0502040204020203" pitchFamily="34" charset="0"/>
-                        </a:rPr>
-                      </a:br>
-                      <a:endParaRPr lang="en-US" sz="1300" dirty="0">
-                        <a:latin typeface="Segoe UI" panose="020B0502040204020203" pitchFamily="34" charset="0"/>
-                        <a:cs typeface="Segoe UI" panose="020B0502040204020203" pitchFamily="34" charset="0"/>
-                      </a:endParaRPr>
-                    </a:p>
-                  </a:txBody>
-                  <a:tcPr marL="67235" marR="67235" marT="33617" marB="33617"/>
-                </a:tc>
-                <a:extLst>
-                  <a:ext uri="{0D108BD9-81ED-4DB2-BD59-A6C34878D82A}">
-                    <a16:rowId xmlns:a16="http://schemas.microsoft.com/office/drawing/2014/main" val="10002"/>
-                  </a:ext>
-                </a:extLst>
-              </a:tr>
-            </a:tbl>
-          </a:graphicData>
-        </a:graphic>
-      </p:graphicFrame>
     </p:spTree>
     <p:extLst>
       <p:ext uri="{BB962C8B-B14F-4D97-AF65-F5344CB8AC3E}">
-        <p14:creationId xmlns:p14="http://schemas.microsoft.com/office/powerpoint/2010/main" val="1203314758"/>
+        <p14:creationId xmlns:p14="http://schemas.microsoft.com/office/powerpoint/2010/main" val="3923265977"/>
       </p:ext>
     </p:extLst>
   </p:cSld>
@@ -29062,6 +31006,15 @@
 </file>
 
 <file path=customXml/item2.xml><?xml version="1.0" encoding="utf-8"?>
+<?mso-contentType ?>
+<FormTemplates xmlns="http://schemas.microsoft.com/sharepoint/v3/contenttype/forms">
+  <Display>DocumentLibraryForm</Display>
+  <Edit>DocumentLibraryForm</Edit>
+  <New>DocumentLibraryForm</New>
+</FormTemplates>
+</file>
+
+<file path=customXml/item3.xml><?xml version="1.0" encoding="utf-8"?>
 <ct:contentTypeSchema xmlns:ct="http://schemas.microsoft.com/office/2006/metadata/contentType" xmlns:ma="http://schemas.microsoft.com/office/2006/metadata/properties/metaAttributes" ct:_="" ma:_="" ma:contentTypeName="Document" ma:contentTypeID="0x010100D15DFA3690A15B4081582BBCC6BEAC3E" ma:contentTypeVersion="9" ma:contentTypeDescription="Create a new document." ma:contentTypeScope="" ma:versionID="642da1784587cbe85a7fdbbe4dc36103">
   <xsd:schema xmlns:xsd="http://www.w3.org/2001/XMLSchema" xmlns:xs="http://www.w3.org/2001/XMLSchema" xmlns:p="http://schemas.microsoft.com/office/2006/metadata/properties" xmlns:ns1="http://schemas.microsoft.com/sharepoint/v3" xmlns:ns2="2023ac63-7b75-4916-a9ee-591457758eee" xmlns:ns3="d9c797ad-d7c3-4982-82b7-81352a75e4a5" targetNamespace="http://schemas.microsoft.com/office/2006/metadata/properties" ma:root="true" ma:fieldsID="91198b0246576053cc55dd2c67035a89" ns1:_="" ns2:_="" ns3:_="">
     <xsd:import namespace="http://schemas.microsoft.com/sharepoint/v3"/>
@@ -29263,15 +31216,6 @@
 </ct:contentTypeSchema>
 </file>
 
-<file path=customXml/item3.xml><?xml version="1.0" encoding="utf-8"?>
-<?mso-contentType ?>
-<FormTemplates xmlns="http://schemas.microsoft.com/sharepoint/v3/contenttype/forms">
-  <Display>DocumentLibraryForm</Display>
-  <Edit>DocumentLibraryForm</Edit>
-  <New>DocumentLibraryForm</New>
-</FormTemplates>
-</file>
-
 <file path=customXml/itemProps1.xml><?xml version="1.0" encoding="utf-8"?>
 <ds:datastoreItem xmlns:ds="http://schemas.openxmlformats.org/officeDocument/2006/customXml" ds:itemID="{BAF7D529-36AB-45DA-B239-2F912F2D1610}">
   <ds:schemaRefs>
@@ -29291,6 +31235,14 @@
 </file>
 
 <file path=customXml/itemProps2.xml><?xml version="1.0" encoding="utf-8"?>
+<ds:datastoreItem xmlns:ds="http://schemas.openxmlformats.org/officeDocument/2006/customXml" ds:itemID="{F18501AF-04CF-4482-BAE1-607B49DDC378}">
+  <ds:schemaRefs>
+    <ds:schemaRef ds:uri="http://schemas.microsoft.com/sharepoint/v3/contenttype/forms"/>
+  </ds:schemaRefs>
+</ds:datastoreItem>
+</file>
+
+<file path=customXml/itemProps3.xml><?xml version="1.0" encoding="utf-8"?>
 <ds:datastoreItem xmlns:ds="http://schemas.openxmlformats.org/officeDocument/2006/customXml" ds:itemID="{255F5BEB-6AD6-480A-8556-C80C5EBC10F2}">
   <ds:schemaRefs>
     <ds:schemaRef ds:uri="http://schemas.microsoft.com/office/2006/metadata/contentType"/>
@@ -29308,12 +31260,4 @@
     <ds:schemaRef ds:uri="http://schemas.microsoft.com/internal/obd"/>
   </ds:schemaRefs>
 </ds:datastoreItem>
-</file>
-
-<file path=customXml/itemProps3.xml><?xml version="1.0" encoding="utf-8"?>
-<ds:datastoreItem xmlns:ds="http://schemas.openxmlformats.org/officeDocument/2006/customXml" ds:itemID="{F18501AF-04CF-4482-BAE1-607B49DDC378}">
-  <ds:schemaRefs>
-    <ds:schemaRef ds:uri="http://schemas.microsoft.com/sharepoint/v3/contenttype/forms"/>
-  </ds:schemaRefs>
-</ds:datastoreItem>
 </file>